--- a/Frito-Lay, Inc.pptx
+++ b/Frito-Lay, Inc.pptx
@@ -7,20 +7,23 @@
   <p:sldIdLst>
     <p:sldId id="282" r:id="rId2"/>
     <p:sldId id="257" r:id="rId3"/>
-    <p:sldId id="258" r:id="rId4"/>
-    <p:sldId id="279" r:id="rId5"/>
+    <p:sldId id="279" r:id="rId4"/>
+    <p:sldId id="298" r:id="rId5"/>
     <p:sldId id="283" r:id="rId6"/>
     <p:sldId id="292" r:id="rId7"/>
     <p:sldId id="290" r:id="rId8"/>
     <p:sldId id="286" r:id="rId9"/>
     <p:sldId id="285" r:id="rId10"/>
-    <p:sldId id="287" r:id="rId11"/>
-    <p:sldId id="265" r:id="rId12"/>
-    <p:sldId id="289" r:id="rId13"/>
-    <p:sldId id="291" r:id="rId14"/>
-    <p:sldId id="269" r:id="rId15"/>
-    <p:sldId id="262" r:id="rId16"/>
-    <p:sldId id="263" r:id="rId17"/>
+    <p:sldId id="289" r:id="rId11"/>
+    <p:sldId id="287" r:id="rId12"/>
+    <p:sldId id="265" r:id="rId13"/>
+    <p:sldId id="293" r:id="rId14"/>
+    <p:sldId id="295" r:id="rId15"/>
+    <p:sldId id="269" r:id="rId16"/>
+    <p:sldId id="294" r:id="rId17"/>
+    <p:sldId id="296" r:id="rId18"/>
+    <p:sldId id="262" r:id="rId19"/>
+    <p:sldId id="263" r:id="rId20"/>
   </p:sldIdLst>
   <p:sldSz cx="12192000" cy="6858000"/>
   <p:notesSz cx="6858000" cy="9144000"/>
@@ -2977,7 +2980,7 @@
     <p:bg>
       <p:bgPr>
         <a:solidFill>
-          <a:schemeClr val="bg1"/>
+          <a:srgbClr val="000000"/>
         </a:solidFill>
         <a:effectLst/>
       </p:bgPr>
@@ -2996,12 +2999,12 @@
           <a:chExt cx="0" cy="0"/>
         </a:xfrm>
       </p:grpSpPr>
-      <p:sp useBgFill="1">
-        <p:nvSpPr>
-          <p:cNvPr id="41" name="Rectangle 40">
+      <p:sp>
+        <p:nvSpPr>
+          <p:cNvPr id="50" name="Rectangle 49">
             <a:extLst>
               <a:ext uri="{FF2B5EF4-FFF2-40B4-BE49-F238E27FC236}">
-                <a16:creationId xmlns:a16="http://schemas.microsoft.com/office/drawing/2014/main" id="{5A59F003-E00A-43F9-91DC-CC54E3B87466}"/>
+                <a16:creationId xmlns:a16="http://schemas.microsoft.com/office/drawing/2014/main" id="{71B2258F-86CA-4D4D-8270-BC05FCDEBFB3}"/>
               </a:ext>
               <a:ext uri="{C183D7F6-B498-43B3-948B-1728B52AA6E4}">
                 <adec:decorative xmlns:adec="http://schemas.microsoft.com/office/drawing/2017/decorative" val="1"/>
@@ -3022,11 +3025,14 @@
         <p:spPr>
           <a:xfrm>
             <a:off x="0" y="0"/>
-            <a:ext cx="12192000" cy="6858000"/>
+            <a:ext cx="12192000" cy="6857999"/>
           </a:xfrm>
           <a:prstGeom prst="rect">
             <a:avLst/>
           </a:prstGeom>
+          <a:solidFill>
+            <a:srgbClr val="000000"/>
+          </a:solidFill>
           <a:ln>
             <a:noFill/>
           </a:ln>
@@ -3061,7 +3067,7 @@
           <p:cNvPr id="7" name="Picture 6" descr="A red ribbon with a yellow ball&#10;&#10;Description automatically generated">
             <a:extLst>
               <a:ext uri="{FF2B5EF4-FFF2-40B4-BE49-F238E27FC236}">
-                <a16:creationId xmlns:a16="http://schemas.microsoft.com/office/drawing/2014/main" id="{B7EDB9A5-B16F-ACD8-C4EA-6F04AAFD192E}"/>
+                <a16:creationId xmlns:a16="http://schemas.microsoft.com/office/drawing/2014/main" id="{11DF86FD-0AAD-8E7F-A2FF-C52A1865F5C4}"/>
               </a:ext>
             </a:extLst>
           </p:cNvPr>
@@ -3072,19 +3078,20 @@
         </p:nvPicPr>
         <p:blipFill rotWithShape="1">
           <a:blip r:embed="rId2">
+            <a:alphaModFix amt="50000"/>
             <a:extLst>
               <a:ext uri="{28A0092B-C50C-407E-A947-70E740481C1C}">
                 <a14:useLocalDpi xmlns:a14="http://schemas.microsoft.com/office/drawing/2010/main" val="0"/>
               </a:ext>
             </a:extLst>
           </a:blip>
-          <a:srcRect t="29441" r="1052" b="2057"/>
+          <a:srcRect t="13493" b="17276"/>
           <a:stretch/>
         </p:blipFill>
         <p:spPr>
           <a:xfrm>
-            <a:off x="20" y="10"/>
-            <a:ext cx="12191981" cy="6857990"/>
+            <a:off x="20" y="1"/>
+            <a:ext cx="12191980" cy="6857999"/>
           </a:xfrm>
           <a:prstGeom prst="rect">
             <a:avLst/>
@@ -3093,99 +3100,14 @@
       </p:pic>
       <p:sp>
         <p:nvSpPr>
-          <p:cNvPr id="43" name="Rectangle 42">
+          <p:cNvPr id="4" name="Title 3">
             <a:extLst>
               <a:ext uri="{FF2B5EF4-FFF2-40B4-BE49-F238E27FC236}">
-                <a16:creationId xmlns:a16="http://schemas.microsoft.com/office/drawing/2014/main" id="{D74A4382-E3AD-430A-9A1F-DFA3E0E77A7D}"/>
-              </a:ext>
-              <a:ext uri="{C183D7F6-B498-43B3-948B-1728B52AA6E4}">
-                <adec:decorative xmlns:adec="http://schemas.microsoft.com/office/drawing/2017/decorative" val="1"/>
+                <a16:creationId xmlns:a16="http://schemas.microsoft.com/office/drawing/2014/main" id="{8353FEE2-E8E2-079E-ABE1-155B328FC067}"/>
               </a:ext>
             </a:extLst>
           </p:cNvPr>
           <p:cNvSpPr>
-            <a:spLocks noGrp="1" noRot="1" noChangeAspect="1" noMove="1" noResize="1" noEditPoints="1" noAdjustHandles="1" noChangeArrowheads="1" noChangeShapeType="1" noTextEdit="1"/>
-          </p:cNvSpPr>
-          <p:nvPr>
-            <p:extLst>
-              <p:ext uri="{386F3935-93C4-4BCD-93E2-E3B085C9AB24}">
-                <p16:designElem xmlns:p16="http://schemas.microsoft.com/office/powerpoint/2015/main" val="1"/>
-              </p:ext>
-            </p:extLst>
-          </p:nvPr>
-        </p:nvSpPr>
-        <p:spPr>
-          <a:xfrm rot="16200000">
-            <a:off x="3799865" y="-1524511"/>
-            <a:ext cx="4592270" cy="12192001"/>
-          </a:xfrm>
-          <a:prstGeom prst="rect">
-            <a:avLst/>
-          </a:prstGeom>
-          <a:gradFill>
-            <a:gsLst>
-              <a:gs pos="35000">
-                <a:schemeClr val="tx1">
-                  <a:alpha val="46000"/>
-                </a:schemeClr>
-              </a:gs>
-              <a:gs pos="21000">
-                <a:schemeClr val="tx1">
-                  <a:alpha val="30000"/>
-                </a:schemeClr>
-              </a:gs>
-              <a:gs pos="0">
-                <a:schemeClr val="tx1">
-                  <a:alpha val="0"/>
-                </a:schemeClr>
-              </a:gs>
-              <a:gs pos="100000">
-                <a:schemeClr val="tx1">
-                  <a:alpha val="90000"/>
-                </a:schemeClr>
-              </a:gs>
-            </a:gsLst>
-            <a:lin ang="10800000" scaled="0"/>
-          </a:gradFill>
-          <a:ln>
-            <a:noFill/>
-          </a:ln>
-        </p:spPr>
-        <p:style>
-          <a:lnRef idx="2">
-            <a:schemeClr val="accent1">
-              <a:shade val="50000"/>
-            </a:schemeClr>
-          </a:lnRef>
-          <a:fillRef idx="1">
-            <a:schemeClr val="accent1"/>
-          </a:fillRef>
-          <a:effectRef idx="0">
-            <a:schemeClr val="accent1"/>
-          </a:effectRef>
-          <a:fontRef idx="minor">
-            <a:schemeClr val="lt1"/>
-          </a:fontRef>
-        </p:style>
-        <p:txBody>
-          <a:bodyPr rtlCol="0" anchor="ctr"/>
-          <a:lstStyle/>
-          <a:p>
-            <a:pPr algn="ctr"/>
-            <a:endParaRPr lang="en-US" dirty="0"/>
-          </a:p>
-        </p:txBody>
-      </p:sp>
-      <p:sp>
-        <p:nvSpPr>
-          <p:cNvPr id="4" name="Title 3">
-            <a:extLst>
-              <a:ext uri="{FF2B5EF4-FFF2-40B4-BE49-F238E27FC236}">
-                <a16:creationId xmlns:a16="http://schemas.microsoft.com/office/drawing/2014/main" id="{1E51064A-DD87-5E22-EE30-4D11F657304E}"/>
-              </a:ext>
-            </a:extLst>
-          </p:cNvPr>
-          <p:cNvSpPr>
             <a:spLocks noGrp="1"/>
           </p:cNvSpPr>
           <p:nvPr>
@@ -3194,8 +3116,8 @@
         </p:nvSpPr>
         <p:spPr>
           <a:xfrm>
-            <a:off x="404553" y="3091928"/>
-            <a:ext cx="9078562" cy="2387600"/>
+            <a:off x="1524000" y="1122362"/>
+            <a:ext cx="9144000" cy="2900518"/>
           </a:xfrm>
         </p:spPr>
         <p:txBody>
@@ -3204,19 +3126,18 @@
           </a:bodyPr>
           <a:lstStyle/>
           <a:p>
-            <a:pPr algn="l"/>
             <a:br>
-              <a:rPr lang="en-US" sz="6600" dirty="0">
+              <a:rPr lang="en-US" dirty="0">
                 <a:solidFill>
-                  <a:schemeClr val="bg1"/>
+                  <a:srgbClr val="FFFFFF"/>
                 </a:solidFill>
                 <a:latin typeface="Berlin Sans FB Demi" panose="020E0802020502020306" pitchFamily="34" charset="0"/>
               </a:rPr>
             </a:br>
             <a:r>
-              <a:rPr lang="en-US" sz="6600" dirty="0">
+              <a:rPr lang="en-US" dirty="0">
                 <a:solidFill>
-                  <a:schemeClr val="bg1"/>
+                  <a:srgbClr val="FFFFFF"/>
                 </a:solidFill>
                 <a:latin typeface="Berlin Sans FB Demi" panose="020E0802020502020306" pitchFamily="34" charset="0"/>
               </a:rPr>
@@ -3227,79 +3148,14 @@
       </p:sp>
       <p:sp>
         <p:nvSpPr>
-          <p:cNvPr id="45" name="Rectangle: Rounded Corners 44">
+          <p:cNvPr id="5" name="Subtitle 4">
             <a:extLst>
               <a:ext uri="{FF2B5EF4-FFF2-40B4-BE49-F238E27FC236}">
-                <a16:creationId xmlns:a16="http://schemas.microsoft.com/office/drawing/2014/main" id="{79F40191-0F44-4FD1-82CC-ACB507C14BE6}"/>
-              </a:ext>
-              <a:ext uri="{C183D7F6-B498-43B3-948B-1728B52AA6E4}">
-                <adec:decorative xmlns:adec="http://schemas.microsoft.com/office/drawing/2017/decorative" val="1"/>
+                <a16:creationId xmlns:a16="http://schemas.microsoft.com/office/drawing/2014/main" id="{F21FF7FC-FCD1-A103-C859-382C38314104}"/>
               </a:ext>
             </a:extLst>
           </p:cNvPr>
           <p:cNvSpPr>
-            <a:spLocks noGrp="1" noRot="1" noChangeAspect="1" noMove="1" noResize="1" noEditPoints="1" noAdjustHandles="1" noChangeArrowheads="1" noChangeShapeType="1" noTextEdit="1"/>
-          </p:cNvSpPr>
-          <p:nvPr>
-            <p:extLst>
-              <p:ext uri="{386F3935-93C4-4BCD-93E2-E3B085C9AB24}">
-                <p16:designElem xmlns:p16="http://schemas.microsoft.com/office/powerpoint/2015/main" val="1"/>
-              </p:ext>
-            </p:extLst>
-          </p:nvPr>
-        </p:nvSpPr>
-        <p:spPr>
-          <a:xfrm>
-            <a:off x="0" y="5575039"/>
-            <a:ext cx="9785897" cy="685800"/>
-          </a:xfrm>
-          <a:prstGeom prst="roundRect">
-            <a:avLst>
-              <a:gd name="adj" fmla="val 0"/>
-            </a:avLst>
-          </a:prstGeom>
-          <a:solidFill>
-            <a:schemeClr val="accent2"/>
-          </a:solidFill>
-          <a:ln>
-            <a:noFill/>
-          </a:ln>
-        </p:spPr>
-        <p:style>
-          <a:lnRef idx="2">
-            <a:schemeClr val="accent1">
-              <a:shade val="50000"/>
-            </a:schemeClr>
-          </a:lnRef>
-          <a:fillRef idx="1">
-            <a:schemeClr val="accent1"/>
-          </a:fillRef>
-          <a:effectRef idx="0">
-            <a:schemeClr val="accent1"/>
-          </a:effectRef>
-          <a:fontRef idx="minor">
-            <a:schemeClr val="lt1"/>
-          </a:fontRef>
-        </p:style>
-        <p:txBody>
-          <a:bodyPr rtlCol="0" anchor="ctr"/>
-          <a:lstStyle/>
-          <a:p>
-            <a:pPr algn="ctr"/>
-            <a:endParaRPr lang="en-US"/>
-          </a:p>
-        </p:txBody>
-      </p:sp>
-      <p:sp>
-        <p:nvSpPr>
-          <p:cNvPr id="5" name="Subtitle 4">
-            <a:extLst>
-              <a:ext uri="{FF2B5EF4-FFF2-40B4-BE49-F238E27FC236}">
-                <a16:creationId xmlns:a16="http://schemas.microsoft.com/office/drawing/2014/main" id="{8967FD40-9D20-4AE7-5867-441513E936D0}"/>
-              </a:ext>
-            </a:extLst>
-          </p:cNvPr>
-          <p:cNvSpPr>
             <a:spLocks noGrp="1"/>
           </p:cNvSpPr>
           <p:nvPr>
@@ -3308,32 +3164,30 @@
         </p:nvSpPr>
         <p:spPr>
           <a:xfrm>
-            <a:off x="404553" y="5624945"/>
-            <a:ext cx="9078562" cy="592975"/>
-          </a:xfrm>
-        </p:spPr>
-        <p:txBody>
-          <a:bodyPr anchor="ctr">
+            <a:off x="1524000" y="4159404"/>
+            <a:ext cx="9144000" cy="1098395"/>
+          </a:xfrm>
+        </p:spPr>
+        <p:txBody>
+          <a:bodyPr>
             <a:normAutofit/>
           </a:bodyPr>
           <a:lstStyle/>
           <a:p>
-            <a:pPr algn="l"/>
-            <a:r>
-              <a:rPr lang="en-US" sz="1300">
+            <a:r>
+              <a:rPr lang="en-US" dirty="0">
                 <a:solidFill>
-                  <a:schemeClr val="bg1"/>
+                  <a:srgbClr val="FFFFFF"/>
                 </a:solidFill>
               </a:rPr>
               <a:t>DDS Analytics</a:t>
             </a:r>
           </a:p>
           <a:p>
-            <a:pPr algn="l"/>
-            <a:r>
-              <a:rPr lang="en-US" sz="1300">
+            <a:r>
+              <a:rPr lang="en-US" dirty="0">
                 <a:solidFill>
-                  <a:schemeClr val="bg1"/>
+                  <a:srgbClr val="FFFFFF"/>
                 </a:solidFill>
               </a:rPr>
               <a:t>December 9, 2023</a:t>
@@ -3349,8 +3203,163 @@
     </p:extLst>
   </p:cSld>
   <p:clrMapOvr>
-    <a:overrideClrMapping bg1="lt1" tx1="dk1" bg2="lt2" tx2="dk2" accent1="accent1" accent2="accent2" accent3="accent3" accent4="accent4" accent5="accent5" accent6="accent6" hlink="hlink" folHlink="folHlink"/>
+    <a:overrideClrMapping bg1="dk1" tx1="lt1" bg2="dk2" tx2="lt2" accent1="accent1" accent2="accent2" accent3="accent3" accent4="accent4" accent5="accent5" accent6="accent6" hlink="hlink" folHlink="folHlink"/>
   </p:clrMapOvr>
+  <p:timing>
+    <p:tnLst>
+      <p:par>
+        <p:cTn id="1" dur="indefinite" restart="never" nodeType="tmRoot">
+          <p:childTnLst>
+            <p:seq concurrent="1" nextAc="seek">
+              <p:cTn id="2" dur="indefinite" nodeType="mainSeq">
+                <p:childTnLst>
+                  <p:par>
+                    <p:cTn id="3" fill="hold">
+                      <p:stCondLst>
+                        <p:cond delay="indefinite"/>
+                        <p:cond evt="onBegin" delay="0">
+                          <p:tn val="2"/>
+                        </p:cond>
+                      </p:stCondLst>
+                      <p:childTnLst>
+                        <p:par>
+                          <p:cTn id="4" fill="hold">
+                            <p:stCondLst>
+                              <p:cond delay="0"/>
+                            </p:stCondLst>
+                            <p:childTnLst>
+                              <p:par>
+                                <p:cTn id="5" presetID="10" presetClass="entr" presetSubtype="0" fill="hold" grpId="0" nodeType="withEffect">
+                                  <p:stCondLst>
+                                    <p:cond delay="1000"/>
+                                  </p:stCondLst>
+                                  <p:iterate>
+                                    <p:tmPct val="10000"/>
+                                  </p:iterate>
+                                  <p:childTnLst>
+                                    <p:set>
+                                      <p:cBhvr>
+                                        <p:cTn id="6" dur="1" fill="hold">
+                                          <p:stCondLst>
+                                            <p:cond delay="0"/>
+                                          </p:stCondLst>
+                                        </p:cTn>
+                                        <p:tgtEl>
+                                          <p:spTgt spid="4"/>
+                                        </p:tgtEl>
+                                        <p:attrNameLst>
+                                          <p:attrName>style.visibility</p:attrName>
+                                        </p:attrNameLst>
+                                      </p:cBhvr>
+                                      <p:to>
+                                        <p:strVal val="visible"/>
+                                      </p:to>
+                                    </p:set>
+                                    <p:animEffect transition="in" filter="fade">
+                                      <p:cBhvr>
+                                        <p:cTn id="7" dur="700"/>
+                                        <p:tgtEl>
+                                          <p:spTgt spid="4"/>
+                                        </p:tgtEl>
+                                      </p:cBhvr>
+                                    </p:animEffect>
+                                  </p:childTnLst>
+                                </p:cTn>
+                              </p:par>
+                              <p:par>
+                                <p:cTn id="8" presetID="1" presetClass="entr" presetSubtype="0" fill="hold" grpId="0" nodeType="withEffect">
+                                  <p:stCondLst>
+                                    <p:cond delay="1000"/>
+                                  </p:stCondLst>
+                                  <p:childTnLst>
+                                    <p:set>
+                                      <p:cBhvr>
+                                        <p:cTn id="9" dur="1" fill="hold">
+                                          <p:stCondLst>
+                                            <p:cond delay="0"/>
+                                          </p:stCondLst>
+                                        </p:cTn>
+                                        <p:tgtEl>
+                                          <p:spTgt spid="5">
+                                            <p:txEl>
+                                              <p:pRg st="0" end="0"/>
+                                            </p:txEl>
+                                          </p:spTgt>
+                                        </p:tgtEl>
+                                        <p:attrNameLst>
+                                          <p:attrName>style.visibility</p:attrName>
+                                        </p:attrNameLst>
+                                      </p:cBhvr>
+                                      <p:to>
+                                        <p:strVal val="visible"/>
+                                      </p:to>
+                                    </p:set>
+                                  </p:childTnLst>
+                                </p:cTn>
+                              </p:par>
+                              <p:par>
+                                <p:cTn id="10" presetID="1" presetClass="entr" presetSubtype="0" fill="hold" grpId="0" nodeType="withEffect">
+                                  <p:stCondLst>
+                                    <p:cond delay="1000"/>
+                                  </p:stCondLst>
+                                  <p:childTnLst>
+                                    <p:set>
+                                      <p:cBhvr>
+                                        <p:cTn id="11" dur="1" fill="hold">
+                                          <p:stCondLst>
+                                            <p:cond delay="0"/>
+                                          </p:stCondLst>
+                                        </p:cTn>
+                                        <p:tgtEl>
+                                          <p:spTgt spid="5">
+                                            <p:txEl>
+                                              <p:pRg st="1" end="1"/>
+                                            </p:txEl>
+                                          </p:spTgt>
+                                        </p:tgtEl>
+                                        <p:attrNameLst>
+                                          <p:attrName>style.visibility</p:attrName>
+                                        </p:attrNameLst>
+                                      </p:cBhvr>
+                                      <p:to>
+                                        <p:strVal val="visible"/>
+                                      </p:to>
+                                    </p:set>
+                                  </p:childTnLst>
+                                </p:cTn>
+                              </p:par>
+                            </p:childTnLst>
+                          </p:cTn>
+                        </p:par>
+                      </p:childTnLst>
+                    </p:cTn>
+                  </p:par>
+                </p:childTnLst>
+              </p:cTn>
+              <p:prevCondLst>
+                <p:cond evt="onPrev" delay="0">
+                  <p:tgtEl>
+                    <p:sldTgt/>
+                  </p:tgtEl>
+                </p:cond>
+              </p:prevCondLst>
+              <p:nextCondLst>
+                <p:cond evt="onNext" delay="0">
+                  <p:tgtEl>
+                    <p:sldTgt/>
+                  </p:tgtEl>
+                </p:cond>
+              </p:nextCondLst>
+            </p:seq>
+          </p:childTnLst>
+        </p:cTn>
+      </p:par>
+    </p:tnLst>
+    <p:bldLst>
+      <p:bldP spid="4" grpId="0"/>
+      <p:bldP spid="5" grpId="0" build="p"/>
+    </p:bldLst>
+  </p:timing>
 </p:sld>
 </file>
 
@@ -3381,10 +3390,10 @@
       </p:grpSpPr>
       <p:sp>
         <p:nvSpPr>
-          <p:cNvPr id="11" name="Rectangle 10">
+          <p:cNvPr id="15" name="Rectangle 14">
             <a:extLst>
               <a:ext uri="{FF2B5EF4-FFF2-40B4-BE49-F238E27FC236}">
-                <a16:creationId xmlns:a16="http://schemas.microsoft.com/office/drawing/2014/main" id="{32BC26D8-82FB-445E-AA49-62A77D7C1EE0}"/>
+                <a16:creationId xmlns:a16="http://schemas.microsoft.com/office/drawing/2014/main" id="{5F9CFCE6-877F-4858-B8BD-2C52CA8AFBC4}"/>
               </a:ext>
               <a:ext uri="{C183D7F6-B498-43B3-948B-1728B52AA6E4}">
                 <adec:decorative xmlns:adec="http://schemas.microsoft.com/office/drawing/2017/decorative" val="1"/>
@@ -3411,10 +3420,7 @@
             <a:avLst/>
           </a:prstGeom>
           <a:solidFill>
-            <a:schemeClr val="tx1">
-              <a:lumMod val="65000"/>
-              <a:lumOff val="35000"/>
-            </a:schemeClr>
+            <a:srgbClr val="655A44"/>
           </a:solidFill>
           <a:ln>
             <a:noFill/>
@@ -3447,10 +3453,10 @@
       </p:sp>
       <p:sp>
         <p:nvSpPr>
-          <p:cNvPr id="13" name="Rectangle 12">
+          <p:cNvPr id="17" name="Rectangle 16">
             <a:extLst>
               <a:ext uri="{FF2B5EF4-FFF2-40B4-BE49-F238E27FC236}">
-                <a16:creationId xmlns:a16="http://schemas.microsoft.com/office/drawing/2014/main" id="{CB44330D-EA18-4254-AA95-EB49948539B8}"/>
+                <a16:creationId xmlns:a16="http://schemas.microsoft.com/office/drawing/2014/main" id="{8213F8A0-12AE-4514-8372-0DD766EC28EE}"/>
               </a:ext>
               <a:ext uri="{C183D7F6-B498-43B3-948B-1728B52AA6E4}">
                 <adec:decorative xmlns:adec="http://schemas.microsoft.com/office/drawing/2017/decorative" val="1"/>
@@ -3470,8 +3476,8 @@
         </p:nvSpPr>
         <p:spPr>
           <a:xfrm>
-            <a:off x="477012" y="480060"/>
-            <a:ext cx="11237976" cy="5897880"/>
+            <a:off x="6256866" y="480060"/>
+            <a:ext cx="5458122" cy="5897880"/>
           </a:xfrm>
           <a:prstGeom prst="rect">
             <a:avLst/>
@@ -3510,6 +3516,428 @@
       </p:sp>
       <p:pic>
         <p:nvPicPr>
+          <p:cNvPr id="10" name="Content Placeholder 9">
+            <a:extLst>
+              <a:ext uri="{FF2B5EF4-FFF2-40B4-BE49-F238E27FC236}">
+                <a16:creationId xmlns:a16="http://schemas.microsoft.com/office/drawing/2014/main" id="{5B6CDAD1-849A-F205-F2F2-62865EEC142B}"/>
+              </a:ext>
+            </a:extLst>
+          </p:cNvPr>
+          <p:cNvPicPr>
+            <a:picLocks noGrp="1" noChangeAspect="1"/>
+          </p:cNvPicPr>
+          <p:nvPr>
+            <p:ph sz="half" idx="4294967295"/>
+          </p:nvPr>
+        </p:nvPicPr>
+        <p:blipFill>
+          <a:blip r:embed="rId2">
+            <a:extLst>
+              <a:ext uri="{28A0092B-C50C-407E-A947-70E740481C1C}">
+                <a14:useLocalDpi xmlns:a14="http://schemas.microsoft.com/office/drawing/2010/main" val="0"/>
+              </a:ext>
+            </a:extLst>
+          </a:blip>
+          <a:stretch>
+            <a:fillRect/>
+          </a:stretch>
+        </p:blipFill>
+        <p:spPr>
+          <a:xfrm>
+            <a:off x="6421035" y="1845180"/>
+            <a:ext cx="5129784" cy="3167640"/>
+          </a:xfrm>
+          <a:prstGeom prst="rect">
+            <a:avLst/>
+          </a:prstGeom>
+        </p:spPr>
+      </p:pic>
+      <p:sp>
+        <p:nvSpPr>
+          <p:cNvPr id="19" name="Rectangle 18">
+            <a:extLst>
+              <a:ext uri="{FF2B5EF4-FFF2-40B4-BE49-F238E27FC236}">
+                <a16:creationId xmlns:a16="http://schemas.microsoft.com/office/drawing/2014/main" id="{9EFF17D4-9A8C-4CE5-B096-D8CCD4400437}"/>
+              </a:ext>
+              <a:ext uri="{C183D7F6-B498-43B3-948B-1728B52AA6E4}">
+                <adec:decorative xmlns:adec="http://schemas.microsoft.com/office/drawing/2017/decorative" val="1"/>
+              </a:ext>
+            </a:extLst>
+          </p:cNvPr>
+          <p:cNvSpPr>
+            <a:spLocks noGrp="1" noRot="1" noChangeAspect="1" noMove="1" noResize="1" noEditPoints="1" noAdjustHandles="1" noChangeArrowheads="1" noChangeShapeType="1" noTextEdit="1"/>
+          </p:cNvSpPr>
+          <p:nvPr>
+            <p:extLst>
+              <p:ext uri="{386F3935-93C4-4BCD-93E2-E3B085C9AB24}">
+                <p16:designElem xmlns:p16="http://schemas.microsoft.com/office/powerpoint/2015/main" val="1"/>
+              </p:ext>
+            </p:extLst>
+          </p:nvPr>
+        </p:nvSpPr>
+        <p:spPr>
+          <a:xfrm>
+            <a:off x="477012" y="480060"/>
+            <a:ext cx="5458121" cy="5897880"/>
+          </a:xfrm>
+          <a:prstGeom prst="rect">
+            <a:avLst/>
+          </a:prstGeom>
+          <a:solidFill>
+            <a:srgbClr val="FFFFFF"/>
+          </a:solidFill>
+          <a:ln>
+            <a:noFill/>
+          </a:ln>
+        </p:spPr>
+        <p:style>
+          <a:lnRef idx="2">
+            <a:schemeClr val="accent1">
+              <a:shade val="50000"/>
+            </a:schemeClr>
+          </a:lnRef>
+          <a:fillRef idx="1">
+            <a:schemeClr val="accent1"/>
+          </a:fillRef>
+          <a:effectRef idx="0">
+            <a:schemeClr val="accent1"/>
+          </a:effectRef>
+          <a:fontRef idx="minor">
+            <a:schemeClr val="lt1"/>
+          </a:fontRef>
+        </p:style>
+        <p:txBody>
+          <a:bodyPr rtlCol="0" anchor="ctr"/>
+          <a:lstStyle/>
+          <a:p>
+            <a:pPr algn="ctr"/>
+            <a:endParaRPr lang="en-US"/>
+          </a:p>
+        </p:txBody>
+      </p:sp>
+      <p:pic>
+        <p:nvPicPr>
+          <p:cNvPr id="8" name="Content Placeholder 7" descr="A graph of income by job role&#10;&#10;Description automatically generated">
+            <a:extLst>
+              <a:ext uri="{FF2B5EF4-FFF2-40B4-BE49-F238E27FC236}">
+                <a16:creationId xmlns:a16="http://schemas.microsoft.com/office/drawing/2014/main" id="{97FAD43C-2BC9-A8AA-3CB3-740E65F483C7}"/>
+              </a:ext>
+            </a:extLst>
+          </p:cNvPr>
+          <p:cNvPicPr>
+            <a:picLocks noChangeAspect="1"/>
+          </p:cNvPicPr>
+          <p:nvPr/>
+        </p:nvPicPr>
+        <p:blipFill>
+          <a:blip r:embed="rId3">
+            <a:extLst>
+              <a:ext uri="{28A0092B-C50C-407E-A947-70E740481C1C}">
+                <a14:useLocalDpi xmlns:a14="http://schemas.microsoft.com/office/drawing/2010/main" val="0"/>
+              </a:ext>
+            </a:extLst>
+          </a:blip>
+          <a:stretch>
+            <a:fillRect/>
+          </a:stretch>
+        </p:blipFill>
+        <p:spPr>
+          <a:xfrm>
+            <a:off x="641180" y="1845180"/>
+            <a:ext cx="5129784" cy="3167640"/>
+          </a:xfrm>
+          <a:prstGeom prst="rect">
+            <a:avLst/>
+          </a:prstGeom>
+        </p:spPr>
+      </p:pic>
+    </p:spTree>
+    <p:extLst>
+      <p:ext uri="{BB962C8B-B14F-4D97-AF65-F5344CB8AC3E}">
+        <p14:creationId xmlns:p14="http://schemas.microsoft.com/office/powerpoint/2010/main" val="2624650380"/>
+      </p:ext>
+    </p:extLst>
+  </p:cSld>
+  <p:clrMapOvr>
+    <a:masterClrMapping/>
+  </p:clrMapOvr>
+  <p:timing>
+    <p:tnLst>
+      <p:par>
+        <p:cTn id="1" dur="indefinite" restart="never" nodeType="tmRoot">
+          <p:childTnLst>
+            <p:seq concurrent="1" nextAc="seek">
+              <p:cTn id="2" dur="indefinite" nodeType="mainSeq">
+                <p:childTnLst>
+                  <p:par>
+                    <p:cTn id="3" fill="hold">
+                      <p:stCondLst>
+                        <p:cond delay="indefinite"/>
+                      </p:stCondLst>
+                      <p:childTnLst>
+                        <p:par>
+                          <p:cTn id="4" fill="hold">
+                            <p:stCondLst>
+                              <p:cond delay="0"/>
+                            </p:stCondLst>
+                            <p:childTnLst>
+                              <p:par>
+                                <p:cTn id="5" presetID="26" presetClass="emph" presetSubtype="0" fill="hold" nodeType="clickEffect">
+                                  <p:stCondLst>
+                                    <p:cond delay="0"/>
+                                  </p:stCondLst>
+                                  <p:childTnLst>
+                                    <p:animEffect transition="out" filter="fade">
+                                      <p:cBhvr>
+                                        <p:cTn id="6" dur="500" tmFilter="0, 0; .2, .5; .8, .5; 1, 0"/>
+                                        <p:tgtEl>
+                                          <p:spTgt spid="8"/>
+                                        </p:tgtEl>
+                                      </p:cBhvr>
+                                    </p:animEffect>
+                                    <p:animScale>
+                                      <p:cBhvr>
+                                        <p:cTn id="7" dur="250" autoRev="1" fill="hold"/>
+                                        <p:tgtEl>
+                                          <p:spTgt spid="8"/>
+                                        </p:tgtEl>
+                                      </p:cBhvr>
+                                      <p:by x="105000" y="105000"/>
+                                    </p:animScale>
+                                  </p:childTnLst>
+                                </p:cTn>
+                              </p:par>
+                            </p:childTnLst>
+                          </p:cTn>
+                        </p:par>
+                      </p:childTnLst>
+                    </p:cTn>
+                  </p:par>
+                  <p:par>
+                    <p:cTn id="8" fill="hold">
+                      <p:stCondLst>
+                        <p:cond delay="indefinite"/>
+                      </p:stCondLst>
+                      <p:childTnLst>
+                        <p:par>
+                          <p:cTn id="9" fill="hold">
+                            <p:stCondLst>
+                              <p:cond delay="0"/>
+                            </p:stCondLst>
+                            <p:childTnLst>
+                              <p:par>
+                                <p:cTn id="10" presetID="26" presetClass="emph" presetSubtype="0" fill="hold" nodeType="clickEffect">
+                                  <p:stCondLst>
+                                    <p:cond delay="0"/>
+                                  </p:stCondLst>
+                                  <p:childTnLst>
+                                    <p:animEffect transition="out" filter="fade">
+                                      <p:cBhvr>
+                                        <p:cTn id="11" dur="500" tmFilter="0, 0; .2, .5; .8, .5; 1, 0"/>
+                                        <p:tgtEl>
+                                          <p:spTgt spid="10"/>
+                                        </p:tgtEl>
+                                      </p:cBhvr>
+                                    </p:animEffect>
+                                    <p:animScale>
+                                      <p:cBhvr>
+                                        <p:cTn id="12" dur="250" autoRev="1" fill="hold"/>
+                                        <p:tgtEl>
+                                          <p:spTgt spid="10"/>
+                                        </p:tgtEl>
+                                      </p:cBhvr>
+                                      <p:by x="105000" y="105000"/>
+                                    </p:animScale>
+                                  </p:childTnLst>
+                                </p:cTn>
+                              </p:par>
+                            </p:childTnLst>
+                          </p:cTn>
+                        </p:par>
+                      </p:childTnLst>
+                    </p:cTn>
+                  </p:par>
+                </p:childTnLst>
+              </p:cTn>
+              <p:prevCondLst>
+                <p:cond evt="onPrev" delay="0">
+                  <p:tgtEl>
+                    <p:sldTgt/>
+                  </p:tgtEl>
+                </p:cond>
+              </p:prevCondLst>
+              <p:nextCondLst>
+                <p:cond evt="onNext" delay="0">
+                  <p:tgtEl>
+                    <p:sldTgt/>
+                  </p:tgtEl>
+                </p:cond>
+              </p:nextCondLst>
+            </p:seq>
+          </p:childTnLst>
+        </p:cTn>
+      </p:par>
+    </p:tnLst>
+  </p:timing>
+</p:sld>
+</file>
+
+<file path=ppt/slides/slide11.xml><?xml version="1.0" encoding="utf-8"?>
+<p:sld xmlns:a="http://schemas.openxmlformats.org/drawingml/2006/main" xmlns:r="http://schemas.openxmlformats.org/officeDocument/2006/relationships" xmlns:p="http://schemas.openxmlformats.org/presentationml/2006/main">
+  <p:cSld>
+    <p:bg>
+      <p:bgPr>
+        <a:solidFill>
+          <a:schemeClr val="bg1"/>
+        </a:solidFill>
+        <a:effectLst/>
+      </p:bgPr>
+    </p:bg>
+    <p:spTree>
+      <p:nvGrpSpPr>
+        <p:cNvPr id="1" name=""/>
+        <p:cNvGrpSpPr/>
+        <p:nvPr/>
+      </p:nvGrpSpPr>
+      <p:grpSpPr>
+        <a:xfrm>
+          <a:off x="0" y="0"/>
+          <a:ext cx="0" cy="0"/>
+          <a:chOff x="0" y="0"/>
+          <a:chExt cx="0" cy="0"/>
+        </a:xfrm>
+      </p:grpSpPr>
+      <p:sp>
+        <p:nvSpPr>
+          <p:cNvPr id="11" name="Rectangle 10">
+            <a:extLst>
+              <a:ext uri="{FF2B5EF4-FFF2-40B4-BE49-F238E27FC236}">
+                <a16:creationId xmlns:a16="http://schemas.microsoft.com/office/drawing/2014/main" id="{32BC26D8-82FB-445E-AA49-62A77D7C1EE0}"/>
+              </a:ext>
+              <a:ext uri="{C183D7F6-B498-43B3-948B-1728B52AA6E4}">
+                <adec:decorative xmlns:adec="http://schemas.microsoft.com/office/drawing/2017/decorative" val="1"/>
+              </a:ext>
+            </a:extLst>
+          </p:cNvPr>
+          <p:cNvSpPr>
+            <a:spLocks noGrp="1" noRot="1" noChangeAspect="1" noMove="1" noResize="1" noEditPoints="1" noAdjustHandles="1" noChangeArrowheads="1" noChangeShapeType="1" noTextEdit="1"/>
+          </p:cNvSpPr>
+          <p:nvPr>
+            <p:extLst>
+              <p:ext uri="{386F3935-93C4-4BCD-93E2-E3B085C9AB24}">
+                <p16:designElem xmlns:p16="http://schemas.microsoft.com/office/powerpoint/2015/main" val="1"/>
+              </p:ext>
+            </p:extLst>
+          </p:nvPr>
+        </p:nvSpPr>
+        <p:spPr>
+          <a:xfrm>
+            <a:off x="0" y="0"/>
+            <a:ext cx="12192000" cy="6858000"/>
+          </a:xfrm>
+          <a:prstGeom prst="rect">
+            <a:avLst/>
+          </a:prstGeom>
+          <a:solidFill>
+            <a:schemeClr val="tx1">
+              <a:lumMod val="65000"/>
+              <a:lumOff val="35000"/>
+            </a:schemeClr>
+          </a:solidFill>
+          <a:ln>
+            <a:noFill/>
+          </a:ln>
+        </p:spPr>
+        <p:style>
+          <a:lnRef idx="2">
+            <a:schemeClr val="accent1">
+              <a:shade val="50000"/>
+            </a:schemeClr>
+          </a:lnRef>
+          <a:fillRef idx="1">
+            <a:schemeClr val="accent1"/>
+          </a:fillRef>
+          <a:effectRef idx="0">
+            <a:schemeClr val="accent1"/>
+          </a:effectRef>
+          <a:fontRef idx="minor">
+            <a:schemeClr val="lt1"/>
+          </a:fontRef>
+        </p:style>
+        <p:txBody>
+          <a:bodyPr rtlCol="0" anchor="ctr"/>
+          <a:lstStyle/>
+          <a:p>
+            <a:pPr algn="ctr"/>
+            <a:endParaRPr lang="en-US"/>
+          </a:p>
+        </p:txBody>
+      </p:sp>
+      <p:sp>
+        <p:nvSpPr>
+          <p:cNvPr id="13" name="Rectangle 12">
+            <a:extLst>
+              <a:ext uri="{FF2B5EF4-FFF2-40B4-BE49-F238E27FC236}">
+                <a16:creationId xmlns:a16="http://schemas.microsoft.com/office/drawing/2014/main" id="{CB44330D-EA18-4254-AA95-EB49948539B8}"/>
+              </a:ext>
+              <a:ext uri="{C183D7F6-B498-43B3-948B-1728B52AA6E4}">
+                <adec:decorative xmlns:adec="http://schemas.microsoft.com/office/drawing/2017/decorative" val="1"/>
+              </a:ext>
+            </a:extLst>
+          </p:cNvPr>
+          <p:cNvSpPr>
+            <a:spLocks noGrp="1" noRot="1" noChangeAspect="1" noMove="1" noResize="1" noEditPoints="1" noAdjustHandles="1" noChangeArrowheads="1" noChangeShapeType="1" noTextEdit="1"/>
+          </p:cNvSpPr>
+          <p:nvPr>
+            <p:extLst>
+              <p:ext uri="{386F3935-93C4-4BCD-93E2-E3B085C9AB24}">
+                <p16:designElem xmlns:p16="http://schemas.microsoft.com/office/powerpoint/2015/main" val="1"/>
+              </p:ext>
+            </p:extLst>
+          </p:nvPr>
+        </p:nvSpPr>
+        <p:spPr>
+          <a:xfrm>
+            <a:off x="477012" y="480060"/>
+            <a:ext cx="11237976" cy="5897880"/>
+          </a:xfrm>
+          <a:prstGeom prst="rect">
+            <a:avLst/>
+          </a:prstGeom>
+          <a:solidFill>
+            <a:srgbClr val="FFFFFF"/>
+          </a:solidFill>
+          <a:ln>
+            <a:noFill/>
+          </a:ln>
+        </p:spPr>
+        <p:style>
+          <a:lnRef idx="2">
+            <a:schemeClr val="accent1">
+              <a:shade val="50000"/>
+            </a:schemeClr>
+          </a:lnRef>
+          <a:fillRef idx="1">
+            <a:schemeClr val="accent1"/>
+          </a:fillRef>
+          <a:effectRef idx="0">
+            <a:schemeClr val="accent1"/>
+          </a:effectRef>
+          <a:fontRef idx="minor">
+            <a:schemeClr val="lt1"/>
+          </a:fontRef>
+        </p:style>
+        <p:txBody>
+          <a:bodyPr rtlCol="0" anchor="ctr"/>
+          <a:lstStyle/>
+          <a:p>
+            <a:pPr algn="ctr"/>
+            <a:endParaRPr lang="en-US"/>
+          </a:p>
+        </p:txBody>
+      </p:sp>
+      <p:pic>
+        <p:nvPicPr>
           <p:cNvPr id="6" name="Content Placeholder 5">
             <a:extLst>
               <a:ext uri="{FF2B5EF4-FFF2-40B4-BE49-F238E27FC236}">
@@ -3558,7 +3986,7 @@
 </p:sld>
 </file>
 
-<file path=ppt/slides/slide11.xml><?xml version="1.0" encoding="utf-8"?>
+<file path=ppt/slides/slide12.xml><?xml version="1.0" encoding="utf-8"?>
 <p:sld xmlns:a="http://schemas.openxmlformats.org/drawingml/2006/main" xmlns:r="http://schemas.openxmlformats.org/officeDocument/2006/relationships" xmlns:p="http://schemas.openxmlformats.org/presentationml/2006/main">
   <p:cSld>
     <p:bg>
@@ -3767,307 +4195,6 @@
   </p:cSld>
   <p:clrMapOvr>
     <a:overrideClrMapping bg1="dk1" tx1="lt1" bg2="dk2" tx2="lt2" accent1="accent1" accent2="accent2" accent3="accent3" accent4="accent4" accent5="accent5" accent6="accent6" hlink="hlink" folHlink="folHlink"/>
-  </p:clrMapOvr>
-</p:sld>
-</file>
-
-<file path=ppt/slides/slide12.xml><?xml version="1.0" encoding="utf-8"?>
-<p:sld xmlns:a="http://schemas.openxmlformats.org/drawingml/2006/main" xmlns:r="http://schemas.openxmlformats.org/officeDocument/2006/relationships" xmlns:p="http://schemas.openxmlformats.org/presentationml/2006/main">
-  <p:cSld>
-    <p:bg>
-      <p:bgPr>
-        <a:solidFill>
-          <a:schemeClr val="bg1"/>
-        </a:solidFill>
-        <a:effectLst/>
-      </p:bgPr>
-    </p:bg>
-    <p:spTree>
-      <p:nvGrpSpPr>
-        <p:cNvPr id="1" name=""/>
-        <p:cNvGrpSpPr/>
-        <p:nvPr/>
-      </p:nvGrpSpPr>
-      <p:grpSpPr>
-        <a:xfrm>
-          <a:off x="0" y="0"/>
-          <a:ext cx="0" cy="0"/>
-          <a:chOff x="0" y="0"/>
-          <a:chExt cx="0" cy="0"/>
-        </a:xfrm>
-      </p:grpSpPr>
-      <p:sp>
-        <p:nvSpPr>
-          <p:cNvPr id="15" name="Rectangle 14">
-            <a:extLst>
-              <a:ext uri="{FF2B5EF4-FFF2-40B4-BE49-F238E27FC236}">
-                <a16:creationId xmlns:a16="http://schemas.microsoft.com/office/drawing/2014/main" id="{5F9CFCE6-877F-4858-B8BD-2C52CA8AFBC4}"/>
-              </a:ext>
-              <a:ext uri="{C183D7F6-B498-43B3-948B-1728B52AA6E4}">
-                <adec:decorative xmlns:adec="http://schemas.microsoft.com/office/drawing/2017/decorative" val="1"/>
-              </a:ext>
-            </a:extLst>
-          </p:cNvPr>
-          <p:cNvSpPr>
-            <a:spLocks noGrp="1" noRot="1" noChangeAspect="1" noMove="1" noResize="1" noEditPoints="1" noAdjustHandles="1" noChangeArrowheads="1" noChangeShapeType="1" noTextEdit="1"/>
-          </p:cNvSpPr>
-          <p:nvPr>
-            <p:extLst>
-              <p:ext uri="{386F3935-93C4-4BCD-93E2-E3B085C9AB24}">
-                <p16:designElem xmlns:p16="http://schemas.microsoft.com/office/powerpoint/2015/main" val="1"/>
-              </p:ext>
-            </p:extLst>
-          </p:nvPr>
-        </p:nvSpPr>
-        <p:spPr>
-          <a:xfrm>
-            <a:off x="0" y="0"/>
-            <a:ext cx="12192000" cy="6858000"/>
-          </a:xfrm>
-          <a:prstGeom prst="rect">
-            <a:avLst/>
-          </a:prstGeom>
-          <a:solidFill>
-            <a:srgbClr val="655A44"/>
-          </a:solidFill>
-          <a:ln>
-            <a:noFill/>
-          </a:ln>
-        </p:spPr>
-        <p:style>
-          <a:lnRef idx="2">
-            <a:schemeClr val="accent1">
-              <a:shade val="50000"/>
-            </a:schemeClr>
-          </a:lnRef>
-          <a:fillRef idx="1">
-            <a:schemeClr val="accent1"/>
-          </a:fillRef>
-          <a:effectRef idx="0">
-            <a:schemeClr val="accent1"/>
-          </a:effectRef>
-          <a:fontRef idx="minor">
-            <a:schemeClr val="lt1"/>
-          </a:fontRef>
-        </p:style>
-        <p:txBody>
-          <a:bodyPr rtlCol="0" anchor="ctr"/>
-          <a:lstStyle/>
-          <a:p>
-            <a:pPr algn="ctr"/>
-            <a:endParaRPr lang="en-US"/>
-          </a:p>
-        </p:txBody>
-      </p:sp>
-      <p:sp>
-        <p:nvSpPr>
-          <p:cNvPr id="17" name="Rectangle 16">
-            <a:extLst>
-              <a:ext uri="{FF2B5EF4-FFF2-40B4-BE49-F238E27FC236}">
-                <a16:creationId xmlns:a16="http://schemas.microsoft.com/office/drawing/2014/main" id="{8213F8A0-12AE-4514-8372-0DD766EC28EE}"/>
-              </a:ext>
-              <a:ext uri="{C183D7F6-B498-43B3-948B-1728B52AA6E4}">
-                <adec:decorative xmlns:adec="http://schemas.microsoft.com/office/drawing/2017/decorative" val="1"/>
-              </a:ext>
-            </a:extLst>
-          </p:cNvPr>
-          <p:cNvSpPr>
-            <a:spLocks noGrp="1" noRot="1" noChangeAspect="1" noMove="1" noResize="1" noEditPoints="1" noAdjustHandles="1" noChangeArrowheads="1" noChangeShapeType="1" noTextEdit="1"/>
-          </p:cNvSpPr>
-          <p:nvPr>
-            <p:extLst>
-              <p:ext uri="{386F3935-93C4-4BCD-93E2-E3B085C9AB24}">
-                <p16:designElem xmlns:p16="http://schemas.microsoft.com/office/powerpoint/2015/main" val="1"/>
-              </p:ext>
-            </p:extLst>
-          </p:nvPr>
-        </p:nvSpPr>
-        <p:spPr>
-          <a:xfrm>
-            <a:off x="6256866" y="480060"/>
-            <a:ext cx="5458122" cy="5897880"/>
-          </a:xfrm>
-          <a:prstGeom prst="rect">
-            <a:avLst/>
-          </a:prstGeom>
-          <a:solidFill>
-            <a:srgbClr val="FFFFFF"/>
-          </a:solidFill>
-          <a:ln>
-            <a:noFill/>
-          </a:ln>
-        </p:spPr>
-        <p:style>
-          <a:lnRef idx="2">
-            <a:schemeClr val="accent1">
-              <a:shade val="50000"/>
-            </a:schemeClr>
-          </a:lnRef>
-          <a:fillRef idx="1">
-            <a:schemeClr val="accent1"/>
-          </a:fillRef>
-          <a:effectRef idx="0">
-            <a:schemeClr val="accent1"/>
-          </a:effectRef>
-          <a:fontRef idx="minor">
-            <a:schemeClr val="lt1"/>
-          </a:fontRef>
-        </p:style>
-        <p:txBody>
-          <a:bodyPr rtlCol="0" anchor="ctr"/>
-          <a:lstStyle/>
-          <a:p>
-            <a:pPr algn="ctr"/>
-            <a:endParaRPr lang="en-US"/>
-          </a:p>
-        </p:txBody>
-      </p:sp>
-      <p:pic>
-        <p:nvPicPr>
-          <p:cNvPr id="10" name="Content Placeholder 9">
-            <a:extLst>
-              <a:ext uri="{FF2B5EF4-FFF2-40B4-BE49-F238E27FC236}">
-                <a16:creationId xmlns:a16="http://schemas.microsoft.com/office/drawing/2014/main" id="{5B6CDAD1-849A-F205-F2F2-62865EEC142B}"/>
-              </a:ext>
-            </a:extLst>
-          </p:cNvPr>
-          <p:cNvPicPr>
-            <a:picLocks noGrp="1" noChangeAspect="1"/>
-          </p:cNvPicPr>
-          <p:nvPr>
-            <p:ph sz="half" idx="4294967295"/>
-          </p:nvPr>
-        </p:nvPicPr>
-        <p:blipFill>
-          <a:blip r:embed="rId2">
-            <a:extLst>
-              <a:ext uri="{28A0092B-C50C-407E-A947-70E740481C1C}">
-                <a14:useLocalDpi xmlns:a14="http://schemas.microsoft.com/office/drawing/2010/main" val="0"/>
-              </a:ext>
-            </a:extLst>
-          </a:blip>
-          <a:stretch>
-            <a:fillRect/>
-          </a:stretch>
-        </p:blipFill>
-        <p:spPr>
-          <a:xfrm>
-            <a:off x="6421035" y="1845180"/>
-            <a:ext cx="5129784" cy="3167640"/>
-          </a:xfrm>
-          <a:prstGeom prst="rect">
-            <a:avLst/>
-          </a:prstGeom>
-        </p:spPr>
-      </p:pic>
-      <p:sp>
-        <p:nvSpPr>
-          <p:cNvPr id="19" name="Rectangle 18">
-            <a:extLst>
-              <a:ext uri="{FF2B5EF4-FFF2-40B4-BE49-F238E27FC236}">
-                <a16:creationId xmlns:a16="http://schemas.microsoft.com/office/drawing/2014/main" id="{9EFF17D4-9A8C-4CE5-B096-D8CCD4400437}"/>
-              </a:ext>
-              <a:ext uri="{C183D7F6-B498-43B3-948B-1728B52AA6E4}">
-                <adec:decorative xmlns:adec="http://schemas.microsoft.com/office/drawing/2017/decorative" val="1"/>
-              </a:ext>
-            </a:extLst>
-          </p:cNvPr>
-          <p:cNvSpPr>
-            <a:spLocks noGrp="1" noRot="1" noChangeAspect="1" noMove="1" noResize="1" noEditPoints="1" noAdjustHandles="1" noChangeArrowheads="1" noChangeShapeType="1" noTextEdit="1"/>
-          </p:cNvSpPr>
-          <p:nvPr>
-            <p:extLst>
-              <p:ext uri="{386F3935-93C4-4BCD-93E2-E3B085C9AB24}">
-                <p16:designElem xmlns:p16="http://schemas.microsoft.com/office/powerpoint/2015/main" val="1"/>
-              </p:ext>
-            </p:extLst>
-          </p:nvPr>
-        </p:nvSpPr>
-        <p:spPr>
-          <a:xfrm>
-            <a:off x="477012" y="480060"/>
-            <a:ext cx="5458121" cy="5897880"/>
-          </a:xfrm>
-          <a:prstGeom prst="rect">
-            <a:avLst/>
-          </a:prstGeom>
-          <a:solidFill>
-            <a:srgbClr val="FFFFFF"/>
-          </a:solidFill>
-          <a:ln>
-            <a:noFill/>
-          </a:ln>
-        </p:spPr>
-        <p:style>
-          <a:lnRef idx="2">
-            <a:schemeClr val="accent1">
-              <a:shade val="50000"/>
-            </a:schemeClr>
-          </a:lnRef>
-          <a:fillRef idx="1">
-            <a:schemeClr val="accent1"/>
-          </a:fillRef>
-          <a:effectRef idx="0">
-            <a:schemeClr val="accent1"/>
-          </a:effectRef>
-          <a:fontRef idx="minor">
-            <a:schemeClr val="lt1"/>
-          </a:fontRef>
-        </p:style>
-        <p:txBody>
-          <a:bodyPr rtlCol="0" anchor="ctr"/>
-          <a:lstStyle/>
-          <a:p>
-            <a:pPr algn="ctr"/>
-            <a:endParaRPr lang="en-US"/>
-          </a:p>
-        </p:txBody>
-      </p:sp>
-      <p:pic>
-        <p:nvPicPr>
-          <p:cNvPr id="8" name="Content Placeholder 7" descr="A graph of income by job role&#10;&#10;Description automatically generated">
-            <a:extLst>
-              <a:ext uri="{FF2B5EF4-FFF2-40B4-BE49-F238E27FC236}">
-                <a16:creationId xmlns:a16="http://schemas.microsoft.com/office/drawing/2014/main" id="{97FAD43C-2BC9-A8AA-3CB3-740E65F483C7}"/>
-              </a:ext>
-            </a:extLst>
-          </p:cNvPr>
-          <p:cNvPicPr>
-            <a:picLocks noChangeAspect="1"/>
-          </p:cNvPicPr>
-          <p:nvPr/>
-        </p:nvPicPr>
-        <p:blipFill>
-          <a:blip r:embed="rId3">
-            <a:extLst>
-              <a:ext uri="{28A0092B-C50C-407E-A947-70E740481C1C}">
-                <a14:useLocalDpi xmlns:a14="http://schemas.microsoft.com/office/drawing/2010/main" val="0"/>
-              </a:ext>
-            </a:extLst>
-          </a:blip>
-          <a:stretch>
-            <a:fillRect/>
-          </a:stretch>
-        </p:blipFill>
-        <p:spPr>
-          <a:xfrm>
-            <a:off x="641180" y="1845180"/>
-            <a:ext cx="5129784" cy="3167640"/>
-          </a:xfrm>
-          <a:prstGeom prst="rect">
-            <a:avLst/>
-          </a:prstGeom>
-        </p:spPr>
-      </p:pic>
-    </p:spTree>
-    <p:extLst>
-      <p:ext uri="{BB962C8B-B14F-4D97-AF65-F5344CB8AC3E}">
-        <p14:creationId xmlns:p14="http://schemas.microsoft.com/office/powerpoint/2010/main" val="2624650380"/>
-      </p:ext>
-    </p:extLst>
-  </p:cSld>
-  <p:clrMapOvr>
-    <a:masterClrMapping/>
   </p:clrMapOvr>
 </p:sld>
 </file>
@@ -4099,10 +4226,10 @@
       </p:grpSpPr>
       <p:sp>
         <p:nvSpPr>
-          <p:cNvPr id="28" name="Rectangle 27">
+          <p:cNvPr id="26" name="Rectangle 25">
             <a:extLst>
               <a:ext uri="{FF2B5EF4-FFF2-40B4-BE49-F238E27FC236}">
-                <a16:creationId xmlns:a16="http://schemas.microsoft.com/office/drawing/2014/main" id="{9527FCEA-6143-4C5E-8C45-8AC9237ADE89}"/>
+                <a16:creationId xmlns:a16="http://schemas.microsoft.com/office/drawing/2014/main" id="{5F9CFCE6-877F-4858-B8BD-2C52CA8AFBC4}"/>
               </a:ext>
               <a:ext uri="{C183D7F6-B498-43B3-948B-1728B52AA6E4}">
                 <adec:decorative xmlns:adec="http://schemas.microsoft.com/office/drawing/2017/decorative" val="1"/>
@@ -4129,11 +4256,7 @@
             <a:avLst/>
           </a:prstGeom>
           <a:solidFill>
-            <a:schemeClr val="tx1">
-              <a:lumMod val="50000"/>
-              <a:lumOff val="50000"/>
-              <a:alpha val="30000"/>
-            </a:schemeClr>
+            <a:srgbClr val="4E4E4E"/>
           </a:solidFill>
           <a:ln>
             <a:noFill/>
@@ -4166,10 +4289,10 @@
       </p:sp>
       <p:sp>
         <p:nvSpPr>
-          <p:cNvPr id="30" name="Rectangle 29">
+          <p:cNvPr id="27" name="Rectangle 26">
             <a:extLst>
               <a:ext uri="{FF2B5EF4-FFF2-40B4-BE49-F238E27FC236}">
-                <a16:creationId xmlns:a16="http://schemas.microsoft.com/office/drawing/2014/main" id="{1A9F23AD-7A55-49F3-A3EC-743F47F36B0E}"/>
+                <a16:creationId xmlns:a16="http://schemas.microsoft.com/office/drawing/2014/main" id="{8213F8A0-12AE-4514-8372-0DD766EC28EE}"/>
               </a:ext>
               <a:ext uri="{C183D7F6-B498-43B3-948B-1728B52AA6E4}">
                 <adec:decorative xmlns:adec="http://schemas.microsoft.com/office/drawing/2017/decorative" val="1"/>
@@ -4189,8 +4312,8 @@
         </p:nvSpPr>
         <p:spPr>
           <a:xfrm>
-            <a:off x="477012" y="487090"/>
-            <a:ext cx="6741849" cy="5897880"/>
+            <a:off x="6256866" y="480060"/>
+            <a:ext cx="5458122" cy="5897880"/>
           </a:xfrm>
           <a:prstGeom prst="rect">
             <a:avLst/>
@@ -4198,14 +4321,8 @@
           <a:solidFill>
             <a:srgbClr val="FFFFFF"/>
           </a:solidFill>
-          <a:ln w="19050">
-            <a:solidFill>
-              <a:schemeClr val="tx1">
-                <a:lumMod val="50000"/>
-                <a:lumOff val="50000"/>
-                <a:alpha val="80000"/>
-              </a:schemeClr>
-            </a:solidFill>
+          <a:ln>
+            <a:noFill/>
           </a:ln>
         </p:spPr>
         <p:style>
@@ -4233,48 +4350,12 @@
           </a:p>
         </p:txBody>
       </p:sp>
-      <p:pic>
-        <p:nvPicPr>
-          <p:cNvPr id="12" name="Content Placeholder 11" descr="A graph of different colored lines&#10;&#10;Description automatically generated">
+      <p:sp>
+        <p:nvSpPr>
+          <p:cNvPr id="25" name="Rectangle 24">
             <a:extLst>
               <a:ext uri="{FF2B5EF4-FFF2-40B4-BE49-F238E27FC236}">
-                <a16:creationId xmlns:a16="http://schemas.microsoft.com/office/drawing/2014/main" id="{02D24820-C2E9-952E-2F77-6F7E341F7B97}"/>
-              </a:ext>
-            </a:extLst>
-          </p:cNvPr>
-          <p:cNvPicPr>
-            <a:picLocks noChangeAspect="1"/>
-          </p:cNvPicPr>
-          <p:nvPr/>
-        </p:nvPicPr>
-        <p:blipFill>
-          <a:blip r:embed="rId2">
-            <a:extLst>
-              <a:ext uri="{28A0092B-C50C-407E-A947-70E740481C1C}">
-                <a14:useLocalDpi xmlns:a14="http://schemas.microsoft.com/office/drawing/2010/main" val="0"/>
-              </a:ext>
-            </a:extLst>
-          </a:blip>
-          <a:stretch>
-            <a:fillRect/>
-          </a:stretch>
-        </p:blipFill>
-        <p:spPr>
-          <a:xfrm>
-            <a:off x="641180" y="1456917"/>
-            <a:ext cx="6410084" cy="3958226"/>
-          </a:xfrm>
-          <a:prstGeom prst="rect">
-            <a:avLst/>
-          </a:prstGeom>
-        </p:spPr>
-      </p:pic>
-      <p:sp>
-        <p:nvSpPr>
-          <p:cNvPr id="32" name="Rectangle 31">
-            <a:extLst>
-              <a:ext uri="{FF2B5EF4-FFF2-40B4-BE49-F238E27FC236}">
-                <a16:creationId xmlns:a16="http://schemas.microsoft.com/office/drawing/2014/main" id="{D7D9F91F-72C9-4DB9-ABD0-A8180D8262D5}"/>
+                <a16:creationId xmlns:a16="http://schemas.microsoft.com/office/drawing/2014/main" id="{9EFF17D4-9A8C-4CE5-B096-D8CCD4400437}"/>
               </a:ext>
               <a:ext uri="{C183D7F6-B498-43B3-948B-1728B52AA6E4}">
                 <adec:decorative xmlns:adec="http://schemas.microsoft.com/office/drawing/2017/decorative" val="1"/>
@@ -4294,8 +4375,8 @@
         </p:nvSpPr>
         <p:spPr>
           <a:xfrm>
-            <a:off x="7534655" y="480060"/>
-            <a:ext cx="4180332" cy="2788074"/>
+            <a:off x="477012" y="480060"/>
+            <a:ext cx="5458121" cy="5897880"/>
           </a:xfrm>
           <a:prstGeom prst="rect">
             <a:avLst/>
@@ -4303,14 +4384,8 @@
           <a:solidFill>
             <a:srgbClr val="FFFFFF"/>
           </a:solidFill>
-          <a:ln w="19050">
-            <a:solidFill>
-              <a:schemeClr val="tx1">
-                <a:lumMod val="50000"/>
-                <a:lumOff val="50000"/>
-                <a:alpha val="80000"/>
-              </a:schemeClr>
-            </a:solidFill>
+          <a:ln>
+            <a:noFill/>
           </a:ln>
         </p:spPr>
         <p:style>
@@ -4340,10 +4415,46 @@
       </p:sp>
       <p:pic>
         <p:nvPicPr>
-          <p:cNvPr id="14" name="Picture 13" descr="A graph of different colored lines&#10;&#10;Description automatically generated">
+          <p:cNvPr id="9" name="Picture 8" descr="A graph of different colored squares&#10;&#10;Description automatically generated with medium confidence">
             <a:extLst>
               <a:ext uri="{FF2B5EF4-FFF2-40B4-BE49-F238E27FC236}">
-                <a16:creationId xmlns:a16="http://schemas.microsoft.com/office/drawing/2014/main" id="{50E3EED1-CE2E-C439-250B-16A252BBBA8E}"/>
+                <a16:creationId xmlns:a16="http://schemas.microsoft.com/office/drawing/2014/main" id="{A808D7EB-D8F0-EEF4-C0F3-95EAAF92C497}"/>
+              </a:ext>
+            </a:extLst>
+          </p:cNvPr>
+          <p:cNvPicPr>
+            <a:picLocks noChangeAspect="1"/>
+          </p:cNvPicPr>
+          <p:nvPr/>
+        </p:nvPicPr>
+        <p:blipFill>
+          <a:blip r:embed="rId2">
+            <a:extLst>
+              <a:ext uri="{28A0092B-C50C-407E-A947-70E740481C1C}">
+                <a14:useLocalDpi xmlns:a14="http://schemas.microsoft.com/office/drawing/2010/main" val="0"/>
+              </a:ext>
+            </a:extLst>
+          </a:blip>
+          <a:stretch>
+            <a:fillRect/>
+          </a:stretch>
+        </p:blipFill>
+        <p:spPr>
+          <a:xfrm>
+            <a:off x="6421036" y="1866510"/>
+            <a:ext cx="5129784" cy="3167640"/>
+          </a:xfrm>
+          <a:prstGeom prst="rect">
+            <a:avLst/>
+          </a:prstGeom>
+        </p:spPr>
+      </p:pic>
+      <p:pic>
+        <p:nvPicPr>
+          <p:cNvPr id="8" name="Picture 7" descr="A graph of a graph with text&#10;&#10;Description automatically generated with medium confidence">
+            <a:extLst>
+              <a:ext uri="{FF2B5EF4-FFF2-40B4-BE49-F238E27FC236}">
+                <a16:creationId xmlns:a16="http://schemas.microsoft.com/office/drawing/2014/main" id="{2B0F8CB4-B61F-3AC0-AC8E-6C7C2201FE64}"/>
               </a:ext>
             </a:extLst>
           </p:cNvPr>
@@ -4366,20 +4477,176 @@
         </p:blipFill>
         <p:spPr>
           <a:xfrm>
-            <a:off x="7695873" y="691079"/>
-            <a:ext cx="3854945" cy="2380428"/>
+            <a:off x="641180" y="1845180"/>
+            <a:ext cx="5129784" cy="3167640"/>
           </a:xfrm>
           <a:prstGeom prst="rect">
             <a:avLst/>
           </a:prstGeom>
         </p:spPr>
       </p:pic>
-      <p:sp>
-        <p:nvSpPr>
-          <p:cNvPr id="34" name="Rectangle 33">
+    </p:spTree>
+    <p:extLst>
+      <p:ext uri="{BB962C8B-B14F-4D97-AF65-F5344CB8AC3E}">
+        <p14:creationId xmlns:p14="http://schemas.microsoft.com/office/powerpoint/2010/main" val="712329208"/>
+      </p:ext>
+    </p:extLst>
+  </p:cSld>
+  <p:clrMapOvr>
+    <a:masterClrMapping/>
+  </p:clrMapOvr>
+  <p:timing>
+    <p:tnLst>
+      <p:par>
+        <p:cTn id="1" dur="indefinite" restart="never" nodeType="tmRoot">
+          <p:childTnLst>
+            <p:seq concurrent="1" nextAc="seek">
+              <p:cTn id="2" dur="indefinite" nodeType="mainSeq">
+                <p:childTnLst>
+                  <p:par>
+                    <p:cTn id="3" fill="hold">
+                      <p:stCondLst>
+                        <p:cond delay="indefinite"/>
+                      </p:stCondLst>
+                      <p:childTnLst>
+                        <p:par>
+                          <p:cTn id="4" fill="hold">
+                            <p:stCondLst>
+                              <p:cond delay="0"/>
+                            </p:stCondLst>
+                            <p:childTnLst>
+                              <p:par>
+                                <p:cTn id="5" presetID="26" presetClass="emph" presetSubtype="0" fill="hold" nodeType="clickEffect">
+                                  <p:stCondLst>
+                                    <p:cond delay="0"/>
+                                  </p:stCondLst>
+                                  <p:childTnLst>
+                                    <p:animEffect transition="out" filter="fade">
+                                      <p:cBhvr>
+                                        <p:cTn id="6" dur="500" tmFilter="0, 0; .2, .5; .8, .5; 1, 0"/>
+                                        <p:tgtEl>
+                                          <p:spTgt spid="8"/>
+                                        </p:tgtEl>
+                                      </p:cBhvr>
+                                    </p:animEffect>
+                                    <p:animScale>
+                                      <p:cBhvr>
+                                        <p:cTn id="7" dur="250" autoRev="1" fill="hold"/>
+                                        <p:tgtEl>
+                                          <p:spTgt spid="8"/>
+                                        </p:tgtEl>
+                                      </p:cBhvr>
+                                      <p:by x="105000" y="105000"/>
+                                    </p:animScale>
+                                  </p:childTnLst>
+                                </p:cTn>
+                              </p:par>
+                            </p:childTnLst>
+                          </p:cTn>
+                        </p:par>
+                      </p:childTnLst>
+                    </p:cTn>
+                  </p:par>
+                  <p:par>
+                    <p:cTn id="8" fill="hold">
+                      <p:stCondLst>
+                        <p:cond delay="indefinite"/>
+                      </p:stCondLst>
+                      <p:childTnLst>
+                        <p:par>
+                          <p:cTn id="9" fill="hold">
+                            <p:stCondLst>
+                              <p:cond delay="0"/>
+                            </p:stCondLst>
+                            <p:childTnLst>
+                              <p:par>
+                                <p:cTn id="10" presetID="26" presetClass="emph" presetSubtype="0" fill="hold" nodeType="clickEffect">
+                                  <p:stCondLst>
+                                    <p:cond delay="0"/>
+                                  </p:stCondLst>
+                                  <p:childTnLst>
+                                    <p:animEffect transition="out" filter="fade">
+                                      <p:cBhvr>
+                                        <p:cTn id="11" dur="500" tmFilter="0, 0; .2, .5; .8, .5; 1, 0"/>
+                                        <p:tgtEl>
+                                          <p:spTgt spid="9"/>
+                                        </p:tgtEl>
+                                      </p:cBhvr>
+                                    </p:animEffect>
+                                    <p:animScale>
+                                      <p:cBhvr>
+                                        <p:cTn id="12" dur="250" autoRev="1" fill="hold"/>
+                                        <p:tgtEl>
+                                          <p:spTgt spid="9"/>
+                                        </p:tgtEl>
+                                      </p:cBhvr>
+                                      <p:by x="105000" y="105000"/>
+                                    </p:animScale>
+                                  </p:childTnLst>
+                                </p:cTn>
+                              </p:par>
+                            </p:childTnLst>
+                          </p:cTn>
+                        </p:par>
+                      </p:childTnLst>
+                    </p:cTn>
+                  </p:par>
+                </p:childTnLst>
+              </p:cTn>
+              <p:prevCondLst>
+                <p:cond evt="onPrev" delay="0">
+                  <p:tgtEl>
+                    <p:sldTgt/>
+                  </p:tgtEl>
+                </p:cond>
+              </p:prevCondLst>
+              <p:nextCondLst>
+                <p:cond evt="onNext" delay="0">
+                  <p:tgtEl>
+                    <p:sldTgt/>
+                  </p:tgtEl>
+                </p:cond>
+              </p:nextCondLst>
+            </p:seq>
+          </p:childTnLst>
+        </p:cTn>
+      </p:par>
+    </p:tnLst>
+  </p:timing>
+</p:sld>
+</file>
+
+<file path=ppt/slides/slide14.xml><?xml version="1.0" encoding="utf-8"?>
+<p:sld xmlns:a="http://schemas.openxmlformats.org/drawingml/2006/main" xmlns:r="http://schemas.openxmlformats.org/officeDocument/2006/relationships" xmlns:p="http://schemas.openxmlformats.org/presentationml/2006/main">
+  <p:cSld>
+    <p:bg>
+      <p:bgPr>
+        <a:solidFill>
+          <a:schemeClr val="bg1"/>
+        </a:solidFill>
+        <a:effectLst/>
+      </p:bgPr>
+    </p:bg>
+    <p:spTree>
+      <p:nvGrpSpPr>
+        <p:cNvPr id="1" name=""/>
+        <p:cNvGrpSpPr/>
+        <p:nvPr/>
+      </p:nvGrpSpPr>
+      <p:grpSpPr>
+        <a:xfrm>
+          <a:off x="0" y="0"/>
+          <a:ext cx="0" cy="0"/>
+          <a:chOff x="0" y="0"/>
+          <a:chExt cx="0" cy="0"/>
+        </a:xfrm>
+      </p:grpSpPr>
+      <p:sp>
+        <p:nvSpPr>
+          <p:cNvPr id="16" name="Rectangle 15">
             <a:extLst>
               <a:ext uri="{FF2B5EF4-FFF2-40B4-BE49-F238E27FC236}">
-                <a16:creationId xmlns:a16="http://schemas.microsoft.com/office/drawing/2014/main" id="{BE016956-CE9F-4946-8834-A8BC3529D0F6}"/>
+                <a16:creationId xmlns:a16="http://schemas.microsoft.com/office/drawing/2014/main" id="{AA3CC463-F933-4AC4-86E1-5AC14B0C3163}"/>
               </a:ext>
               <a:ext uri="{C183D7F6-B498-43B3-948B-1728B52AA6E4}">
                 <adec:decorative xmlns:adec="http://schemas.microsoft.com/office/drawing/2017/decorative" val="1"/>
@@ -4399,23 +4666,20 @@
         </p:nvSpPr>
         <p:spPr>
           <a:xfrm>
-            <a:off x="7534655" y="3603670"/>
-            <a:ext cx="4180332" cy="2788074"/>
+            <a:off x="0" y="0"/>
+            <a:ext cx="12192000" cy="6858000"/>
           </a:xfrm>
           <a:prstGeom prst="rect">
             <a:avLst/>
           </a:prstGeom>
           <a:solidFill>
-            <a:srgbClr val="FFFFFF"/>
+            <a:schemeClr val="bg1">
+              <a:lumMod val="50000"/>
+              <a:alpha val="90000"/>
+            </a:schemeClr>
           </a:solidFill>
-          <a:ln w="19050">
-            <a:solidFill>
-              <a:schemeClr val="tx1">
-                <a:lumMod val="50000"/>
-                <a:lumOff val="50000"/>
-                <a:alpha val="80000"/>
-              </a:schemeClr>
-            </a:solidFill>
+          <a:ln>
+            <a:noFill/>
           </a:ln>
         </p:spPr>
         <p:style>
@@ -4443,12 +4707,277 @@
           </a:p>
         </p:txBody>
       </p:sp>
+      <p:sp>
+        <p:nvSpPr>
+          <p:cNvPr id="18" name="Rectangle 17">
+            <a:extLst>
+              <a:ext uri="{FF2B5EF4-FFF2-40B4-BE49-F238E27FC236}">
+                <a16:creationId xmlns:a16="http://schemas.microsoft.com/office/drawing/2014/main" id="{6025D2DB-A12A-44DB-B00E-F4D622329EDD}"/>
+              </a:ext>
+              <a:ext uri="{C183D7F6-B498-43B3-948B-1728B52AA6E4}">
+                <adec:decorative xmlns:adec="http://schemas.microsoft.com/office/drawing/2017/decorative" val="1"/>
+              </a:ext>
+            </a:extLst>
+          </p:cNvPr>
+          <p:cNvSpPr>
+            <a:spLocks noGrp="1" noRot="1" noChangeAspect="1" noMove="1" noResize="1" noEditPoints="1" noAdjustHandles="1" noChangeArrowheads="1" noChangeShapeType="1" noTextEdit="1"/>
+          </p:cNvSpPr>
+          <p:nvPr>
+            <p:extLst>
+              <p:ext uri="{386F3935-93C4-4BCD-93E2-E3B085C9AB24}">
+                <p16:designElem xmlns:p16="http://schemas.microsoft.com/office/powerpoint/2015/main" val="1"/>
+              </p:ext>
+            </p:extLst>
+          </p:nvPr>
+        </p:nvSpPr>
+        <p:spPr>
+          <a:xfrm>
+            <a:off x="461331" y="480060"/>
+            <a:ext cx="4180332" cy="2788074"/>
+          </a:xfrm>
+          <a:prstGeom prst="rect">
+            <a:avLst/>
+          </a:prstGeom>
+          <a:solidFill>
+            <a:srgbClr val="FFFFFF"/>
+          </a:solidFill>
+          <a:ln w="19050">
+            <a:solidFill>
+              <a:srgbClr val="EF948F"/>
+            </a:solidFill>
+          </a:ln>
+        </p:spPr>
+        <p:style>
+          <a:lnRef idx="2">
+            <a:schemeClr val="accent1">
+              <a:shade val="50000"/>
+            </a:schemeClr>
+          </a:lnRef>
+          <a:fillRef idx="1">
+            <a:schemeClr val="accent1"/>
+          </a:fillRef>
+          <a:effectRef idx="0">
+            <a:schemeClr val="accent1"/>
+          </a:effectRef>
+          <a:fontRef idx="minor">
+            <a:schemeClr val="lt1"/>
+          </a:fontRef>
+        </p:style>
+        <p:txBody>
+          <a:bodyPr rtlCol="0" anchor="ctr"/>
+          <a:lstStyle/>
+          <a:p>
+            <a:pPr algn="ctr"/>
+            <a:endParaRPr lang="en-US"/>
+          </a:p>
+        </p:txBody>
+      </p:sp>
       <p:pic>
         <p:nvPicPr>
-          <p:cNvPr id="10" name="Content Placeholder 9" descr="A graph of different colored lines&#10;&#10;Description automatically generated">
+          <p:cNvPr id="11" name="Picture 10" descr="A graph of different colored lines&#10;&#10;Description automatically generated">
             <a:extLst>
               <a:ext uri="{FF2B5EF4-FFF2-40B4-BE49-F238E27FC236}">
-                <a16:creationId xmlns:a16="http://schemas.microsoft.com/office/drawing/2014/main" id="{78257964-1607-A02F-A90A-027923AD1991}"/>
+                <a16:creationId xmlns:a16="http://schemas.microsoft.com/office/drawing/2014/main" id="{2406FDE5-2A05-6481-321F-D59E6606F5D7}"/>
+              </a:ext>
+            </a:extLst>
+          </p:cNvPr>
+          <p:cNvPicPr>
+            <a:picLocks noChangeAspect="1"/>
+          </p:cNvPicPr>
+          <p:nvPr/>
+        </p:nvPicPr>
+        <p:blipFill>
+          <a:blip r:embed="rId2">
+            <a:extLst>
+              <a:ext uri="{28A0092B-C50C-407E-A947-70E740481C1C}">
+                <a14:useLocalDpi xmlns:a14="http://schemas.microsoft.com/office/drawing/2010/main" val="0"/>
+              </a:ext>
+            </a:extLst>
+          </a:blip>
+          <a:stretch>
+            <a:fillRect/>
+          </a:stretch>
+        </p:blipFill>
+        <p:spPr>
+          <a:xfrm>
+            <a:off x="622549" y="691079"/>
+            <a:ext cx="3854945" cy="2380428"/>
+          </a:xfrm>
+          <a:prstGeom prst="rect">
+            <a:avLst/>
+          </a:prstGeom>
+        </p:spPr>
+      </p:pic>
+      <p:sp>
+        <p:nvSpPr>
+          <p:cNvPr id="20" name="Rectangle 19">
+            <a:extLst>
+              <a:ext uri="{FF2B5EF4-FFF2-40B4-BE49-F238E27FC236}">
+                <a16:creationId xmlns:a16="http://schemas.microsoft.com/office/drawing/2014/main" id="{CE7E7877-F64E-4EEA-B778-138031EFF874}"/>
+              </a:ext>
+              <a:ext uri="{C183D7F6-B498-43B3-948B-1728B52AA6E4}">
+                <adec:decorative xmlns:adec="http://schemas.microsoft.com/office/drawing/2017/decorative" val="1"/>
+              </a:ext>
+            </a:extLst>
+          </p:cNvPr>
+          <p:cNvSpPr>
+            <a:spLocks noGrp="1" noRot="1" noChangeAspect="1" noMove="1" noResize="1" noEditPoints="1" noAdjustHandles="1" noChangeArrowheads="1" noChangeShapeType="1" noTextEdit="1"/>
+          </p:cNvSpPr>
+          <p:nvPr>
+            <p:extLst>
+              <p:ext uri="{386F3935-93C4-4BCD-93E2-E3B085C9AB24}">
+                <p16:designElem xmlns:p16="http://schemas.microsoft.com/office/powerpoint/2015/main" val="1"/>
+              </p:ext>
+            </p:extLst>
+          </p:nvPr>
+        </p:nvSpPr>
+        <p:spPr>
+          <a:xfrm>
+            <a:off x="461331" y="3603670"/>
+            <a:ext cx="4180332" cy="2788074"/>
+          </a:xfrm>
+          <a:prstGeom prst="rect">
+            <a:avLst/>
+          </a:prstGeom>
+          <a:solidFill>
+            <a:srgbClr val="FFFFFF"/>
+          </a:solidFill>
+          <a:ln w="19050">
+            <a:solidFill>
+              <a:srgbClr val="EF948F"/>
+            </a:solidFill>
+          </a:ln>
+        </p:spPr>
+        <p:style>
+          <a:lnRef idx="2">
+            <a:schemeClr val="accent1">
+              <a:shade val="50000"/>
+            </a:schemeClr>
+          </a:lnRef>
+          <a:fillRef idx="1">
+            <a:schemeClr val="accent1"/>
+          </a:fillRef>
+          <a:effectRef idx="0">
+            <a:schemeClr val="accent1"/>
+          </a:effectRef>
+          <a:fontRef idx="minor">
+            <a:schemeClr val="lt1"/>
+          </a:fontRef>
+        </p:style>
+        <p:txBody>
+          <a:bodyPr rtlCol="0" anchor="ctr"/>
+          <a:lstStyle/>
+          <a:p>
+            <a:pPr algn="ctr"/>
+            <a:endParaRPr lang="en-US"/>
+          </a:p>
+        </p:txBody>
+      </p:sp>
+      <p:pic>
+        <p:nvPicPr>
+          <p:cNvPr id="7" name="Picture 6" descr="A graph of different colored lines&#10;&#10;Description automatically generated">
+            <a:extLst>
+              <a:ext uri="{FF2B5EF4-FFF2-40B4-BE49-F238E27FC236}">
+                <a16:creationId xmlns:a16="http://schemas.microsoft.com/office/drawing/2014/main" id="{B942FA83-2DC2-32CF-6AD5-8C041555316A}"/>
+              </a:ext>
+            </a:extLst>
+          </p:cNvPr>
+          <p:cNvPicPr>
+            <a:picLocks noChangeAspect="1"/>
+          </p:cNvPicPr>
+          <p:nvPr/>
+        </p:nvPicPr>
+        <p:blipFill>
+          <a:blip r:embed="rId3">
+            <a:extLst>
+              <a:ext uri="{28A0092B-C50C-407E-A947-70E740481C1C}">
+                <a14:useLocalDpi xmlns:a14="http://schemas.microsoft.com/office/drawing/2010/main" val="0"/>
+              </a:ext>
+            </a:extLst>
+          </a:blip>
+          <a:stretch>
+            <a:fillRect/>
+          </a:stretch>
+        </p:blipFill>
+        <p:spPr>
+          <a:xfrm>
+            <a:off x="622549" y="3793795"/>
+            <a:ext cx="3854945" cy="2380428"/>
+          </a:xfrm>
+          <a:prstGeom prst="rect">
+            <a:avLst/>
+          </a:prstGeom>
+        </p:spPr>
+      </p:pic>
+      <p:sp>
+        <p:nvSpPr>
+          <p:cNvPr id="22" name="Rectangle 21">
+            <a:extLst>
+              <a:ext uri="{FF2B5EF4-FFF2-40B4-BE49-F238E27FC236}">
+                <a16:creationId xmlns:a16="http://schemas.microsoft.com/office/drawing/2014/main" id="{7DD6C4F3-70FD-4F13-919C-702EE4886499}"/>
+              </a:ext>
+              <a:ext uri="{C183D7F6-B498-43B3-948B-1728B52AA6E4}">
+                <adec:decorative xmlns:adec="http://schemas.microsoft.com/office/drawing/2017/decorative" val="1"/>
+              </a:ext>
+            </a:extLst>
+          </p:cNvPr>
+          <p:cNvSpPr>
+            <a:spLocks noGrp="1" noRot="1" noChangeAspect="1" noMove="1" noResize="1" noEditPoints="1" noAdjustHandles="1" noChangeArrowheads="1" noChangeShapeType="1" noTextEdit="1"/>
+          </p:cNvSpPr>
+          <p:nvPr>
+            <p:extLst>
+              <p:ext uri="{386F3935-93C4-4BCD-93E2-E3B085C9AB24}">
+                <p16:designElem xmlns:p16="http://schemas.microsoft.com/office/powerpoint/2015/main" val="1"/>
+              </p:ext>
+            </p:extLst>
+          </p:nvPr>
+        </p:nvSpPr>
+        <p:spPr>
+          <a:xfrm>
+            <a:off x="4980596" y="487090"/>
+            <a:ext cx="6741849" cy="5897880"/>
+          </a:xfrm>
+          <a:prstGeom prst="rect">
+            <a:avLst/>
+          </a:prstGeom>
+          <a:solidFill>
+            <a:srgbClr val="FFFFFF"/>
+          </a:solidFill>
+          <a:ln w="19050">
+            <a:noFill/>
+          </a:ln>
+        </p:spPr>
+        <p:style>
+          <a:lnRef idx="2">
+            <a:schemeClr val="accent1">
+              <a:shade val="50000"/>
+            </a:schemeClr>
+          </a:lnRef>
+          <a:fillRef idx="1">
+            <a:schemeClr val="accent1"/>
+          </a:fillRef>
+          <a:effectRef idx="0">
+            <a:schemeClr val="accent1"/>
+          </a:effectRef>
+          <a:fontRef idx="minor">
+            <a:schemeClr val="lt1"/>
+          </a:fontRef>
+        </p:style>
+        <p:txBody>
+          <a:bodyPr rtlCol="0" anchor="ctr"/>
+          <a:lstStyle/>
+          <a:p>
+            <a:pPr algn="ctr"/>
+            <a:endParaRPr lang="en-US"/>
+          </a:p>
+        </p:txBody>
+      </p:sp>
+      <p:pic>
+        <p:nvPicPr>
+          <p:cNvPr id="9" name="Picture 8" descr="A graph of different colored lines&#10;&#10;Description automatically generated">
+            <a:extLst>
+              <a:ext uri="{FF2B5EF4-FFF2-40B4-BE49-F238E27FC236}">
+                <a16:creationId xmlns:a16="http://schemas.microsoft.com/office/drawing/2014/main" id="{49CB0A97-9753-8871-8385-97959D1CDBD9}"/>
               </a:ext>
             </a:extLst>
           </p:cNvPr>
@@ -4471,90 +5000,190 @@
         </p:blipFill>
         <p:spPr>
           <a:xfrm>
-            <a:off x="7695873" y="3793795"/>
-            <a:ext cx="3854945" cy="2380428"/>
+            <a:off x="5144764" y="1456917"/>
+            <a:ext cx="6410084" cy="3958226"/>
           </a:xfrm>
           <a:prstGeom prst="rect">
             <a:avLst/>
           </a:prstGeom>
         </p:spPr>
       </p:pic>
-      <p:sp>
-        <p:nvSpPr>
-          <p:cNvPr id="5" name="Text Placeholder 4">
-            <a:extLst>
-              <a:ext uri="{FF2B5EF4-FFF2-40B4-BE49-F238E27FC236}">
-                <a16:creationId xmlns:a16="http://schemas.microsoft.com/office/drawing/2014/main" id="{0710E352-A83C-AA79-7106-A3FFF78882AE}"/>
-              </a:ext>
-            </a:extLst>
-          </p:cNvPr>
-          <p:cNvSpPr>
-            <a:spLocks/>
-          </p:cNvSpPr>
-          <p:nvPr/>
-        </p:nvSpPr>
-        <p:spPr>
-          <a:xfrm>
-            <a:off x="839788" y="1681163"/>
-            <a:ext cx="5157787" cy="823912"/>
-          </a:xfrm>
-          <a:prstGeom prst="rect">
-            <a:avLst/>
-          </a:prstGeom>
-        </p:spPr>
-        <p:txBody>
-          <a:bodyPr/>
-          <a:lstStyle/>
-          <a:p>
-            <a:endParaRPr lang="en-US"/>
-          </a:p>
-        </p:txBody>
-      </p:sp>
-      <p:sp>
-        <p:nvSpPr>
-          <p:cNvPr id="7" name="Text Placeholder 6">
-            <a:extLst>
-              <a:ext uri="{FF2B5EF4-FFF2-40B4-BE49-F238E27FC236}">
-                <a16:creationId xmlns:a16="http://schemas.microsoft.com/office/drawing/2014/main" id="{551D0491-D286-69D1-33EF-D063E4DA3A5C}"/>
-              </a:ext>
-            </a:extLst>
-          </p:cNvPr>
-          <p:cNvSpPr>
-            <a:spLocks/>
-          </p:cNvSpPr>
-          <p:nvPr/>
-        </p:nvSpPr>
-        <p:spPr>
-          <a:xfrm>
-            <a:off x="6172200" y="1681163"/>
-            <a:ext cx="5183188" cy="823912"/>
-          </a:xfrm>
-          <a:prstGeom prst="rect">
-            <a:avLst/>
-          </a:prstGeom>
-        </p:spPr>
-        <p:txBody>
-          <a:bodyPr/>
-          <a:lstStyle/>
-          <a:p>
-            <a:endParaRPr lang="en-US"/>
-          </a:p>
-        </p:txBody>
-      </p:sp>
     </p:spTree>
     <p:extLst>
       <p:ext uri="{BB962C8B-B14F-4D97-AF65-F5344CB8AC3E}">
-        <p14:creationId xmlns:p14="http://schemas.microsoft.com/office/powerpoint/2010/main" val="885131475"/>
+        <p14:creationId xmlns:p14="http://schemas.microsoft.com/office/powerpoint/2010/main" val="3879868765"/>
       </p:ext>
     </p:extLst>
   </p:cSld>
   <p:clrMapOvr>
     <a:masterClrMapping/>
   </p:clrMapOvr>
+  <p:timing>
+    <p:tnLst>
+      <p:par>
+        <p:cTn id="1" dur="indefinite" restart="never" nodeType="tmRoot">
+          <p:childTnLst>
+            <p:seq concurrent="1" nextAc="seek">
+              <p:cTn id="2" dur="indefinite" nodeType="mainSeq">
+                <p:childTnLst>
+                  <p:par>
+                    <p:cTn id="3" fill="hold">
+                      <p:stCondLst>
+                        <p:cond delay="indefinite"/>
+                      </p:stCondLst>
+                      <p:childTnLst>
+                        <p:par>
+                          <p:cTn id="4" fill="hold">
+                            <p:stCondLst>
+                              <p:cond delay="0"/>
+                            </p:stCondLst>
+                            <p:childTnLst>
+                              <p:par>
+                                <p:cTn id="5" presetID="26" presetClass="emph" presetSubtype="0" fill="hold" nodeType="clickEffect">
+                                  <p:stCondLst>
+                                    <p:cond delay="0"/>
+                                  </p:stCondLst>
+                                  <p:childTnLst>
+                                    <p:animEffect transition="out" filter="fade">
+                                      <p:cBhvr>
+                                        <p:cTn id="6" dur="500" tmFilter="0, 0; .2, .5; .8, .5; 1, 0"/>
+                                        <p:tgtEl>
+                                          <p:spTgt spid="11"/>
+                                        </p:tgtEl>
+                                      </p:cBhvr>
+                                    </p:animEffect>
+                                    <p:animScale>
+                                      <p:cBhvr>
+                                        <p:cTn id="7" dur="250" autoRev="1" fill="hold"/>
+                                        <p:tgtEl>
+                                          <p:spTgt spid="11"/>
+                                        </p:tgtEl>
+                                      </p:cBhvr>
+                                      <p:by x="105000" y="105000"/>
+                                    </p:animScale>
+                                  </p:childTnLst>
+                                </p:cTn>
+                              </p:par>
+                            </p:childTnLst>
+                          </p:cTn>
+                        </p:par>
+                      </p:childTnLst>
+                    </p:cTn>
+                  </p:par>
+                  <p:par>
+                    <p:cTn id="8" fill="hold">
+                      <p:stCondLst>
+                        <p:cond delay="indefinite"/>
+                      </p:stCondLst>
+                      <p:childTnLst>
+                        <p:par>
+                          <p:cTn id="9" fill="hold">
+                            <p:stCondLst>
+                              <p:cond delay="0"/>
+                            </p:stCondLst>
+                            <p:childTnLst>
+                              <p:par>
+                                <p:cTn id="10" presetID="26" presetClass="emph" presetSubtype="0" fill="hold" nodeType="clickEffect">
+                                  <p:stCondLst>
+                                    <p:cond delay="0"/>
+                                  </p:stCondLst>
+                                  <p:childTnLst>
+                                    <p:animEffect transition="out" filter="fade">
+                                      <p:cBhvr>
+                                        <p:cTn id="11" dur="500" tmFilter="0, 0; .2, .5; .8, .5; 1, 0"/>
+                                        <p:tgtEl>
+                                          <p:spTgt spid="7"/>
+                                        </p:tgtEl>
+                                      </p:cBhvr>
+                                    </p:animEffect>
+                                    <p:animScale>
+                                      <p:cBhvr>
+                                        <p:cTn id="12" dur="250" autoRev="1" fill="hold"/>
+                                        <p:tgtEl>
+                                          <p:spTgt spid="7"/>
+                                        </p:tgtEl>
+                                      </p:cBhvr>
+                                      <p:by x="105000" y="105000"/>
+                                    </p:animScale>
+                                  </p:childTnLst>
+                                </p:cTn>
+                              </p:par>
+                            </p:childTnLst>
+                          </p:cTn>
+                        </p:par>
+                      </p:childTnLst>
+                    </p:cTn>
+                  </p:par>
+                  <p:par>
+                    <p:cTn id="13" fill="hold">
+                      <p:stCondLst>
+                        <p:cond delay="indefinite"/>
+                      </p:stCondLst>
+                      <p:childTnLst>
+                        <p:par>
+                          <p:cTn id="14" fill="hold">
+                            <p:stCondLst>
+                              <p:cond delay="0"/>
+                            </p:stCondLst>
+                            <p:childTnLst>
+                              <p:par>
+                                <p:cTn id="15" presetID="26" presetClass="emph" presetSubtype="0" fill="hold" nodeType="clickEffect">
+                                  <p:stCondLst>
+                                    <p:cond delay="0"/>
+                                  </p:stCondLst>
+                                  <p:childTnLst>
+                                    <p:animEffect transition="out" filter="fade">
+                                      <p:cBhvr>
+                                        <p:cTn id="16" dur="500" tmFilter="0, 0; .2, .5; .8, .5; 1, 0"/>
+                                        <p:tgtEl>
+                                          <p:spTgt spid="9"/>
+                                        </p:tgtEl>
+                                      </p:cBhvr>
+                                    </p:animEffect>
+                                    <p:animScale>
+                                      <p:cBhvr>
+                                        <p:cTn id="17" dur="250" autoRev="1" fill="hold"/>
+                                        <p:tgtEl>
+                                          <p:spTgt spid="9"/>
+                                        </p:tgtEl>
+                                      </p:cBhvr>
+                                      <p:by x="105000" y="105000"/>
+                                    </p:animScale>
+                                  </p:childTnLst>
+                                </p:cTn>
+                              </p:par>
+                            </p:childTnLst>
+                          </p:cTn>
+                        </p:par>
+                      </p:childTnLst>
+                    </p:cTn>
+                  </p:par>
+                </p:childTnLst>
+              </p:cTn>
+              <p:prevCondLst>
+                <p:cond evt="onPrev" delay="0">
+                  <p:tgtEl>
+                    <p:sldTgt/>
+                  </p:tgtEl>
+                </p:cond>
+              </p:prevCondLst>
+              <p:nextCondLst>
+                <p:cond evt="onNext" delay="0">
+                  <p:tgtEl>
+                    <p:sldTgt/>
+                  </p:tgtEl>
+                </p:cond>
+              </p:nextCondLst>
+            </p:seq>
+          </p:childTnLst>
+        </p:cTn>
+      </p:par>
+    </p:tnLst>
+  </p:timing>
 </p:sld>
 </file>
 
-<file path=ppt/slides/slide14.xml><?xml version="1.0" encoding="utf-8"?>
+<file path=ppt/slides/slide15.xml><?xml version="1.0" encoding="utf-8"?>
 <p:sld xmlns:a="http://schemas.openxmlformats.org/drawingml/2006/main" xmlns:r="http://schemas.openxmlformats.org/officeDocument/2006/relationships" xmlns:p="http://schemas.openxmlformats.org/presentationml/2006/main">
   <p:cSld>
     <p:bg>
@@ -4848,8 +5477,21 @@
                   <a:srgbClr val="FFFFFF"/>
                 </a:solidFill>
               </a:rPr>
-              <a:t>Machine Learning Modeling</a:t>
-            </a:r>
+              <a:t>Naive </a:t>
+            </a:r>
+            <a:r>
+              <a:rPr lang="en-US">
+                <a:solidFill>
+                  <a:srgbClr val="FFFFFF"/>
+                </a:solidFill>
+              </a:rPr>
+              <a:t>Bayes Classification</a:t>
+            </a:r>
+            <a:endParaRPr lang="en-US" dirty="0">
+              <a:solidFill>
+                <a:srgbClr val="FFFFFF"/>
+              </a:solidFill>
+            </a:endParaRPr>
           </a:p>
         </p:txBody>
       </p:sp>
@@ -4866,7 +5508,7 @@
 </p:sld>
 </file>
 
-<file path=ppt/slides/slide15.xml><?xml version="1.0" encoding="utf-8"?>
+<file path=ppt/slides/slide16.xml><?xml version="1.0" encoding="utf-8"?>
 <p:sld xmlns:a="http://schemas.openxmlformats.org/drawingml/2006/main" xmlns:r="http://schemas.openxmlformats.org/officeDocument/2006/relationships" xmlns:p="http://schemas.openxmlformats.org/presentationml/2006/main">
   <p:cSld>
     <p:bg>
@@ -4893,10 +5535,10 @@
       </p:grpSpPr>
       <p:sp>
         <p:nvSpPr>
-          <p:cNvPr id="8" name="Rectangle 7">
+          <p:cNvPr id="16" name="Rectangle 15">
             <a:extLst>
               <a:ext uri="{FF2B5EF4-FFF2-40B4-BE49-F238E27FC236}">
-                <a16:creationId xmlns:a16="http://schemas.microsoft.com/office/drawing/2014/main" id="{A7AE9375-4664-4DB2-922D-2782A6E439AC}"/>
+                <a16:creationId xmlns:a16="http://schemas.microsoft.com/office/drawing/2014/main" id="{32BC26D8-82FB-445E-AA49-62A77D7C1EE0}"/>
               </a:ext>
               <a:ext uri="{C183D7F6-B498-43B3-948B-1728B52AA6E4}">
                 <adec:decorative xmlns:adec="http://schemas.microsoft.com/office/drawing/2017/decorative" val="1"/>
@@ -4924,8 +5566,8 @@
           </a:prstGeom>
           <a:solidFill>
             <a:schemeClr val="tx1">
-              <a:lumMod val="95000"/>
-              <a:lumOff val="5000"/>
+              <a:lumMod val="65000"/>
+              <a:lumOff val="35000"/>
             </a:schemeClr>
           </a:solidFill>
           <a:ln>
@@ -4953,69 +5595,25 @@
           <a:lstStyle/>
           <a:p>
             <a:pPr algn="ctr"/>
-            <a:endParaRPr lang="en-US" dirty="0">
-              <a:solidFill>
-                <a:schemeClr val="tx1"/>
-              </a:solidFill>
-            </a:endParaRPr>
-          </a:p>
-        </p:txBody>
-      </p:sp>
-      <p:sp>
-        <p:nvSpPr>
-          <p:cNvPr id="2" name="Title 1">
+            <a:endParaRPr lang="en-US"/>
+          </a:p>
+        </p:txBody>
+      </p:sp>
+      <p:sp>
+        <p:nvSpPr>
+          <p:cNvPr id="17" name="Rectangle 16">
             <a:extLst>
               <a:ext uri="{FF2B5EF4-FFF2-40B4-BE49-F238E27FC236}">
-                <a16:creationId xmlns:a16="http://schemas.microsoft.com/office/drawing/2014/main" id="{D93F81B1-CDFA-1B63-8F61-5B54AAC65EDD}"/>
-              </a:ext>
-            </a:extLst>
-          </p:cNvPr>
-          <p:cNvSpPr>
-            <a:spLocks noGrp="1"/>
-          </p:cNvSpPr>
-          <p:nvPr>
-            <p:ph type="title"/>
-          </p:nvPr>
-        </p:nvSpPr>
-        <p:spPr>
-          <a:xfrm>
-            <a:off x="838200" y="669925"/>
-            <a:ext cx="4508946" cy="1325563"/>
-          </a:xfrm>
-        </p:spPr>
-        <p:txBody>
-          <a:bodyPr anchor="b">
-            <a:normAutofit/>
-          </a:bodyPr>
-          <a:lstStyle/>
-          <a:p>
-            <a:pPr algn="r"/>
-            <a:r>
-              <a:rPr lang="en-US" dirty="0">
-                <a:solidFill>
-                  <a:schemeClr val="bg1"/>
-                </a:solidFill>
-              </a:rPr>
-              <a:t>APA Citation</a:t>
-            </a:r>
-          </a:p>
-        </p:txBody>
-      </p:sp>
-      <p:cxnSp>
-        <p:nvCxnSpPr>
-          <p:cNvPr id="10" name="Straight Connector 9">
-            <a:extLst>
-              <a:ext uri="{FF2B5EF4-FFF2-40B4-BE49-F238E27FC236}">
-                <a16:creationId xmlns:a16="http://schemas.microsoft.com/office/drawing/2014/main" id="{EE504C98-6397-41C1-A8D8-2D9C4ED307E0}"/>
+                <a16:creationId xmlns:a16="http://schemas.microsoft.com/office/drawing/2014/main" id="{CB44330D-EA18-4254-AA95-EB49948539B8}"/>
               </a:ext>
               <a:ext uri="{C183D7F6-B498-43B3-948B-1728B52AA6E4}">
                 <adec:decorative xmlns:adec="http://schemas.microsoft.com/office/drawing/2017/decorative" val="1"/>
               </a:ext>
             </a:extLst>
           </p:cNvPr>
-          <p:cNvCxnSpPr>
-            <a:cxnSpLocks noGrp="1" noRot="1" noChangeAspect="1" noMove="1" noResize="1" noEditPoints="1" noAdjustHandles="1" noChangeArrowheads="1" noChangeShapeType="1"/>
-          </p:cNvCxnSpPr>
+          <p:cNvSpPr>
+            <a:spLocks noGrp="1" noRot="1" noChangeAspect="1" noMove="1" noResize="1" noEditPoints="1" noAdjustHandles="1" noChangeArrowheads="1" noChangeShapeType="1" noTextEdit="1"/>
+          </p:cNvSpPr>
           <p:nvPr>
             <p:extLst>
               <p:ext uri="{386F3935-93C4-4BCD-93E2-E3B085C9AB24}">
@@ -5023,279 +5621,20 @@
               </p:ext>
             </p:extLst>
           </p:nvPr>
-        </p:nvCxnSpPr>
-        <p:spPr>
-          <a:xfrm flipH="1">
-            <a:off x="126210" y="2026340"/>
-            <a:ext cx="5220936" cy="0"/>
-          </a:xfrm>
-          <a:prstGeom prst="line">
-            <a:avLst/>
-          </a:prstGeom>
-          <a:ln w="12700">
-            <a:solidFill>
-              <a:schemeClr val="accent2"/>
-            </a:solidFill>
-          </a:ln>
-        </p:spPr>
-        <p:style>
-          <a:lnRef idx="1">
-            <a:schemeClr val="accent1"/>
-          </a:lnRef>
-          <a:fillRef idx="0">
-            <a:schemeClr val="accent1"/>
-          </a:fillRef>
-          <a:effectRef idx="0">
-            <a:schemeClr val="accent1"/>
-          </a:effectRef>
-          <a:fontRef idx="minor">
-            <a:schemeClr val="tx1"/>
-          </a:fontRef>
-        </p:style>
-      </p:cxnSp>
-      <p:sp>
-        <p:nvSpPr>
-          <p:cNvPr id="7" name="Content Placeholder 2">
-            <a:extLst>
-              <a:ext uri="{FF2B5EF4-FFF2-40B4-BE49-F238E27FC236}">
-                <a16:creationId xmlns:a16="http://schemas.microsoft.com/office/drawing/2014/main" id="{49679E21-C1E1-5659-5C8C-E5809E1DCD9C}"/>
-              </a:ext>
-            </a:extLst>
-          </p:cNvPr>
-          <p:cNvSpPr>
-            <a:spLocks noGrp="1"/>
-          </p:cNvSpPr>
-          <p:nvPr>
-            <p:ph idx="1"/>
-          </p:nvPr>
-        </p:nvSpPr>
-        <p:spPr>
-          <a:xfrm>
-            <a:off x="1392667" y="2398957"/>
-            <a:ext cx="9406666" cy="3526144"/>
-          </a:xfrm>
-        </p:spPr>
-        <p:txBody>
-          <a:bodyPr>
-            <a:normAutofit/>
-          </a:bodyPr>
-          <a:lstStyle/>
-          <a:p>
-            <a:r>
-              <a:rPr lang="en-US" sz="2000" dirty="0">
-                <a:solidFill>
-                  <a:schemeClr val="bg1"/>
-                </a:solidFill>
-              </a:rPr>
-              <a:t>FactSet.(2023). </a:t>
-            </a:r>
-            <a:r>
-              <a:rPr lang="en-US" sz="2000" i="1" dirty="0">
-                <a:solidFill>
-                  <a:schemeClr val="bg1"/>
-                </a:solidFill>
-              </a:rPr>
-              <a:t>Merrill Edge – Profile: PEP – PEPSICO, INC. – Stock Story</a:t>
-            </a:r>
-            <a:r>
-              <a:rPr lang="en-US" sz="2000" dirty="0">
-                <a:solidFill>
-                  <a:schemeClr val="bg1"/>
-                </a:solidFill>
-              </a:rPr>
-              <a:t>, Merrill Edge. Accessed 8 December 2023. olui2.fs.ml.com/</a:t>
-            </a:r>
-            <a:r>
-              <a:rPr lang="en-US" sz="2000" dirty="0" err="1">
-                <a:solidFill>
-                  <a:schemeClr val="bg1"/>
-                </a:solidFill>
-              </a:rPr>
-              <a:t>RIStocksUI</a:t>
-            </a:r>
-            <a:r>
-              <a:rPr lang="en-US" sz="2000" dirty="0">
-                <a:solidFill>
-                  <a:schemeClr val="bg1"/>
-                </a:solidFill>
-              </a:rPr>
-              <a:t>/</a:t>
-            </a:r>
-            <a:r>
-              <a:rPr lang="en-US" sz="2000" dirty="0" err="1">
-                <a:solidFill>
-                  <a:schemeClr val="bg1"/>
-                </a:solidFill>
-              </a:rPr>
-              <a:t>RIStocksStory.aspx?Symbol</a:t>
-            </a:r>
-            <a:r>
-              <a:rPr lang="en-US" sz="2000" dirty="0">
-                <a:solidFill>
-                  <a:schemeClr val="bg1"/>
-                </a:solidFill>
-              </a:rPr>
-              <a:t>=PEP#/stock-story/PEP/0.</a:t>
-            </a:r>
-          </a:p>
-          <a:p>
-            <a:r>
-              <a:rPr lang="en-US" sz="2000" dirty="0">
-                <a:solidFill>
-                  <a:schemeClr val="bg1"/>
-                </a:solidFill>
-              </a:rPr>
-              <a:t>OpenAI.(2023). ChatGPT response to query on Frito-Lay. ChatGPT.</a:t>
-            </a:r>
-          </a:p>
-          <a:p>
-            <a:r>
-              <a:rPr lang="en-US" sz="2000" dirty="0" err="1">
-                <a:solidFill>
-                  <a:schemeClr val="bg1"/>
-                </a:solidFill>
-              </a:rPr>
-              <a:t>FritoLay</a:t>
-            </a:r>
-            <a:r>
-              <a:rPr lang="en-US" sz="2000" dirty="0">
-                <a:solidFill>
-                  <a:schemeClr val="bg1"/>
-                </a:solidFill>
-              </a:rPr>
-              <a:t> Logo [Online Image]. (2023). Logos | </a:t>
-            </a:r>
-            <a:r>
-              <a:rPr lang="en-US" sz="2000" dirty="0" err="1">
-                <a:solidFill>
-                  <a:schemeClr val="bg1"/>
-                </a:solidFill>
-              </a:rPr>
-              <a:t>FritoLay</a:t>
-            </a:r>
-            <a:r>
-              <a:rPr lang="en-US" sz="2000" dirty="0">
-                <a:solidFill>
-                  <a:schemeClr val="bg1"/>
-                </a:solidFill>
-              </a:rPr>
-              <a:t>. fritolay.com/logos</a:t>
-            </a:r>
-          </a:p>
-          <a:p>
-            <a:r>
-              <a:rPr lang="en-US" sz="2000" dirty="0">
-                <a:solidFill>
-                  <a:schemeClr val="bg1"/>
-                </a:solidFill>
-              </a:rPr>
-              <a:t>pep+ logo [Online Image]. (2023). Media | pep+ logo. pepsico.com/</a:t>
-            </a:r>
-            <a:r>
-              <a:rPr lang="en-US" sz="2000" dirty="0" err="1">
-                <a:solidFill>
-                  <a:schemeClr val="bg1"/>
-                </a:solidFill>
-              </a:rPr>
-              <a:t>mediadownload</a:t>
-            </a:r>
-            <a:r>
-              <a:rPr lang="en-US" sz="2000" dirty="0">
-                <a:solidFill>
-                  <a:schemeClr val="bg1"/>
-                </a:solidFill>
-              </a:rPr>
-              <a:t>-item/pep-logo</a:t>
-            </a:r>
-          </a:p>
-          <a:p>
-            <a:r>
-              <a:rPr lang="en-US" sz="2000" dirty="0">
-                <a:solidFill>
-                  <a:schemeClr val="bg1"/>
-                </a:solidFill>
-              </a:rPr>
-              <a:t>PepsiCo, Inc. (PEP) (2023). Profile, Summary. </a:t>
-            </a:r>
-            <a:r>
-              <a:rPr lang="en-US" sz="2000" i="1" dirty="0" err="1">
-                <a:solidFill>
-                  <a:schemeClr val="bg1"/>
-                </a:solidFill>
-              </a:rPr>
-              <a:t>Yahoo!Finance</a:t>
-            </a:r>
-            <a:r>
-              <a:rPr lang="en-US" sz="2000" i="1" dirty="0">
-                <a:solidFill>
-                  <a:schemeClr val="bg1"/>
-                </a:solidFill>
-              </a:rPr>
-              <a:t>.</a:t>
-            </a:r>
-            <a:r>
-              <a:rPr lang="en-US" sz="2000" dirty="0">
-                <a:solidFill>
-                  <a:schemeClr val="bg1"/>
-                </a:solidFill>
-              </a:rPr>
-              <a:t> finance.yahoo.com/quote/</a:t>
-            </a:r>
-            <a:r>
-              <a:rPr lang="en-US" sz="2000" dirty="0" err="1">
-                <a:solidFill>
-                  <a:schemeClr val="bg1"/>
-                </a:solidFill>
-              </a:rPr>
-              <a:t>PEP?p</a:t>
-            </a:r>
-            <a:r>
-              <a:rPr lang="en-US" sz="2000" dirty="0">
-                <a:solidFill>
-                  <a:schemeClr val="bg1"/>
-                </a:solidFill>
-              </a:rPr>
-              <a:t>=PEP</a:t>
-            </a:r>
-          </a:p>
-        </p:txBody>
-      </p:sp>
-      <p:sp>
-        <p:nvSpPr>
-          <p:cNvPr id="12" name="Rectangle 11">
-            <a:extLst>
-              <a:ext uri="{FF2B5EF4-FFF2-40B4-BE49-F238E27FC236}">
-                <a16:creationId xmlns:a16="http://schemas.microsoft.com/office/drawing/2014/main" id="{9DD005C1-8C51-42D6-9BEE-B9B83849743D}"/>
-              </a:ext>
-              <a:ext uri="{C183D7F6-B498-43B3-948B-1728B52AA6E4}">
-                <adec:decorative xmlns:adec="http://schemas.microsoft.com/office/drawing/2017/decorative" val="1"/>
-              </a:ext>
-            </a:extLst>
-          </p:cNvPr>
-          <p:cNvSpPr>
-            <a:spLocks noGrp="1" noRot="1" noChangeAspect="1" noMove="1" noResize="1" noEditPoints="1" noAdjustHandles="1" noChangeArrowheads="1" noChangeShapeType="1" noTextEdit="1"/>
-          </p:cNvSpPr>
-          <p:nvPr>
-            <p:extLst>
-              <p:ext uri="{386F3935-93C4-4BCD-93E2-E3B085C9AB24}">
-                <p16:designElem xmlns:p16="http://schemas.microsoft.com/office/powerpoint/2015/main" val="1"/>
-              </p:ext>
-            </p:extLst>
-          </p:nvPr>
-        </p:nvSpPr>
-        <p:spPr>
-          <a:xfrm>
-            <a:off x="126206" y="115193"/>
-            <a:ext cx="11939588" cy="6627614"/>
+        </p:nvSpPr>
+        <p:spPr>
+          <a:xfrm>
+            <a:off x="477012" y="480060"/>
+            <a:ext cx="11237976" cy="5897880"/>
           </a:xfrm>
           <a:prstGeom prst="rect">
             <a:avLst/>
           </a:prstGeom>
-          <a:noFill/>
-          <a:ln w="12700">
-            <a:solidFill>
-              <a:schemeClr val="accent2"/>
-            </a:solidFill>
+          <a:solidFill>
+            <a:srgbClr val="FFFFFF"/>
+          </a:solidFill>
+          <a:ln>
+            <a:noFill/>
           </a:ln>
         </p:spPr>
         <p:style>
@@ -5323,6 +5662,759 @@
           </a:p>
         </p:txBody>
       </p:sp>
+      <p:pic>
+        <p:nvPicPr>
+          <p:cNvPr id="3" name="Picture 2">
+            <a:extLst>
+              <a:ext uri="{FF2B5EF4-FFF2-40B4-BE49-F238E27FC236}">
+                <a16:creationId xmlns:a16="http://schemas.microsoft.com/office/drawing/2014/main" id="{2D50069E-1995-BE9E-55BC-2F63A6664C03}"/>
+              </a:ext>
+            </a:extLst>
+          </p:cNvPr>
+          <p:cNvPicPr>
+            <a:picLocks noChangeAspect="1"/>
+          </p:cNvPicPr>
+          <p:nvPr/>
+        </p:nvPicPr>
+        <p:blipFill>
+          <a:blip r:embed="rId2">
+            <a:extLst>
+              <a:ext uri="{28A0092B-C50C-407E-A947-70E740481C1C}">
+                <a14:useLocalDpi xmlns:a14="http://schemas.microsoft.com/office/drawing/2010/main" val="0"/>
+              </a:ext>
+            </a:extLst>
+          </a:blip>
+          <a:stretch>
+            <a:fillRect/>
+          </a:stretch>
+        </p:blipFill>
+        <p:spPr>
+          <a:xfrm>
+            <a:off x="643467" y="1029886"/>
+            <a:ext cx="10905066" cy="4798228"/>
+          </a:xfrm>
+          <a:prstGeom prst="rect">
+            <a:avLst/>
+          </a:prstGeom>
+        </p:spPr>
+      </p:pic>
+    </p:spTree>
+    <p:extLst>
+      <p:ext uri="{BB962C8B-B14F-4D97-AF65-F5344CB8AC3E}">
+        <p14:creationId xmlns:p14="http://schemas.microsoft.com/office/powerpoint/2010/main" val="3756711319"/>
+      </p:ext>
+    </p:extLst>
+  </p:cSld>
+  <p:clrMapOvr>
+    <a:masterClrMapping/>
+  </p:clrMapOvr>
+</p:sld>
+</file>
+
+<file path=ppt/slides/slide17.xml><?xml version="1.0" encoding="utf-8"?>
+<p:sld xmlns:a="http://schemas.openxmlformats.org/drawingml/2006/main" xmlns:r="http://schemas.openxmlformats.org/officeDocument/2006/relationships" xmlns:p="http://schemas.openxmlformats.org/presentationml/2006/main">
+  <p:cSld>
+    <p:bg>
+      <p:bgPr>
+        <a:solidFill>
+          <a:schemeClr val="bg1"/>
+        </a:solidFill>
+        <a:effectLst/>
+      </p:bgPr>
+    </p:bg>
+    <p:spTree>
+      <p:nvGrpSpPr>
+        <p:cNvPr id="1" name=""/>
+        <p:cNvGrpSpPr/>
+        <p:nvPr/>
+      </p:nvGrpSpPr>
+      <p:grpSpPr>
+        <a:xfrm>
+          <a:off x="0" y="0"/>
+          <a:ext cx="0" cy="0"/>
+          <a:chOff x="0" y="0"/>
+          <a:chExt cx="0" cy="0"/>
+        </a:xfrm>
+      </p:grpSpPr>
+      <p:sp>
+        <p:nvSpPr>
+          <p:cNvPr id="10" name="Rectangle 9">
+            <a:extLst>
+              <a:ext uri="{FF2B5EF4-FFF2-40B4-BE49-F238E27FC236}">
+                <a16:creationId xmlns:a16="http://schemas.microsoft.com/office/drawing/2014/main" id="{32BC26D8-82FB-445E-AA49-62A77D7C1EE0}"/>
+              </a:ext>
+              <a:ext uri="{C183D7F6-B498-43B3-948B-1728B52AA6E4}">
+                <adec:decorative xmlns:adec="http://schemas.microsoft.com/office/drawing/2017/decorative" val="1"/>
+              </a:ext>
+            </a:extLst>
+          </p:cNvPr>
+          <p:cNvSpPr>
+            <a:spLocks noGrp="1" noRot="1" noChangeAspect="1" noMove="1" noResize="1" noEditPoints="1" noAdjustHandles="1" noChangeArrowheads="1" noChangeShapeType="1" noTextEdit="1"/>
+          </p:cNvSpPr>
+          <p:nvPr>
+            <p:extLst>
+              <p:ext uri="{386F3935-93C4-4BCD-93E2-E3B085C9AB24}">
+                <p16:designElem xmlns:p16="http://schemas.microsoft.com/office/powerpoint/2015/main" val="1"/>
+              </p:ext>
+            </p:extLst>
+          </p:nvPr>
+        </p:nvSpPr>
+        <p:spPr>
+          <a:xfrm>
+            <a:off x="0" y="0"/>
+            <a:ext cx="12192000" cy="6858000"/>
+          </a:xfrm>
+          <a:prstGeom prst="rect">
+            <a:avLst/>
+          </a:prstGeom>
+          <a:solidFill>
+            <a:srgbClr val="51323D"/>
+          </a:solidFill>
+          <a:ln>
+            <a:noFill/>
+          </a:ln>
+        </p:spPr>
+        <p:style>
+          <a:lnRef idx="2">
+            <a:schemeClr val="accent1">
+              <a:shade val="50000"/>
+            </a:schemeClr>
+          </a:lnRef>
+          <a:fillRef idx="1">
+            <a:schemeClr val="accent1"/>
+          </a:fillRef>
+          <a:effectRef idx="0">
+            <a:schemeClr val="accent1"/>
+          </a:effectRef>
+          <a:fontRef idx="minor">
+            <a:schemeClr val="lt1"/>
+          </a:fontRef>
+        </p:style>
+        <p:txBody>
+          <a:bodyPr rtlCol="0" anchor="ctr"/>
+          <a:lstStyle/>
+          <a:p>
+            <a:pPr algn="ctr"/>
+            <a:endParaRPr lang="en-US"/>
+          </a:p>
+        </p:txBody>
+      </p:sp>
+      <p:sp>
+        <p:nvSpPr>
+          <p:cNvPr id="12" name="Rectangle 11">
+            <a:extLst>
+              <a:ext uri="{FF2B5EF4-FFF2-40B4-BE49-F238E27FC236}">
+                <a16:creationId xmlns:a16="http://schemas.microsoft.com/office/drawing/2014/main" id="{CB44330D-EA18-4254-AA95-EB49948539B8}"/>
+              </a:ext>
+              <a:ext uri="{C183D7F6-B498-43B3-948B-1728B52AA6E4}">
+                <adec:decorative xmlns:adec="http://schemas.microsoft.com/office/drawing/2017/decorative" val="1"/>
+              </a:ext>
+            </a:extLst>
+          </p:cNvPr>
+          <p:cNvSpPr>
+            <a:spLocks noGrp="1" noRot="1" noChangeAspect="1" noMove="1" noResize="1" noEditPoints="1" noAdjustHandles="1" noChangeArrowheads="1" noChangeShapeType="1" noTextEdit="1"/>
+          </p:cNvSpPr>
+          <p:nvPr>
+            <p:extLst>
+              <p:ext uri="{386F3935-93C4-4BCD-93E2-E3B085C9AB24}">
+                <p16:designElem xmlns:p16="http://schemas.microsoft.com/office/powerpoint/2015/main" val="1"/>
+              </p:ext>
+            </p:extLst>
+          </p:nvPr>
+        </p:nvSpPr>
+        <p:spPr>
+          <a:xfrm>
+            <a:off x="477012" y="480060"/>
+            <a:ext cx="11237976" cy="5897880"/>
+          </a:xfrm>
+          <a:prstGeom prst="rect">
+            <a:avLst/>
+          </a:prstGeom>
+          <a:solidFill>
+            <a:srgbClr val="FFFFFF"/>
+          </a:solidFill>
+          <a:ln>
+            <a:noFill/>
+          </a:ln>
+        </p:spPr>
+        <p:style>
+          <a:lnRef idx="2">
+            <a:schemeClr val="accent1">
+              <a:shade val="50000"/>
+            </a:schemeClr>
+          </a:lnRef>
+          <a:fillRef idx="1">
+            <a:schemeClr val="accent1"/>
+          </a:fillRef>
+          <a:effectRef idx="0">
+            <a:schemeClr val="accent1"/>
+          </a:effectRef>
+          <a:fontRef idx="minor">
+            <a:schemeClr val="lt1"/>
+          </a:fontRef>
+        </p:style>
+        <p:txBody>
+          <a:bodyPr rtlCol="0" anchor="ctr"/>
+          <a:lstStyle/>
+          <a:p>
+            <a:pPr algn="ctr"/>
+            <a:endParaRPr lang="en-US"/>
+          </a:p>
+        </p:txBody>
+      </p:sp>
+      <p:pic>
+        <p:nvPicPr>
+          <p:cNvPr id="5" name="Picture 4">
+            <a:extLst>
+              <a:ext uri="{FF2B5EF4-FFF2-40B4-BE49-F238E27FC236}">
+                <a16:creationId xmlns:a16="http://schemas.microsoft.com/office/drawing/2014/main" id="{49A7359A-924A-69DF-D7A8-0CA6F4EF6155}"/>
+              </a:ext>
+            </a:extLst>
+          </p:cNvPr>
+          <p:cNvPicPr>
+            <a:picLocks noChangeAspect="1"/>
+          </p:cNvPicPr>
+          <p:nvPr/>
+        </p:nvPicPr>
+        <p:blipFill>
+          <a:blip r:embed="rId2">
+            <a:extLst>
+              <a:ext uri="{28A0092B-C50C-407E-A947-70E740481C1C}">
+                <a14:useLocalDpi xmlns:a14="http://schemas.microsoft.com/office/drawing/2010/main" val="0"/>
+              </a:ext>
+            </a:extLst>
+          </a:blip>
+          <a:stretch>
+            <a:fillRect/>
+          </a:stretch>
+        </p:blipFill>
+        <p:spPr>
+          <a:xfrm>
+            <a:off x="643467" y="675471"/>
+            <a:ext cx="10905066" cy="5507057"/>
+          </a:xfrm>
+          <a:prstGeom prst="rect">
+            <a:avLst/>
+          </a:prstGeom>
+        </p:spPr>
+      </p:pic>
+      <p:sp>
+        <p:nvSpPr>
+          <p:cNvPr id="13" name="Callout: Left Arrow 12">
+            <a:extLst>
+              <a:ext uri="{FF2B5EF4-FFF2-40B4-BE49-F238E27FC236}">
+                <a16:creationId xmlns:a16="http://schemas.microsoft.com/office/drawing/2014/main" id="{164E8342-8D8A-BC42-63C8-6157B0EFB90A}"/>
+              </a:ext>
+            </a:extLst>
+          </p:cNvPr>
+          <p:cNvSpPr/>
+          <p:nvPr/>
+        </p:nvSpPr>
+        <p:spPr>
+          <a:xfrm>
+            <a:off x="3332480" y="5189136"/>
+            <a:ext cx="1341120" cy="914400"/>
+          </a:xfrm>
+          <a:prstGeom prst="leftArrowCallout">
+            <a:avLst/>
+          </a:prstGeom>
+        </p:spPr>
+        <p:style>
+          <a:lnRef idx="0">
+            <a:schemeClr val="accent3"/>
+          </a:lnRef>
+          <a:fillRef idx="3">
+            <a:schemeClr val="accent3"/>
+          </a:fillRef>
+          <a:effectRef idx="3">
+            <a:schemeClr val="accent3"/>
+          </a:effectRef>
+          <a:fontRef idx="minor">
+            <a:schemeClr val="lt1"/>
+          </a:fontRef>
+        </p:style>
+        <p:txBody>
+          <a:bodyPr rtlCol="0" anchor="ctr"/>
+          <a:lstStyle/>
+          <a:p>
+            <a:pPr algn="ctr"/>
+            <a:r>
+              <a:rPr lang="en-US" dirty="0"/>
+              <a:t>81.6%</a:t>
+            </a:r>
+          </a:p>
+        </p:txBody>
+      </p:sp>
+    </p:spTree>
+    <p:extLst>
+      <p:ext uri="{BB962C8B-B14F-4D97-AF65-F5344CB8AC3E}">
+        <p14:creationId xmlns:p14="http://schemas.microsoft.com/office/powerpoint/2010/main" val="3044354952"/>
+      </p:ext>
+    </p:extLst>
+  </p:cSld>
+  <p:clrMapOvr>
+    <a:masterClrMapping/>
+  </p:clrMapOvr>
+</p:sld>
+</file>
+
+<file path=ppt/slides/slide18.xml><?xml version="1.0" encoding="utf-8"?>
+<p:sld xmlns:a="http://schemas.openxmlformats.org/drawingml/2006/main" xmlns:r="http://schemas.openxmlformats.org/officeDocument/2006/relationships" xmlns:p="http://schemas.openxmlformats.org/presentationml/2006/main">
+  <p:cSld>
+    <p:bg>
+      <p:bgPr>
+        <a:solidFill>
+          <a:schemeClr val="bg1"/>
+        </a:solidFill>
+        <a:effectLst/>
+      </p:bgPr>
+    </p:bg>
+    <p:spTree>
+      <p:nvGrpSpPr>
+        <p:cNvPr id="1" name=""/>
+        <p:cNvGrpSpPr/>
+        <p:nvPr/>
+      </p:nvGrpSpPr>
+      <p:grpSpPr>
+        <a:xfrm>
+          <a:off x="0" y="0"/>
+          <a:ext cx="0" cy="0"/>
+          <a:chOff x="0" y="0"/>
+          <a:chExt cx="0" cy="0"/>
+        </a:xfrm>
+      </p:grpSpPr>
+      <p:sp>
+        <p:nvSpPr>
+          <p:cNvPr id="8" name="Rectangle 7">
+            <a:extLst>
+              <a:ext uri="{FF2B5EF4-FFF2-40B4-BE49-F238E27FC236}">
+                <a16:creationId xmlns:a16="http://schemas.microsoft.com/office/drawing/2014/main" id="{A7AE9375-4664-4DB2-922D-2782A6E439AC}"/>
+              </a:ext>
+              <a:ext uri="{C183D7F6-B498-43B3-948B-1728B52AA6E4}">
+                <adec:decorative xmlns:adec="http://schemas.microsoft.com/office/drawing/2017/decorative" val="1"/>
+              </a:ext>
+            </a:extLst>
+          </p:cNvPr>
+          <p:cNvSpPr>
+            <a:spLocks noGrp="1" noRot="1" noChangeAspect="1" noMove="1" noResize="1" noEditPoints="1" noAdjustHandles="1" noChangeArrowheads="1" noChangeShapeType="1" noTextEdit="1"/>
+          </p:cNvSpPr>
+          <p:nvPr>
+            <p:extLst>
+              <p:ext uri="{386F3935-93C4-4BCD-93E2-E3B085C9AB24}">
+                <p16:designElem xmlns:p16="http://schemas.microsoft.com/office/powerpoint/2015/main" val="1"/>
+              </p:ext>
+            </p:extLst>
+          </p:nvPr>
+        </p:nvSpPr>
+        <p:spPr>
+          <a:xfrm>
+            <a:off x="0" y="0"/>
+            <a:ext cx="12192000" cy="6858000"/>
+          </a:xfrm>
+          <a:prstGeom prst="rect">
+            <a:avLst/>
+          </a:prstGeom>
+          <a:solidFill>
+            <a:schemeClr val="tx1">
+              <a:lumMod val="95000"/>
+              <a:lumOff val="5000"/>
+            </a:schemeClr>
+          </a:solidFill>
+          <a:ln>
+            <a:noFill/>
+          </a:ln>
+        </p:spPr>
+        <p:style>
+          <a:lnRef idx="2">
+            <a:schemeClr val="accent1">
+              <a:shade val="50000"/>
+            </a:schemeClr>
+          </a:lnRef>
+          <a:fillRef idx="1">
+            <a:schemeClr val="accent1"/>
+          </a:fillRef>
+          <a:effectRef idx="0">
+            <a:schemeClr val="accent1"/>
+          </a:effectRef>
+          <a:fontRef idx="minor">
+            <a:schemeClr val="lt1"/>
+          </a:fontRef>
+        </p:style>
+        <p:txBody>
+          <a:bodyPr rtlCol="0" anchor="ctr"/>
+          <a:lstStyle/>
+          <a:p>
+            <a:pPr algn="ctr"/>
+            <a:endParaRPr lang="en-US" dirty="0">
+              <a:solidFill>
+                <a:schemeClr val="tx1"/>
+              </a:solidFill>
+            </a:endParaRPr>
+          </a:p>
+        </p:txBody>
+      </p:sp>
+      <p:sp>
+        <p:nvSpPr>
+          <p:cNvPr id="2" name="Title 1">
+            <a:extLst>
+              <a:ext uri="{FF2B5EF4-FFF2-40B4-BE49-F238E27FC236}">
+                <a16:creationId xmlns:a16="http://schemas.microsoft.com/office/drawing/2014/main" id="{D93F81B1-CDFA-1B63-8F61-5B54AAC65EDD}"/>
+              </a:ext>
+            </a:extLst>
+          </p:cNvPr>
+          <p:cNvSpPr>
+            <a:spLocks noGrp="1"/>
+          </p:cNvSpPr>
+          <p:nvPr>
+            <p:ph type="title"/>
+          </p:nvPr>
+        </p:nvSpPr>
+        <p:spPr>
+          <a:xfrm>
+            <a:off x="838200" y="669925"/>
+            <a:ext cx="4508946" cy="1325563"/>
+          </a:xfrm>
+        </p:spPr>
+        <p:txBody>
+          <a:bodyPr anchor="b">
+            <a:normAutofit/>
+          </a:bodyPr>
+          <a:lstStyle/>
+          <a:p>
+            <a:pPr algn="r"/>
+            <a:r>
+              <a:rPr lang="en-US" dirty="0">
+                <a:solidFill>
+                  <a:schemeClr val="bg1"/>
+                </a:solidFill>
+              </a:rPr>
+              <a:t>APA Citation</a:t>
+            </a:r>
+          </a:p>
+        </p:txBody>
+      </p:sp>
+      <p:cxnSp>
+        <p:nvCxnSpPr>
+          <p:cNvPr id="10" name="Straight Connector 9">
+            <a:extLst>
+              <a:ext uri="{FF2B5EF4-FFF2-40B4-BE49-F238E27FC236}">
+                <a16:creationId xmlns:a16="http://schemas.microsoft.com/office/drawing/2014/main" id="{EE504C98-6397-41C1-A8D8-2D9C4ED307E0}"/>
+              </a:ext>
+              <a:ext uri="{C183D7F6-B498-43B3-948B-1728B52AA6E4}">
+                <adec:decorative xmlns:adec="http://schemas.microsoft.com/office/drawing/2017/decorative" val="1"/>
+              </a:ext>
+            </a:extLst>
+          </p:cNvPr>
+          <p:cNvCxnSpPr>
+            <a:cxnSpLocks noGrp="1" noRot="1" noChangeAspect="1" noMove="1" noResize="1" noEditPoints="1" noAdjustHandles="1" noChangeArrowheads="1" noChangeShapeType="1"/>
+          </p:cNvCxnSpPr>
+          <p:nvPr>
+            <p:extLst>
+              <p:ext uri="{386F3935-93C4-4BCD-93E2-E3B085C9AB24}">
+                <p16:designElem xmlns:p16="http://schemas.microsoft.com/office/powerpoint/2015/main" val="1"/>
+              </p:ext>
+            </p:extLst>
+          </p:nvPr>
+        </p:nvCxnSpPr>
+        <p:spPr>
+          <a:xfrm flipH="1">
+            <a:off x="126210" y="2026340"/>
+            <a:ext cx="5220936" cy="0"/>
+          </a:xfrm>
+          <a:prstGeom prst="line">
+            <a:avLst/>
+          </a:prstGeom>
+          <a:ln w="12700">
+            <a:solidFill>
+              <a:schemeClr val="accent2"/>
+            </a:solidFill>
+          </a:ln>
+        </p:spPr>
+        <p:style>
+          <a:lnRef idx="1">
+            <a:schemeClr val="accent1"/>
+          </a:lnRef>
+          <a:fillRef idx="0">
+            <a:schemeClr val="accent1"/>
+          </a:fillRef>
+          <a:effectRef idx="0">
+            <a:schemeClr val="accent1"/>
+          </a:effectRef>
+          <a:fontRef idx="minor">
+            <a:schemeClr val="tx1"/>
+          </a:fontRef>
+        </p:style>
+      </p:cxnSp>
+      <p:sp>
+        <p:nvSpPr>
+          <p:cNvPr id="7" name="Content Placeholder 2">
+            <a:extLst>
+              <a:ext uri="{FF2B5EF4-FFF2-40B4-BE49-F238E27FC236}">
+                <a16:creationId xmlns:a16="http://schemas.microsoft.com/office/drawing/2014/main" id="{49679E21-C1E1-5659-5C8C-E5809E1DCD9C}"/>
+              </a:ext>
+            </a:extLst>
+          </p:cNvPr>
+          <p:cNvSpPr>
+            <a:spLocks noGrp="1"/>
+          </p:cNvSpPr>
+          <p:nvPr>
+            <p:ph idx="1"/>
+          </p:nvPr>
+        </p:nvSpPr>
+        <p:spPr>
+          <a:xfrm>
+            <a:off x="1392667" y="2398957"/>
+            <a:ext cx="9406666" cy="3526144"/>
+          </a:xfrm>
+        </p:spPr>
+        <p:txBody>
+          <a:bodyPr>
+            <a:normAutofit/>
+          </a:bodyPr>
+          <a:lstStyle/>
+          <a:p>
+            <a:r>
+              <a:rPr lang="en-US" sz="2000" dirty="0">
+                <a:solidFill>
+                  <a:schemeClr val="bg1"/>
+                </a:solidFill>
+              </a:rPr>
+              <a:t>FactSet.(2023). </a:t>
+            </a:r>
+            <a:r>
+              <a:rPr lang="en-US" sz="2000" i="1" dirty="0">
+                <a:solidFill>
+                  <a:schemeClr val="bg1"/>
+                </a:solidFill>
+              </a:rPr>
+              <a:t>Merrill Edge – Profile: PEP – PEPSICO, INC. – Stock Story</a:t>
+            </a:r>
+            <a:r>
+              <a:rPr lang="en-US" sz="2000" dirty="0">
+                <a:solidFill>
+                  <a:schemeClr val="bg1"/>
+                </a:solidFill>
+              </a:rPr>
+              <a:t>, Merrill Edge. Accessed 8 December 2023. olui2.fs.ml.com/</a:t>
+            </a:r>
+            <a:r>
+              <a:rPr lang="en-US" sz="2000" dirty="0" err="1">
+                <a:solidFill>
+                  <a:schemeClr val="bg1"/>
+                </a:solidFill>
+              </a:rPr>
+              <a:t>RIStocksUI</a:t>
+            </a:r>
+            <a:r>
+              <a:rPr lang="en-US" sz="2000" dirty="0">
+                <a:solidFill>
+                  <a:schemeClr val="bg1"/>
+                </a:solidFill>
+              </a:rPr>
+              <a:t>/</a:t>
+            </a:r>
+            <a:r>
+              <a:rPr lang="en-US" sz="2000" dirty="0" err="1">
+                <a:solidFill>
+                  <a:schemeClr val="bg1"/>
+                </a:solidFill>
+              </a:rPr>
+              <a:t>RIStocksStory.aspx?Symbol</a:t>
+            </a:r>
+            <a:r>
+              <a:rPr lang="en-US" sz="2000" dirty="0">
+                <a:solidFill>
+                  <a:schemeClr val="bg1"/>
+                </a:solidFill>
+              </a:rPr>
+              <a:t>=PEP#/stock-story/PEP/0.</a:t>
+            </a:r>
+          </a:p>
+          <a:p>
+            <a:r>
+              <a:rPr lang="en-US" sz="2000" dirty="0">
+                <a:solidFill>
+                  <a:schemeClr val="bg1"/>
+                </a:solidFill>
+              </a:rPr>
+              <a:t>OpenAI.(2023). ChatGPT response to query on Frito-Lay. ChatGPT.</a:t>
+            </a:r>
+          </a:p>
+          <a:p>
+            <a:r>
+              <a:rPr lang="en-US" sz="2000" dirty="0" err="1">
+                <a:solidFill>
+                  <a:schemeClr val="bg1"/>
+                </a:solidFill>
+              </a:rPr>
+              <a:t>FritoLay</a:t>
+            </a:r>
+            <a:r>
+              <a:rPr lang="en-US" sz="2000" dirty="0">
+                <a:solidFill>
+                  <a:schemeClr val="bg1"/>
+                </a:solidFill>
+              </a:rPr>
+              <a:t> Logo [Online Image]. (2023). Logos | </a:t>
+            </a:r>
+            <a:r>
+              <a:rPr lang="en-US" sz="2000" dirty="0" err="1">
+                <a:solidFill>
+                  <a:schemeClr val="bg1"/>
+                </a:solidFill>
+              </a:rPr>
+              <a:t>FritoLay</a:t>
+            </a:r>
+            <a:r>
+              <a:rPr lang="en-US" sz="2000" dirty="0">
+                <a:solidFill>
+                  <a:schemeClr val="bg1"/>
+                </a:solidFill>
+              </a:rPr>
+              <a:t>. fritolay.com/logos</a:t>
+            </a:r>
+          </a:p>
+          <a:p>
+            <a:r>
+              <a:rPr lang="en-US" sz="2000" dirty="0">
+                <a:solidFill>
+                  <a:schemeClr val="bg1"/>
+                </a:solidFill>
+              </a:rPr>
+              <a:t>pep+ logo [Online Image]. (2023). Media | pep+ logo. pepsico.com/</a:t>
+            </a:r>
+            <a:r>
+              <a:rPr lang="en-US" sz="2000" dirty="0" err="1">
+                <a:solidFill>
+                  <a:schemeClr val="bg1"/>
+                </a:solidFill>
+              </a:rPr>
+              <a:t>mediadownload</a:t>
+            </a:r>
+            <a:r>
+              <a:rPr lang="en-US" sz="2000" dirty="0">
+                <a:solidFill>
+                  <a:schemeClr val="bg1"/>
+                </a:solidFill>
+              </a:rPr>
+              <a:t>-item/pep-logo</a:t>
+            </a:r>
+          </a:p>
+          <a:p>
+            <a:r>
+              <a:rPr lang="en-US" sz="2000" dirty="0">
+                <a:solidFill>
+                  <a:schemeClr val="bg1"/>
+                </a:solidFill>
+              </a:rPr>
+              <a:t>PepsiCo, Inc. (PEP) (2023). Profile, Summary. </a:t>
+            </a:r>
+            <a:r>
+              <a:rPr lang="en-US" sz="2000" i="1" dirty="0" err="1">
+                <a:solidFill>
+                  <a:schemeClr val="bg1"/>
+                </a:solidFill>
+              </a:rPr>
+              <a:t>Yahoo!Finance</a:t>
+            </a:r>
+            <a:r>
+              <a:rPr lang="en-US" sz="2000" i="1" dirty="0">
+                <a:solidFill>
+                  <a:schemeClr val="bg1"/>
+                </a:solidFill>
+              </a:rPr>
+              <a:t>.</a:t>
+            </a:r>
+            <a:r>
+              <a:rPr lang="en-US" sz="2000" dirty="0">
+                <a:solidFill>
+                  <a:schemeClr val="bg1"/>
+                </a:solidFill>
+              </a:rPr>
+              <a:t> finance.yahoo.com/quote/</a:t>
+            </a:r>
+            <a:r>
+              <a:rPr lang="en-US" sz="2000" dirty="0" err="1">
+                <a:solidFill>
+                  <a:schemeClr val="bg1"/>
+                </a:solidFill>
+              </a:rPr>
+              <a:t>PEP?p</a:t>
+            </a:r>
+            <a:r>
+              <a:rPr lang="en-US" sz="2000" dirty="0">
+                <a:solidFill>
+                  <a:schemeClr val="bg1"/>
+                </a:solidFill>
+              </a:rPr>
+              <a:t>=PEP</a:t>
+            </a:r>
+          </a:p>
+        </p:txBody>
+      </p:sp>
+      <p:sp>
+        <p:nvSpPr>
+          <p:cNvPr id="12" name="Rectangle 11">
+            <a:extLst>
+              <a:ext uri="{FF2B5EF4-FFF2-40B4-BE49-F238E27FC236}">
+                <a16:creationId xmlns:a16="http://schemas.microsoft.com/office/drawing/2014/main" id="{9DD005C1-8C51-42D6-9BEE-B9B83849743D}"/>
+              </a:ext>
+              <a:ext uri="{C183D7F6-B498-43B3-948B-1728B52AA6E4}">
+                <adec:decorative xmlns:adec="http://schemas.microsoft.com/office/drawing/2017/decorative" val="1"/>
+              </a:ext>
+            </a:extLst>
+          </p:cNvPr>
+          <p:cNvSpPr>
+            <a:spLocks noGrp="1" noRot="1" noChangeAspect="1" noMove="1" noResize="1" noEditPoints="1" noAdjustHandles="1" noChangeArrowheads="1" noChangeShapeType="1" noTextEdit="1"/>
+          </p:cNvSpPr>
+          <p:nvPr>
+            <p:extLst>
+              <p:ext uri="{386F3935-93C4-4BCD-93E2-E3B085C9AB24}">
+                <p16:designElem xmlns:p16="http://schemas.microsoft.com/office/powerpoint/2015/main" val="1"/>
+              </p:ext>
+            </p:extLst>
+          </p:nvPr>
+        </p:nvSpPr>
+        <p:spPr>
+          <a:xfrm>
+            <a:off x="126206" y="115193"/>
+            <a:ext cx="11939588" cy="6627614"/>
+          </a:xfrm>
+          <a:prstGeom prst="rect">
+            <a:avLst/>
+          </a:prstGeom>
+          <a:noFill/>
+          <a:ln w="12700">
+            <a:solidFill>
+              <a:schemeClr val="accent2"/>
+            </a:solidFill>
+          </a:ln>
+        </p:spPr>
+        <p:style>
+          <a:lnRef idx="2">
+            <a:schemeClr val="accent1">
+              <a:shade val="50000"/>
+            </a:schemeClr>
+          </a:lnRef>
+          <a:fillRef idx="1">
+            <a:schemeClr val="accent1"/>
+          </a:fillRef>
+          <a:effectRef idx="0">
+            <a:schemeClr val="accent1"/>
+          </a:effectRef>
+          <a:fontRef idx="minor">
+            <a:schemeClr val="lt1"/>
+          </a:fontRef>
+        </p:style>
+        <p:txBody>
+          <a:bodyPr rtlCol="0" anchor="ctr"/>
+          <a:lstStyle/>
+          <a:p>
+            <a:pPr algn="ctr"/>
+            <a:endParaRPr lang="en-US"/>
+          </a:p>
+        </p:txBody>
+      </p:sp>
     </p:spTree>
     <p:extLst>
       <p:ext uri="{BB962C8B-B14F-4D97-AF65-F5344CB8AC3E}">
@@ -5336,7 +6428,7 @@
 </p:sld>
 </file>
 
-<file path=ppt/slides/slide16.xml><?xml version="1.0" encoding="utf-8"?>
+<file path=ppt/slides/slide19.xml><?xml version="1.0" encoding="utf-8"?>
 <p:sld xmlns:a="http://schemas.openxmlformats.org/drawingml/2006/main" xmlns:r="http://schemas.openxmlformats.org/officeDocument/2006/relationships" xmlns:p="http://schemas.openxmlformats.org/presentationml/2006/main">
   <p:cSld>
     <p:bg>
@@ -5854,7 +6946,7 @@
                 <a:latin typeface="Berlin Sans FB Demi" panose="020E0802020502020306" pitchFamily="34" charset="0"/>
                 <a:cs typeface="Calibri"/>
               </a:rPr>
-              <a:t>Provide interesting trends and observations from exploratory analysis</a:t>
+              <a:t>Provide interesting trends and observations </a:t>
             </a:r>
           </a:p>
           <a:p>
@@ -5869,7 +6961,7 @@
                 <a:latin typeface="Berlin Sans FB Demi" panose="020E0802020502020306" pitchFamily="34" charset="0"/>
                 <a:cs typeface="Calibri"/>
               </a:rPr>
-              <a:t>Identify factors leading to attrition</a:t>
+              <a:t>Identify key factors leading to attrition</a:t>
             </a:r>
           </a:p>
           <a:p>
@@ -5887,461 +6979,12 @@
               <a:t>Build a AIML model to predict attrition</a:t>
             </a:r>
           </a:p>
-          <a:p>
-            <a:pPr marL="0" indent="0">
-              <a:buNone/>
-            </a:pPr>
-            <a:r>
-              <a:rPr lang="en-US" sz="2000" dirty="0">
-                <a:solidFill>
-                  <a:srgbClr val="FFFFFF"/>
-                </a:solidFill>
-                <a:latin typeface="Berlin Sans FB Demi" panose="020E0802020502020306" pitchFamily="34" charset="0"/>
-                <a:cs typeface="Calibri"/>
-              </a:rPr>
-              <a:t>Develop an interactive R Shiny App</a:t>
-            </a:r>
-          </a:p>
         </p:txBody>
       </p:sp>
     </p:spTree>
     <p:extLst>
       <p:ext uri="{BB962C8B-B14F-4D97-AF65-F5344CB8AC3E}">
         <p14:creationId xmlns:p14="http://schemas.microsoft.com/office/powerpoint/2010/main" val="543558791"/>
-      </p:ext>
-    </p:extLst>
-  </p:cSld>
-  <p:clrMapOvr>
-    <a:masterClrMapping/>
-  </p:clrMapOvr>
-</p:sld>
-</file>
-
-<file path=ppt/slides/slide3.xml><?xml version="1.0" encoding="utf-8"?>
-<p:sld xmlns:a="http://schemas.openxmlformats.org/drawingml/2006/main" xmlns:r="http://schemas.openxmlformats.org/officeDocument/2006/relationships" xmlns:p="http://schemas.openxmlformats.org/presentationml/2006/main" show="0">
-  <p:cSld>
-    <p:bg>
-      <p:bgPr>
-        <a:solidFill>
-          <a:schemeClr val="bg1"/>
-        </a:solidFill>
-        <a:effectLst/>
-      </p:bgPr>
-    </p:bg>
-    <p:spTree>
-      <p:nvGrpSpPr>
-        <p:cNvPr id="1" name=""/>
-        <p:cNvGrpSpPr/>
-        <p:nvPr/>
-      </p:nvGrpSpPr>
-      <p:grpSpPr>
-        <a:xfrm>
-          <a:off x="0" y="0"/>
-          <a:ext cx="0" cy="0"/>
-          <a:chOff x="0" y="0"/>
-          <a:chExt cx="0" cy="0"/>
-        </a:xfrm>
-      </p:grpSpPr>
-      <p:sp useBgFill="1">
-        <p:nvSpPr>
-          <p:cNvPr id="12" name="Rectangle 11">
-            <a:extLst>
-              <a:ext uri="{FF2B5EF4-FFF2-40B4-BE49-F238E27FC236}">
-                <a16:creationId xmlns:a16="http://schemas.microsoft.com/office/drawing/2014/main" id="{04812C46-200A-4DEB-A05E-3ED6C68C2387}"/>
-              </a:ext>
-              <a:ext uri="{C183D7F6-B498-43B3-948B-1728B52AA6E4}">
-                <adec:decorative xmlns:adec="http://schemas.microsoft.com/office/drawing/2017/decorative" val="1"/>
-              </a:ext>
-            </a:extLst>
-          </p:cNvPr>
-          <p:cNvSpPr>
-            <a:spLocks noGrp="1" noRot="1" noChangeAspect="1" noMove="1" noResize="1" noEditPoints="1" noAdjustHandles="1" noChangeArrowheads="1" noChangeShapeType="1" noTextEdit="1"/>
-          </p:cNvSpPr>
-          <p:nvPr>
-            <p:extLst>
-              <p:ext uri="{386F3935-93C4-4BCD-93E2-E3B085C9AB24}">
-                <p16:designElem xmlns:p16="http://schemas.microsoft.com/office/powerpoint/2015/main" val="1"/>
-              </p:ext>
-            </p:extLst>
-          </p:nvPr>
-        </p:nvSpPr>
-        <p:spPr>
-          <a:xfrm>
-            <a:off x="-1" y="0"/>
-            <a:ext cx="12188952" cy="6858000"/>
-          </a:xfrm>
-          <a:prstGeom prst="rect">
-            <a:avLst/>
-          </a:prstGeom>
-          <a:ln>
-            <a:noFill/>
-          </a:ln>
-        </p:spPr>
-        <p:style>
-          <a:lnRef idx="2">
-            <a:schemeClr val="accent1">
-              <a:shade val="50000"/>
-            </a:schemeClr>
-          </a:lnRef>
-          <a:fillRef idx="1">
-            <a:schemeClr val="accent1"/>
-          </a:fillRef>
-          <a:effectRef idx="0">
-            <a:schemeClr val="accent1"/>
-          </a:effectRef>
-          <a:fontRef idx="minor">
-            <a:schemeClr val="lt1"/>
-          </a:fontRef>
-        </p:style>
-        <p:txBody>
-          <a:bodyPr rtlCol="0" anchor="ctr"/>
-          <a:lstStyle/>
-          <a:p>
-            <a:pPr algn="ctr"/>
-            <a:endParaRPr lang="en-US"/>
-          </a:p>
-        </p:txBody>
-      </p:sp>
-      <p:pic>
-        <p:nvPicPr>
-          <p:cNvPr id="13" name="Picture 12" descr="Computer script on a screen">
-            <a:extLst>
-              <a:ext uri="{FF2B5EF4-FFF2-40B4-BE49-F238E27FC236}">
-                <a16:creationId xmlns:a16="http://schemas.microsoft.com/office/drawing/2014/main" id="{93DE3ADE-AC64-6889-FCDB-D9538073E473}"/>
-              </a:ext>
-            </a:extLst>
-          </p:cNvPr>
-          <p:cNvPicPr>
-            <a:picLocks noChangeAspect="1"/>
-          </p:cNvPicPr>
-          <p:nvPr/>
-        </p:nvPicPr>
-        <p:blipFill rotWithShape="1">
-          <a:blip r:embed="rId2"/>
-          <a:srcRect r="5882" b="-1"/>
-          <a:stretch/>
-        </p:blipFill>
-        <p:spPr>
-          <a:xfrm>
-            <a:off x="1" y="10"/>
-            <a:ext cx="9669642" cy="6857990"/>
-          </a:xfrm>
-          <a:prstGeom prst="rect">
-            <a:avLst/>
-          </a:prstGeom>
-        </p:spPr>
-      </p:pic>
-      <p:sp>
-        <p:nvSpPr>
-          <p:cNvPr id="11" name="Rectangle 10">
-            <a:extLst>
-              <a:ext uri="{FF2B5EF4-FFF2-40B4-BE49-F238E27FC236}">
-                <a16:creationId xmlns:a16="http://schemas.microsoft.com/office/drawing/2014/main" id="{D1EA859B-E555-4109-94F3-6700E046E008}"/>
-              </a:ext>
-              <a:ext uri="{C183D7F6-B498-43B3-948B-1728B52AA6E4}">
-                <adec:decorative xmlns:adec="http://schemas.microsoft.com/office/drawing/2017/decorative" val="1"/>
-              </a:ext>
-            </a:extLst>
-          </p:cNvPr>
-          <p:cNvSpPr>
-            <a:spLocks noGrp="1" noRot="1" noChangeAspect="1" noMove="1" noResize="1" noEditPoints="1" noAdjustHandles="1" noChangeArrowheads="1" noChangeShapeType="1" noTextEdit="1"/>
-          </p:cNvSpPr>
-          <p:nvPr>
-            <p:extLst>
-              <p:ext uri="{386F3935-93C4-4BCD-93E2-E3B085C9AB24}">
-                <p16:designElem xmlns:p16="http://schemas.microsoft.com/office/powerpoint/2015/main" val="1"/>
-              </p:ext>
-            </p:extLst>
-          </p:nvPr>
-        </p:nvSpPr>
-        <p:spPr>
-          <a:xfrm flipH="1">
-            <a:off x="5125019" y="0"/>
-            <a:ext cx="7066978" cy="6858000"/>
-          </a:xfrm>
-          <a:prstGeom prst="rect">
-            <a:avLst/>
-          </a:prstGeom>
-          <a:gradFill>
-            <a:gsLst>
-              <a:gs pos="48000">
-                <a:schemeClr val="bg1"/>
-              </a:gs>
-              <a:gs pos="35000">
-                <a:schemeClr val="bg1">
-                  <a:alpha val="77000"/>
-                </a:schemeClr>
-              </a:gs>
-              <a:gs pos="19000">
-                <a:schemeClr val="bg1">
-                  <a:alpha val="38000"/>
-                </a:schemeClr>
-              </a:gs>
-              <a:gs pos="0">
-                <a:schemeClr val="bg1">
-                  <a:alpha val="0"/>
-                </a:schemeClr>
-              </a:gs>
-              <a:gs pos="100000">
-                <a:schemeClr val="bg1"/>
-              </a:gs>
-            </a:gsLst>
-            <a:lin ang="10800000" scaled="0"/>
-          </a:gradFill>
-          <a:ln>
-            <a:noFill/>
-          </a:ln>
-        </p:spPr>
-        <p:style>
-          <a:lnRef idx="2">
-            <a:schemeClr val="accent1">
-              <a:shade val="50000"/>
-            </a:schemeClr>
-          </a:lnRef>
-          <a:fillRef idx="1">
-            <a:schemeClr val="accent1"/>
-          </a:fillRef>
-          <a:effectRef idx="0">
-            <a:schemeClr val="accent1"/>
-          </a:effectRef>
-          <a:fontRef idx="minor">
-            <a:schemeClr val="lt1"/>
-          </a:fontRef>
-        </p:style>
-        <p:txBody>
-          <a:bodyPr rtlCol="0" anchor="ctr"/>
-          <a:lstStyle/>
-          <a:p>
-            <a:pPr algn="ctr"/>
-            <a:endParaRPr lang="en-US" dirty="0"/>
-          </a:p>
-        </p:txBody>
-      </p:sp>
-      <p:sp>
-        <p:nvSpPr>
-          <p:cNvPr id="2" name="Title 1">
-            <a:extLst>
-              <a:ext uri="{FF2B5EF4-FFF2-40B4-BE49-F238E27FC236}">
-                <a16:creationId xmlns:a16="http://schemas.microsoft.com/office/drawing/2014/main" id="{F021913E-6E4A-CA44-FEB5-D31A3E4FBAD3}"/>
-              </a:ext>
-            </a:extLst>
-          </p:cNvPr>
-          <p:cNvSpPr>
-            <a:spLocks noGrp="1"/>
-          </p:cNvSpPr>
-          <p:nvPr>
-            <p:ph type="title"/>
-          </p:nvPr>
-        </p:nvSpPr>
-        <p:spPr>
-          <a:xfrm>
-            <a:off x="7531610" y="365125"/>
-            <a:ext cx="3822189" cy="1899912"/>
-          </a:xfrm>
-          <a:ln>
-            <a:noFill/>
-          </a:ln>
-          <a:effectLst>
-            <a:outerShdw blurRad="44450" dist="27940" dir="5400000" algn="ctr">
-              <a:srgbClr val="000000">
-                <a:alpha val="32000"/>
-              </a:srgbClr>
-            </a:outerShdw>
-          </a:effectLst>
-          <a:scene3d>
-            <a:camera prst="orthographicFront">
-              <a:rot lat="0" lon="0" rev="0"/>
-            </a:camera>
-            <a:lightRig rig="balanced" dir="t">
-              <a:rot lat="0" lon="0" rev="8700000"/>
-            </a:lightRig>
-          </a:scene3d>
-          <a:sp3d>
-            <a:bevelT w="190500" h="38100"/>
-          </a:sp3d>
-        </p:spPr>
-        <p:txBody>
-          <a:bodyPr>
-            <a:normAutofit/>
-          </a:bodyPr>
-          <a:lstStyle/>
-          <a:p>
-            <a:r>
-              <a:rPr lang="en-US" sz="4000" dirty="0">
-                <a:latin typeface="Amasis MT Pro Black" panose="02040A04050005020304" pitchFamily="18" charset="0"/>
-                <a:cs typeface="Calibri Light"/>
-              </a:rPr>
-              <a:t>Project Deliverables</a:t>
-            </a:r>
-            <a:endParaRPr lang="en-US" sz="4000" dirty="0">
-              <a:latin typeface="Amasis MT Pro Black" panose="02040A04050005020304" pitchFamily="18" charset="0"/>
-            </a:endParaRPr>
-          </a:p>
-        </p:txBody>
-      </p:sp>
-      <p:sp>
-        <p:nvSpPr>
-          <p:cNvPr id="3" name="Content Placeholder 2">
-            <a:extLst>
-              <a:ext uri="{FF2B5EF4-FFF2-40B4-BE49-F238E27FC236}">
-                <a16:creationId xmlns:a16="http://schemas.microsoft.com/office/drawing/2014/main" id="{7D07C67A-56E8-1EDA-2EA5-A70BC51BC10C}"/>
-              </a:ext>
-            </a:extLst>
-          </p:cNvPr>
-          <p:cNvSpPr>
-            <a:spLocks noGrp="1"/>
-          </p:cNvSpPr>
-          <p:nvPr>
-            <p:ph idx="1"/>
-          </p:nvPr>
-        </p:nvSpPr>
-        <p:spPr>
-          <a:xfrm>
-            <a:off x="7531610" y="2434201"/>
-            <a:ext cx="3822189" cy="3742762"/>
-          </a:xfrm>
-          <a:ln>
-            <a:noFill/>
-          </a:ln>
-          <a:effectLst>
-            <a:outerShdw blurRad="190500" dist="228600" dir="2700000" algn="ctr">
-              <a:srgbClr val="000000">
-                <a:alpha val="30000"/>
-              </a:srgbClr>
-            </a:outerShdw>
-          </a:effectLst>
-          <a:scene3d>
-            <a:camera prst="orthographicFront">
-              <a:rot lat="0" lon="0" rev="0"/>
-            </a:camera>
-            <a:lightRig rig="glow" dir="t">
-              <a:rot lat="0" lon="0" rev="4800000"/>
-            </a:lightRig>
-          </a:scene3d>
-          <a:sp3d prstMaterial="matte">
-            <a:bevelT w="127000" h="63500"/>
-          </a:sp3d>
-        </p:spPr>
-        <p:txBody>
-          <a:bodyPr vert="horz" lIns="91440" tIns="45720" rIns="91440" bIns="45720" rtlCol="0">
-            <a:normAutofit/>
-          </a:bodyPr>
-          <a:lstStyle/>
-          <a:p>
-            <a:pPr marL="0" indent="0">
-              <a:buNone/>
-            </a:pPr>
-            <a:r>
-              <a:rPr lang="en-US" sz="1800" dirty="0">
-                <a:latin typeface="Abadi" panose="020B0604020104020204" pitchFamily="34" charset="0"/>
-                <a:cs typeface="Calibri"/>
-              </a:rPr>
-              <a:t>CaseStudy2DDS GitHub Repository</a:t>
-            </a:r>
-          </a:p>
-          <a:p>
-            <a:pPr marL="0" indent="0">
-              <a:buNone/>
-            </a:pPr>
-            <a:r>
-              <a:rPr lang="en-US" sz="1800" dirty="0">
-                <a:latin typeface="Abadi" panose="020B0604020104020204" pitchFamily="34" charset="0"/>
-                <a:cs typeface="Calibri"/>
-              </a:rPr>
-              <a:t>GitHub Jekyll Page</a:t>
-            </a:r>
-          </a:p>
-          <a:p>
-            <a:pPr marL="0" indent="0">
-              <a:buNone/>
-            </a:pPr>
-            <a:r>
-              <a:rPr lang="en-US" sz="1800" dirty="0">
-                <a:latin typeface="Abadi" panose="020B0604020104020204" pitchFamily="34" charset="0"/>
-                <a:cs typeface="Calibri"/>
-              </a:rPr>
-              <a:t>PowerPoint Presentation</a:t>
-            </a:r>
-          </a:p>
-          <a:p>
-            <a:pPr marL="0" indent="0">
-              <a:buNone/>
-            </a:pPr>
-            <a:r>
-              <a:rPr lang="en-US" sz="1800" dirty="0">
-                <a:latin typeface="Abadi" panose="020B0604020104020204" pitchFamily="34" charset="0"/>
-                <a:cs typeface="Calibri"/>
-              </a:rPr>
-              <a:t>Executive Summary</a:t>
-            </a:r>
-          </a:p>
-          <a:p>
-            <a:pPr marL="0" indent="0">
-              <a:buNone/>
-            </a:pPr>
-            <a:r>
-              <a:rPr lang="en-US" sz="1800" dirty="0">
-                <a:latin typeface="Abadi" panose="020B0604020104020204" pitchFamily="34" charset="0"/>
-                <a:cs typeface="Calibri"/>
-              </a:rPr>
-              <a:t>R Statistical Analysis</a:t>
-            </a:r>
-          </a:p>
-          <a:p>
-            <a:pPr marL="0" indent="0">
-              <a:buNone/>
-            </a:pPr>
-            <a:r>
-              <a:rPr lang="en-US" sz="1800" dirty="0">
-                <a:latin typeface="Abadi" panose="020B0604020104020204" pitchFamily="34" charset="0"/>
-                <a:cs typeface="Calibri"/>
-              </a:rPr>
-              <a:t>R Shiny App</a:t>
-            </a:r>
-          </a:p>
-          <a:p>
-            <a:pPr marL="0" indent="0">
-              <a:buNone/>
-            </a:pPr>
-            <a:r>
-              <a:rPr lang="en-US" sz="1800" dirty="0">
-                <a:latin typeface="Abadi" panose="020B0604020104020204" pitchFamily="34" charset="0"/>
-                <a:cs typeface="Calibri"/>
-              </a:rPr>
-              <a:t>Case Study Predictions</a:t>
-            </a:r>
-          </a:p>
-          <a:p>
-            <a:pPr lvl="1"/>
-            <a:endParaRPr lang="en-US" sz="1400" dirty="0">
-              <a:latin typeface="Abadi" panose="020B0604020104020204" pitchFamily="34" charset="0"/>
-              <a:cs typeface="Calibri"/>
-            </a:endParaRPr>
-          </a:p>
-          <a:p>
-            <a:endParaRPr lang="en-US" sz="1400" dirty="0">
-              <a:latin typeface="Abadi" panose="020B0604020104020204" pitchFamily="34" charset="0"/>
-              <a:cs typeface="Calibri"/>
-            </a:endParaRPr>
-          </a:p>
-          <a:p>
-            <a:endParaRPr lang="en-US" sz="1400" dirty="0">
-              <a:latin typeface="Abadi" panose="020B0604020104020204" pitchFamily="34" charset="0"/>
-              <a:cs typeface="Calibri"/>
-            </a:endParaRPr>
-          </a:p>
-          <a:p>
-            <a:endParaRPr lang="en-US" sz="1400" dirty="0">
-              <a:latin typeface="Abadi" panose="020B0604020104020204" pitchFamily="34" charset="0"/>
-              <a:cs typeface="Calibri"/>
-            </a:endParaRPr>
-          </a:p>
-        </p:txBody>
-      </p:sp>
-    </p:spTree>
-    <p:extLst>
-      <p:ext uri="{BB962C8B-B14F-4D97-AF65-F5344CB8AC3E}">
-        <p14:creationId xmlns:p14="http://schemas.microsoft.com/office/powerpoint/2010/main" val="3927191387"/>
       </p:ext>
     </p:extLst>
   </p:cSld>
@@ -6397,7 +7040,7 @@
                                     </p:set>
                                     <p:animEffect transition="in" filter="fade">
                                       <p:cBhvr>
-                                        <p:cTn id="7" dur="500"/>
+                                        <p:cTn id="7" dur="1000"/>
                                         <p:tgtEl>
                                           <p:spTgt spid="2"/>
                                         </p:tgtEl>
@@ -6425,7 +7068,7 @@
                             </p:stCondLst>
                             <p:childTnLst>
                               <p:par>
-                                <p:cTn id="10" presetID="10" presetClass="entr" presetSubtype="0" fill="hold" grpId="0" nodeType="clickEffect">
+                                <p:cTn id="10" presetID="1" presetClass="entr" presetSubtype="0" fill="hold" grpId="0" nodeType="clickEffect">
                                   <p:stCondLst>
                                     <p:cond delay="0"/>
                                   </p:stCondLst>
@@ -6452,18 +7095,6 @@
                                         <p:strVal val="visible"/>
                                       </p:to>
                                     </p:set>
-                                    <p:animEffect transition="in" filter="fade">
-                                      <p:cBhvr>
-                                        <p:cTn id="12" dur="500"/>
-                                        <p:tgtEl>
-                                          <p:spTgt spid="3">
-                                            <p:txEl>
-                                              <p:pRg st="0" end="0"/>
-                                            </p:txEl>
-                                          </p:spTgt>
-                                        </p:tgtEl>
-                                      </p:cBhvr>
-                                    </p:animEffect>
                                   </p:childTnLst>
                                 </p:cTn>
                               </p:par>
@@ -6474,26 +7105,26 @@
                     </p:cTn>
                   </p:par>
                   <p:par>
-                    <p:cTn id="13" fill="hold">
+                    <p:cTn id="12" fill="hold">
                       <p:stCondLst>
                         <p:cond delay="indefinite"/>
                       </p:stCondLst>
                       <p:childTnLst>
                         <p:par>
-                          <p:cTn id="14" fill="hold">
+                          <p:cTn id="13" fill="hold">
                             <p:stCondLst>
                               <p:cond delay="0"/>
                             </p:stCondLst>
                             <p:childTnLst>
                               <p:par>
-                                <p:cTn id="15" presetID="10" presetClass="entr" presetSubtype="0" fill="hold" grpId="0" nodeType="clickEffect">
+                                <p:cTn id="14" presetID="1" presetClass="entr" presetSubtype="0" fill="hold" grpId="0" nodeType="clickEffect">
                                   <p:stCondLst>
                                     <p:cond delay="0"/>
                                   </p:stCondLst>
                                   <p:childTnLst>
                                     <p:set>
                                       <p:cBhvr>
-                                        <p:cTn id="16" dur="1" fill="hold">
+                                        <p:cTn id="15" dur="1" fill="hold">
                                           <p:stCondLst>
                                             <p:cond delay="0"/>
                                           </p:stCondLst>
@@ -6513,18 +7144,6 @@
                                         <p:strVal val="visible"/>
                                       </p:to>
                                     </p:set>
-                                    <p:animEffect transition="in" filter="fade">
-                                      <p:cBhvr>
-                                        <p:cTn id="17" dur="500"/>
-                                        <p:tgtEl>
-                                          <p:spTgt spid="3">
-                                            <p:txEl>
-                                              <p:pRg st="1" end="1"/>
-                                            </p:txEl>
-                                          </p:spTgt>
-                                        </p:tgtEl>
-                                      </p:cBhvr>
-                                    </p:animEffect>
                                   </p:childTnLst>
                                 </p:cTn>
                               </p:par>
@@ -6535,26 +7154,26 @@
                     </p:cTn>
                   </p:par>
                   <p:par>
-                    <p:cTn id="18" fill="hold">
+                    <p:cTn id="16" fill="hold">
                       <p:stCondLst>
                         <p:cond delay="indefinite"/>
                       </p:stCondLst>
                       <p:childTnLst>
                         <p:par>
-                          <p:cTn id="19" fill="hold">
+                          <p:cTn id="17" fill="hold">
                             <p:stCondLst>
                               <p:cond delay="0"/>
                             </p:stCondLst>
                             <p:childTnLst>
                               <p:par>
-                                <p:cTn id="20" presetID="10" presetClass="entr" presetSubtype="0" fill="hold" grpId="0" nodeType="clickEffect">
+                                <p:cTn id="18" presetID="1" presetClass="entr" presetSubtype="0" fill="hold" grpId="0" nodeType="clickEffect">
                                   <p:stCondLst>
                                     <p:cond delay="0"/>
                                   </p:stCondLst>
                                   <p:childTnLst>
                                     <p:set>
                                       <p:cBhvr>
-                                        <p:cTn id="21" dur="1" fill="hold">
+                                        <p:cTn id="19" dur="1" fill="hold">
                                           <p:stCondLst>
                                             <p:cond delay="0"/>
                                           </p:stCondLst>
@@ -6574,18 +7193,6 @@
                                         <p:strVal val="visible"/>
                                       </p:to>
                                     </p:set>
-                                    <p:animEffect transition="in" filter="fade">
-                                      <p:cBhvr>
-                                        <p:cTn id="22" dur="500"/>
-                                        <p:tgtEl>
-                                          <p:spTgt spid="3">
-                                            <p:txEl>
-                                              <p:pRg st="2" end="2"/>
-                                            </p:txEl>
-                                          </p:spTgt>
-                                        </p:tgtEl>
-                                      </p:cBhvr>
-                                    </p:animEffect>
                                   </p:childTnLst>
                                 </p:cTn>
                               </p:par>
@@ -6596,26 +7203,26 @@
                     </p:cTn>
                   </p:par>
                   <p:par>
-                    <p:cTn id="23" fill="hold">
+                    <p:cTn id="20" fill="hold">
                       <p:stCondLst>
                         <p:cond delay="indefinite"/>
                       </p:stCondLst>
                       <p:childTnLst>
                         <p:par>
-                          <p:cTn id="24" fill="hold">
+                          <p:cTn id="21" fill="hold">
                             <p:stCondLst>
                               <p:cond delay="0"/>
                             </p:stCondLst>
                             <p:childTnLst>
                               <p:par>
-                                <p:cTn id="25" presetID="10" presetClass="entr" presetSubtype="0" fill="hold" grpId="0" nodeType="clickEffect">
+                                <p:cTn id="22" presetID="1" presetClass="entr" presetSubtype="0" fill="hold" grpId="0" nodeType="clickEffect">
                                   <p:stCondLst>
                                     <p:cond delay="0"/>
                                   </p:stCondLst>
                                   <p:childTnLst>
                                     <p:set>
                                       <p:cBhvr>
-                                        <p:cTn id="26" dur="1" fill="hold">
+                                        <p:cTn id="23" dur="1" fill="hold">
                                           <p:stCondLst>
                                             <p:cond delay="0"/>
                                           </p:stCondLst>
@@ -6635,201 +7242,6 @@
                                         <p:strVal val="visible"/>
                                       </p:to>
                                     </p:set>
-                                    <p:animEffect transition="in" filter="fade">
-                                      <p:cBhvr>
-                                        <p:cTn id="27" dur="500"/>
-                                        <p:tgtEl>
-                                          <p:spTgt spid="3">
-                                            <p:txEl>
-                                              <p:pRg st="3" end="3"/>
-                                            </p:txEl>
-                                          </p:spTgt>
-                                        </p:tgtEl>
-                                      </p:cBhvr>
-                                    </p:animEffect>
-                                  </p:childTnLst>
-                                </p:cTn>
-                              </p:par>
-                            </p:childTnLst>
-                          </p:cTn>
-                        </p:par>
-                      </p:childTnLst>
-                    </p:cTn>
-                  </p:par>
-                  <p:par>
-                    <p:cTn id="28" fill="hold">
-                      <p:stCondLst>
-                        <p:cond delay="indefinite"/>
-                      </p:stCondLst>
-                      <p:childTnLst>
-                        <p:par>
-                          <p:cTn id="29" fill="hold">
-                            <p:stCondLst>
-                              <p:cond delay="0"/>
-                            </p:stCondLst>
-                            <p:childTnLst>
-                              <p:par>
-                                <p:cTn id="30" presetID="10" presetClass="entr" presetSubtype="0" fill="hold" grpId="0" nodeType="clickEffect">
-                                  <p:stCondLst>
-                                    <p:cond delay="0"/>
-                                  </p:stCondLst>
-                                  <p:childTnLst>
-                                    <p:set>
-                                      <p:cBhvr>
-                                        <p:cTn id="31" dur="1" fill="hold">
-                                          <p:stCondLst>
-                                            <p:cond delay="0"/>
-                                          </p:stCondLst>
-                                        </p:cTn>
-                                        <p:tgtEl>
-                                          <p:spTgt spid="3">
-                                            <p:txEl>
-                                              <p:pRg st="4" end="4"/>
-                                            </p:txEl>
-                                          </p:spTgt>
-                                        </p:tgtEl>
-                                        <p:attrNameLst>
-                                          <p:attrName>style.visibility</p:attrName>
-                                        </p:attrNameLst>
-                                      </p:cBhvr>
-                                      <p:to>
-                                        <p:strVal val="visible"/>
-                                      </p:to>
-                                    </p:set>
-                                    <p:animEffect transition="in" filter="fade">
-                                      <p:cBhvr>
-                                        <p:cTn id="32" dur="500"/>
-                                        <p:tgtEl>
-                                          <p:spTgt spid="3">
-                                            <p:txEl>
-                                              <p:pRg st="4" end="4"/>
-                                            </p:txEl>
-                                          </p:spTgt>
-                                        </p:tgtEl>
-                                      </p:cBhvr>
-                                    </p:animEffect>
-                                  </p:childTnLst>
-                                </p:cTn>
-                              </p:par>
-                            </p:childTnLst>
-                          </p:cTn>
-                        </p:par>
-                      </p:childTnLst>
-                    </p:cTn>
-                  </p:par>
-                  <p:par>
-                    <p:cTn id="33" fill="hold">
-                      <p:stCondLst>
-                        <p:cond delay="indefinite"/>
-                      </p:stCondLst>
-                      <p:childTnLst>
-                        <p:par>
-                          <p:cTn id="34" fill="hold">
-                            <p:stCondLst>
-                              <p:cond delay="0"/>
-                            </p:stCondLst>
-                            <p:childTnLst>
-                              <p:par>
-                                <p:cTn id="35" presetID="10" presetClass="entr" presetSubtype="0" fill="hold" grpId="0" nodeType="clickEffect">
-                                  <p:stCondLst>
-                                    <p:cond delay="0"/>
-                                  </p:stCondLst>
-                                  <p:childTnLst>
-                                    <p:set>
-                                      <p:cBhvr>
-                                        <p:cTn id="36" dur="1" fill="hold">
-                                          <p:stCondLst>
-                                            <p:cond delay="0"/>
-                                          </p:stCondLst>
-                                        </p:cTn>
-                                        <p:tgtEl>
-                                          <p:spTgt spid="3">
-                                            <p:txEl>
-                                              <p:pRg st="5" end="5"/>
-                                            </p:txEl>
-                                          </p:spTgt>
-                                        </p:tgtEl>
-                                        <p:attrNameLst>
-                                          <p:attrName>style.visibility</p:attrName>
-                                        </p:attrNameLst>
-                                      </p:cBhvr>
-                                      <p:to>
-                                        <p:strVal val="visible"/>
-                                      </p:to>
-                                    </p:set>
-                                    <p:animEffect transition="in" filter="fade">
-                                      <p:cBhvr>
-                                        <p:cTn id="37" dur="500"/>
-                                        <p:tgtEl>
-                                          <p:spTgt spid="3">
-                                            <p:txEl>
-                                              <p:pRg st="5" end="5"/>
-                                            </p:txEl>
-                                          </p:spTgt>
-                                        </p:tgtEl>
-                                      </p:cBhvr>
-                                    </p:animEffect>
-                                  </p:childTnLst>
-                                </p:cTn>
-                              </p:par>
-                            </p:childTnLst>
-                          </p:cTn>
-                        </p:par>
-                      </p:childTnLst>
-                    </p:cTn>
-                  </p:par>
-                  <p:par>
-                    <p:cTn id="38" fill="hold">
-                      <p:stCondLst>
-                        <p:cond delay="indefinite"/>
-                      </p:stCondLst>
-                      <p:childTnLst>
-                        <p:par>
-                          <p:cTn id="39" fill="hold">
-                            <p:stCondLst>
-                              <p:cond delay="0"/>
-                            </p:stCondLst>
-                            <p:childTnLst>
-                              <p:par>
-                                <p:cTn id="40" presetID="10" presetClass="entr" presetSubtype="0" fill="hold" grpId="0" nodeType="clickEffect">
-                                  <p:stCondLst>
-                                    <p:cond delay="0"/>
-                                  </p:stCondLst>
-                                  <p:childTnLst>
-                                    <p:set>
-                                      <p:cBhvr>
-                                        <p:cTn id="41" dur="1" fill="hold">
-                                          <p:stCondLst>
-                                            <p:cond delay="0"/>
-                                          </p:stCondLst>
-                                        </p:cTn>
-                                        <p:tgtEl>
-                                          <p:spTgt spid="3">
-                                            <p:txEl>
-                                              <p:pRg st="6" end="6"/>
-                                            </p:txEl>
-                                          </p:spTgt>
-                                        </p:tgtEl>
-                                        <p:attrNameLst>
-                                          <p:attrName>style.visibility</p:attrName>
-                                        </p:attrNameLst>
-                                      </p:cBhvr>
-                                      <p:to>
-                                        <p:strVal val="visible"/>
-                                      </p:to>
-                                    </p:set>
-                                    <p:animEffect transition="in" filter="fade">
-                                      <p:cBhvr>
-                                        <p:cTn id="42" dur="500"/>
-                                        <p:tgtEl>
-                                          <p:spTgt spid="3">
-                                            <p:txEl>
-                                              <p:pRg st="6" end="6"/>
-                                            </p:txEl>
-                                          </p:spTgt>
-                                        </p:tgtEl>
-                                      </p:cBhvr>
-                                    </p:animEffect>
                                   </p:childTnLst>
                                 </p:cTn>
                               </p:par>
@@ -6862,13 +7274,13 @@
     </p:tnLst>
     <p:bldLst>
       <p:bldP spid="2" grpId="0"/>
-      <p:bldP spid="3" grpId="0" uiExpand="1" build="p"/>
+      <p:bldP spid="3" grpId="0" build="p"/>
     </p:bldLst>
   </p:timing>
 </p:sld>
 </file>
 
-<file path=ppt/slides/slide4.xml><?xml version="1.0" encoding="utf-8"?>
+<file path=ppt/slides/slide3.xml><?xml version="1.0" encoding="utf-8"?>
 <p:sld xmlns:a="http://schemas.openxmlformats.org/drawingml/2006/main" xmlns:r="http://schemas.openxmlformats.org/officeDocument/2006/relationships" xmlns:p="http://schemas.openxmlformats.org/presentationml/2006/main">
   <p:cSld>
     <p:bg>
@@ -7213,6 +7625,573 @@
 </p:sld>
 </file>
 
+<file path=ppt/slides/slide4.xml><?xml version="1.0" encoding="utf-8"?>
+<p:sld xmlns:a="http://schemas.openxmlformats.org/drawingml/2006/main" xmlns:r="http://schemas.openxmlformats.org/officeDocument/2006/relationships" xmlns:p="http://schemas.openxmlformats.org/presentationml/2006/main">
+  <p:cSld>
+    <p:bg>
+      <p:bgPr>
+        <a:solidFill>
+          <a:schemeClr val="bg1"/>
+        </a:solidFill>
+        <a:effectLst/>
+      </p:bgPr>
+    </p:bg>
+    <p:spTree>
+      <p:nvGrpSpPr>
+        <p:cNvPr id="1" name=""/>
+        <p:cNvGrpSpPr/>
+        <p:nvPr/>
+      </p:nvGrpSpPr>
+      <p:grpSpPr>
+        <a:xfrm>
+          <a:off x="0" y="0"/>
+          <a:ext cx="0" cy="0"/>
+          <a:chOff x="0" y="0"/>
+          <a:chExt cx="0" cy="0"/>
+        </a:xfrm>
+      </p:grpSpPr>
+      <p:sp>
+        <p:nvSpPr>
+          <p:cNvPr id="14" name="Rectangle 13">
+            <a:extLst>
+              <a:ext uri="{FF2B5EF4-FFF2-40B4-BE49-F238E27FC236}">
+                <a16:creationId xmlns:a16="http://schemas.microsoft.com/office/drawing/2014/main" id="{AA3CC463-F933-4AC4-86E1-5AC14B0C3163}"/>
+              </a:ext>
+              <a:ext uri="{C183D7F6-B498-43B3-948B-1728B52AA6E4}">
+                <adec:decorative xmlns:adec="http://schemas.microsoft.com/office/drawing/2017/decorative" val="1"/>
+              </a:ext>
+            </a:extLst>
+          </p:cNvPr>
+          <p:cNvSpPr>
+            <a:spLocks noGrp="1" noRot="1" noChangeAspect="1" noMove="1" noResize="1" noEditPoints="1" noAdjustHandles="1" noChangeArrowheads="1" noChangeShapeType="1" noTextEdit="1"/>
+          </p:cNvSpPr>
+          <p:nvPr>
+            <p:extLst>
+              <p:ext uri="{386F3935-93C4-4BCD-93E2-E3B085C9AB24}">
+                <p16:designElem xmlns:p16="http://schemas.microsoft.com/office/powerpoint/2015/main" val="1"/>
+              </p:ext>
+            </p:extLst>
+          </p:nvPr>
+        </p:nvSpPr>
+        <p:spPr>
+          <a:xfrm>
+            <a:off x="0" y="0"/>
+            <a:ext cx="12192000" cy="6858000"/>
+          </a:xfrm>
+          <a:prstGeom prst="rect">
+            <a:avLst/>
+          </a:prstGeom>
+          <a:solidFill>
+            <a:schemeClr val="bg1">
+              <a:lumMod val="50000"/>
+              <a:alpha val="90000"/>
+            </a:schemeClr>
+          </a:solidFill>
+          <a:ln>
+            <a:noFill/>
+          </a:ln>
+        </p:spPr>
+        <p:style>
+          <a:lnRef idx="2">
+            <a:schemeClr val="accent1">
+              <a:shade val="50000"/>
+            </a:schemeClr>
+          </a:lnRef>
+          <a:fillRef idx="1">
+            <a:schemeClr val="accent1"/>
+          </a:fillRef>
+          <a:effectRef idx="0">
+            <a:schemeClr val="accent1"/>
+          </a:effectRef>
+          <a:fontRef idx="minor">
+            <a:schemeClr val="lt1"/>
+          </a:fontRef>
+        </p:style>
+        <p:txBody>
+          <a:bodyPr rtlCol="0" anchor="ctr"/>
+          <a:lstStyle/>
+          <a:p>
+            <a:pPr algn="ctr"/>
+            <a:endParaRPr lang="en-US"/>
+          </a:p>
+        </p:txBody>
+      </p:sp>
+      <p:sp>
+        <p:nvSpPr>
+          <p:cNvPr id="16" name="Rectangle 15">
+            <a:extLst>
+              <a:ext uri="{FF2B5EF4-FFF2-40B4-BE49-F238E27FC236}">
+                <a16:creationId xmlns:a16="http://schemas.microsoft.com/office/drawing/2014/main" id="{6025D2DB-A12A-44DB-B00E-F4D622329EDD}"/>
+              </a:ext>
+              <a:ext uri="{C183D7F6-B498-43B3-948B-1728B52AA6E4}">
+                <adec:decorative xmlns:adec="http://schemas.microsoft.com/office/drawing/2017/decorative" val="1"/>
+              </a:ext>
+            </a:extLst>
+          </p:cNvPr>
+          <p:cNvSpPr>
+            <a:spLocks noGrp="1" noRot="1" noChangeAspect="1" noMove="1" noResize="1" noEditPoints="1" noAdjustHandles="1" noChangeArrowheads="1" noChangeShapeType="1" noTextEdit="1"/>
+          </p:cNvSpPr>
+          <p:nvPr>
+            <p:extLst>
+              <p:ext uri="{386F3935-93C4-4BCD-93E2-E3B085C9AB24}">
+                <p16:designElem xmlns:p16="http://schemas.microsoft.com/office/powerpoint/2015/main" val="1"/>
+              </p:ext>
+            </p:extLst>
+          </p:nvPr>
+        </p:nvSpPr>
+        <p:spPr>
+          <a:xfrm>
+            <a:off x="461331" y="480060"/>
+            <a:ext cx="4180332" cy="2788074"/>
+          </a:xfrm>
+          <a:prstGeom prst="rect">
+            <a:avLst/>
+          </a:prstGeom>
+          <a:solidFill>
+            <a:srgbClr val="FFFFFF"/>
+          </a:solidFill>
+          <a:ln w="19050">
+            <a:solidFill>
+              <a:srgbClr val="5F98F7"/>
+            </a:solidFill>
+          </a:ln>
+        </p:spPr>
+        <p:style>
+          <a:lnRef idx="2">
+            <a:schemeClr val="accent1">
+              <a:shade val="50000"/>
+            </a:schemeClr>
+          </a:lnRef>
+          <a:fillRef idx="1">
+            <a:schemeClr val="accent1"/>
+          </a:fillRef>
+          <a:effectRef idx="0">
+            <a:schemeClr val="accent1"/>
+          </a:effectRef>
+          <a:fontRef idx="minor">
+            <a:schemeClr val="lt1"/>
+          </a:fontRef>
+        </p:style>
+        <p:txBody>
+          <a:bodyPr rtlCol="0" anchor="ctr"/>
+          <a:lstStyle/>
+          <a:p>
+            <a:pPr algn="ctr"/>
+            <a:endParaRPr lang="en-US"/>
+          </a:p>
+        </p:txBody>
+      </p:sp>
+      <p:pic>
+        <p:nvPicPr>
+          <p:cNvPr id="5" name="Picture 4" descr="A graph of a number of people&#10;&#10;Description automatically generated with medium confidence">
+            <a:extLst>
+              <a:ext uri="{FF2B5EF4-FFF2-40B4-BE49-F238E27FC236}">
+                <a16:creationId xmlns:a16="http://schemas.microsoft.com/office/drawing/2014/main" id="{936D6C08-362A-E51C-869B-628A40FCB47C}"/>
+              </a:ext>
+            </a:extLst>
+          </p:cNvPr>
+          <p:cNvPicPr>
+            <a:picLocks noChangeAspect="1"/>
+          </p:cNvPicPr>
+          <p:nvPr/>
+        </p:nvPicPr>
+        <p:blipFill>
+          <a:blip r:embed="rId2">
+            <a:extLst>
+              <a:ext uri="{28A0092B-C50C-407E-A947-70E740481C1C}">
+                <a14:useLocalDpi xmlns:a14="http://schemas.microsoft.com/office/drawing/2010/main" val="0"/>
+              </a:ext>
+            </a:extLst>
+          </a:blip>
+          <a:stretch>
+            <a:fillRect/>
+          </a:stretch>
+        </p:blipFill>
+        <p:spPr>
+          <a:xfrm>
+            <a:off x="622549" y="691079"/>
+            <a:ext cx="3854945" cy="2380428"/>
+          </a:xfrm>
+          <a:prstGeom prst="rect">
+            <a:avLst/>
+          </a:prstGeom>
+        </p:spPr>
+      </p:pic>
+      <p:sp>
+        <p:nvSpPr>
+          <p:cNvPr id="18" name="Rectangle 17">
+            <a:extLst>
+              <a:ext uri="{FF2B5EF4-FFF2-40B4-BE49-F238E27FC236}">
+                <a16:creationId xmlns:a16="http://schemas.microsoft.com/office/drawing/2014/main" id="{CE7E7877-F64E-4EEA-B778-138031EFF874}"/>
+              </a:ext>
+              <a:ext uri="{C183D7F6-B498-43B3-948B-1728B52AA6E4}">
+                <adec:decorative xmlns:adec="http://schemas.microsoft.com/office/drawing/2017/decorative" val="1"/>
+              </a:ext>
+            </a:extLst>
+          </p:cNvPr>
+          <p:cNvSpPr>
+            <a:spLocks noGrp="1" noRot="1" noChangeAspect="1" noMove="1" noResize="1" noEditPoints="1" noAdjustHandles="1" noChangeArrowheads="1" noChangeShapeType="1" noTextEdit="1"/>
+          </p:cNvSpPr>
+          <p:nvPr>
+            <p:extLst>
+              <p:ext uri="{386F3935-93C4-4BCD-93E2-E3B085C9AB24}">
+                <p16:designElem xmlns:p16="http://schemas.microsoft.com/office/powerpoint/2015/main" val="1"/>
+              </p:ext>
+            </p:extLst>
+          </p:nvPr>
+        </p:nvSpPr>
+        <p:spPr>
+          <a:xfrm>
+            <a:off x="461331" y="3603670"/>
+            <a:ext cx="4180332" cy="2788074"/>
+          </a:xfrm>
+          <a:prstGeom prst="rect">
+            <a:avLst/>
+          </a:prstGeom>
+          <a:solidFill>
+            <a:srgbClr val="FFFFFF"/>
+          </a:solidFill>
+          <a:ln w="19050">
+            <a:solidFill>
+              <a:srgbClr val="5F98F7"/>
+            </a:solidFill>
+          </a:ln>
+        </p:spPr>
+        <p:style>
+          <a:lnRef idx="2">
+            <a:schemeClr val="accent1">
+              <a:shade val="50000"/>
+            </a:schemeClr>
+          </a:lnRef>
+          <a:fillRef idx="1">
+            <a:schemeClr val="accent1"/>
+          </a:fillRef>
+          <a:effectRef idx="0">
+            <a:schemeClr val="accent1"/>
+          </a:effectRef>
+          <a:fontRef idx="minor">
+            <a:schemeClr val="lt1"/>
+          </a:fontRef>
+        </p:style>
+        <p:txBody>
+          <a:bodyPr rtlCol="0" anchor="ctr"/>
+          <a:lstStyle/>
+          <a:p>
+            <a:pPr algn="ctr"/>
+            <a:endParaRPr lang="en-US"/>
+          </a:p>
+        </p:txBody>
+      </p:sp>
+      <p:pic>
+        <p:nvPicPr>
+          <p:cNvPr id="9" name="Picture 8" descr="A graph of a chart&#10;&#10;Description automatically generated with medium confidence">
+            <a:extLst>
+              <a:ext uri="{FF2B5EF4-FFF2-40B4-BE49-F238E27FC236}">
+                <a16:creationId xmlns:a16="http://schemas.microsoft.com/office/drawing/2014/main" id="{FCA1C798-26A6-5A4D-D4D4-4E8FF323477C}"/>
+              </a:ext>
+            </a:extLst>
+          </p:cNvPr>
+          <p:cNvPicPr>
+            <a:picLocks noChangeAspect="1"/>
+          </p:cNvPicPr>
+          <p:nvPr/>
+        </p:nvPicPr>
+        <p:blipFill>
+          <a:blip r:embed="rId3">
+            <a:extLst>
+              <a:ext uri="{28A0092B-C50C-407E-A947-70E740481C1C}">
+                <a14:useLocalDpi xmlns:a14="http://schemas.microsoft.com/office/drawing/2010/main" val="0"/>
+              </a:ext>
+            </a:extLst>
+          </a:blip>
+          <a:stretch>
+            <a:fillRect/>
+          </a:stretch>
+        </p:blipFill>
+        <p:spPr>
+          <a:xfrm>
+            <a:off x="622549" y="3793795"/>
+            <a:ext cx="3854945" cy="2380428"/>
+          </a:xfrm>
+          <a:prstGeom prst="rect">
+            <a:avLst/>
+          </a:prstGeom>
+        </p:spPr>
+      </p:pic>
+      <p:sp>
+        <p:nvSpPr>
+          <p:cNvPr id="20" name="Rectangle 19">
+            <a:extLst>
+              <a:ext uri="{FF2B5EF4-FFF2-40B4-BE49-F238E27FC236}">
+                <a16:creationId xmlns:a16="http://schemas.microsoft.com/office/drawing/2014/main" id="{7DD6C4F3-70FD-4F13-919C-702EE4886499}"/>
+              </a:ext>
+              <a:ext uri="{C183D7F6-B498-43B3-948B-1728B52AA6E4}">
+                <adec:decorative xmlns:adec="http://schemas.microsoft.com/office/drawing/2017/decorative" val="1"/>
+              </a:ext>
+            </a:extLst>
+          </p:cNvPr>
+          <p:cNvSpPr>
+            <a:spLocks noGrp="1" noRot="1" noChangeAspect="1" noMove="1" noResize="1" noEditPoints="1" noAdjustHandles="1" noChangeArrowheads="1" noChangeShapeType="1" noTextEdit="1"/>
+          </p:cNvSpPr>
+          <p:nvPr>
+            <p:extLst>
+              <p:ext uri="{386F3935-93C4-4BCD-93E2-E3B085C9AB24}">
+                <p16:designElem xmlns:p16="http://schemas.microsoft.com/office/powerpoint/2015/main" val="1"/>
+              </p:ext>
+            </p:extLst>
+          </p:nvPr>
+        </p:nvSpPr>
+        <p:spPr>
+          <a:xfrm>
+            <a:off x="4980596" y="487090"/>
+            <a:ext cx="6741849" cy="5897880"/>
+          </a:xfrm>
+          <a:prstGeom prst="rect">
+            <a:avLst/>
+          </a:prstGeom>
+          <a:solidFill>
+            <a:srgbClr val="FFFFFF"/>
+          </a:solidFill>
+          <a:ln w="19050">
+            <a:noFill/>
+          </a:ln>
+        </p:spPr>
+        <p:style>
+          <a:lnRef idx="2">
+            <a:schemeClr val="accent1">
+              <a:shade val="50000"/>
+            </a:schemeClr>
+          </a:lnRef>
+          <a:fillRef idx="1">
+            <a:schemeClr val="accent1"/>
+          </a:fillRef>
+          <a:effectRef idx="0">
+            <a:schemeClr val="accent1"/>
+          </a:effectRef>
+          <a:fontRef idx="minor">
+            <a:schemeClr val="lt1"/>
+          </a:fontRef>
+        </p:style>
+        <p:txBody>
+          <a:bodyPr rtlCol="0" anchor="ctr"/>
+          <a:lstStyle/>
+          <a:p>
+            <a:pPr algn="ctr"/>
+            <a:endParaRPr lang="en-US"/>
+          </a:p>
+        </p:txBody>
+      </p:sp>
+      <p:pic>
+        <p:nvPicPr>
+          <p:cNvPr id="7" name="Picture 6" descr="A graph of a graph with different colored rectangular shapes&#10;&#10;Description automatically generated with medium confidence">
+            <a:extLst>
+              <a:ext uri="{FF2B5EF4-FFF2-40B4-BE49-F238E27FC236}">
+                <a16:creationId xmlns:a16="http://schemas.microsoft.com/office/drawing/2014/main" id="{D93E685F-1C5D-4F44-37F1-3CABE68867E7}"/>
+              </a:ext>
+            </a:extLst>
+          </p:cNvPr>
+          <p:cNvPicPr>
+            <a:picLocks noChangeAspect="1"/>
+          </p:cNvPicPr>
+          <p:nvPr/>
+        </p:nvPicPr>
+        <p:blipFill>
+          <a:blip r:embed="rId4">
+            <a:extLst>
+              <a:ext uri="{28A0092B-C50C-407E-A947-70E740481C1C}">
+                <a14:useLocalDpi xmlns:a14="http://schemas.microsoft.com/office/drawing/2010/main" val="0"/>
+              </a:ext>
+            </a:extLst>
+          </a:blip>
+          <a:stretch>
+            <a:fillRect/>
+          </a:stretch>
+        </p:blipFill>
+        <p:spPr>
+          <a:xfrm>
+            <a:off x="5144764" y="1096350"/>
+            <a:ext cx="6410084" cy="4679359"/>
+          </a:xfrm>
+          <a:prstGeom prst="rect">
+            <a:avLst/>
+          </a:prstGeom>
+        </p:spPr>
+      </p:pic>
+    </p:spTree>
+    <p:extLst>
+      <p:ext uri="{BB962C8B-B14F-4D97-AF65-F5344CB8AC3E}">
+        <p14:creationId xmlns:p14="http://schemas.microsoft.com/office/powerpoint/2010/main" val="2778882173"/>
+      </p:ext>
+    </p:extLst>
+  </p:cSld>
+  <p:clrMapOvr>
+    <a:masterClrMapping/>
+  </p:clrMapOvr>
+  <p:timing>
+    <p:tnLst>
+      <p:par>
+        <p:cTn id="1" dur="indefinite" restart="never" nodeType="tmRoot">
+          <p:childTnLst>
+            <p:seq concurrent="1" nextAc="seek">
+              <p:cTn id="2" dur="indefinite" nodeType="mainSeq">
+                <p:childTnLst>
+                  <p:par>
+                    <p:cTn id="3" fill="hold">
+                      <p:stCondLst>
+                        <p:cond delay="indefinite"/>
+                      </p:stCondLst>
+                      <p:childTnLst>
+                        <p:par>
+                          <p:cTn id="4" fill="hold">
+                            <p:stCondLst>
+                              <p:cond delay="0"/>
+                            </p:stCondLst>
+                            <p:childTnLst>
+                              <p:par>
+                                <p:cTn id="5" presetID="26" presetClass="emph" presetSubtype="0" fill="hold" nodeType="clickEffect">
+                                  <p:stCondLst>
+                                    <p:cond delay="0"/>
+                                  </p:stCondLst>
+                                  <p:childTnLst>
+                                    <p:animEffect transition="out" filter="fade">
+                                      <p:cBhvr>
+                                        <p:cTn id="6" dur="500" tmFilter="0, 0; .2, .5; .8, .5; 1, 0"/>
+                                        <p:tgtEl>
+                                          <p:spTgt spid="5"/>
+                                        </p:tgtEl>
+                                      </p:cBhvr>
+                                    </p:animEffect>
+                                    <p:animScale>
+                                      <p:cBhvr>
+                                        <p:cTn id="7" dur="250" autoRev="1" fill="hold"/>
+                                        <p:tgtEl>
+                                          <p:spTgt spid="5"/>
+                                        </p:tgtEl>
+                                      </p:cBhvr>
+                                      <p:by x="105000" y="105000"/>
+                                    </p:animScale>
+                                  </p:childTnLst>
+                                </p:cTn>
+                              </p:par>
+                            </p:childTnLst>
+                          </p:cTn>
+                        </p:par>
+                      </p:childTnLst>
+                    </p:cTn>
+                  </p:par>
+                  <p:par>
+                    <p:cTn id="8" fill="hold">
+                      <p:stCondLst>
+                        <p:cond delay="indefinite"/>
+                      </p:stCondLst>
+                      <p:childTnLst>
+                        <p:par>
+                          <p:cTn id="9" fill="hold">
+                            <p:stCondLst>
+                              <p:cond delay="0"/>
+                            </p:stCondLst>
+                            <p:childTnLst>
+                              <p:par>
+                                <p:cTn id="10" presetID="26" presetClass="emph" presetSubtype="0" fill="hold" nodeType="clickEffect">
+                                  <p:stCondLst>
+                                    <p:cond delay="0"/>
+                                  </p:stCondLst>
+                                  <p:childTnLst>
+                                    <p:animEffect transition="out" filter="fade">
+                                      <p:cBhvr>
+                                        <p:cTn id="11" dur="500" tmFilter="0, 0; .2, .5; .8, .5; 1, 0"/>
+                                        <p:tgtEl>
+                                          <p:spTgt spid="9"/>
+                                        </p:tgtEl>
+                                      </p:cBhvr>
+                                    </p:animEffect>
+                                    <p:animScale>
+                                      <p:cBhvr>
+                                        <p:cTn id="12" dur="250" autoRev="1" fill="hold"/>
+                                        <p:tgtEl>
+                                          <p:spTgt spid="9"/>
+                                        </p:tgtEl>
+                                      </p:cBhvr>
+                                      <p:by x="105000" y="105000"/>
+                                    </p:animScale>
+                                  </p:childTnLst>
+                                </p:cTn>
+                              </p:par>
+                            </p:childTnLst>
+                          </p:cTn>
+                        </p:par>
+                      </p:childTnLst>
+                    </p:cTn>
+                  </p:par>
+                  <p:par>
+                    <p:cTn id="13" fill="hold">
+                      <p:stCondLst>
+                        <p:cond delay="indefinite"/>
+                      </p:stCondLst>
+                      <p:childTnLst>
+                        <p:par>
+                          <p:cTn id="14" fill="hold">
+                            <p:stCondLst>
+                              <p:cond delay="0"/>
+                            </p:stCondLst>
+                            <p:childTnLst>
+                              <p:par>
+                                <p:cTn id="15" presetID="26" presetClass="emph" presetSubtype="0" fill="hold" nodeType="clickEffect">
+                                  <p:stCondLst>
+                                    <p:cond delay="0"/>
+                                  </p:stCondLst>
+                                  <p:childTnLst>
+                                    <p:animEffect transition="out" filter="fade">
+                                      <p:cBhvr>
+                                        <p:cTn id="16" dur="500" tmFilter="0, 0; .2, .5; .8, .5; 1, 0"/>
+                                        <p:tgtEl>
+                                          <p:spTgt spid="7"/>
+                                        </p:tgtEl>
+                                      </p:cBhvr>
+                                    </p:animEffect>
+                                    <p:animScale>
+                                      <p:cBhvr>
+                                        <p:cTn id="17" dur="250" autoRev="1" fill="hold"/>
+                                        <p:tgtEl>
+                                          <p:spTgt spid="7"/>
+                                        </p:tgtEl>
+                                      </p:cBhvr>
+                                      <p:by x="105000" y="105000"/>
+                                    </p:animScale>
+                                  </p:childTnLst>
+                                </p:cTn>
+                              </p:par>
+                            </p:childTnLst>
+                          </p:cTn>
+                        </p:par>
+                      </p:childTnLst>
+                    </p:cTn>
+                  </p:par>
+                </p:childTnLst>
+              </p:cTn>
+              <p:prevCondLst>
+                <p:cond evt="onPrev" delay="0">
+                  <p:tgtEl>
+                    <p:sldTgt/>
+                  </p:tgtEl>
+                </p:cond>
+              </p:prevCondLst>
+              <p:nextCondLst>
+                <p:cond evt="onNext" delay="0">
+                  <p:tgtEl>
+                    <p:sldTgt/>
+                  </p:tgtEl>
+                </p:cond>
+              </p:nextCondLst>
+            </p:seq>
+          </p:childTnLst>
+        </p:cTn>
+      </p:par>
+    </p:tnLst>
+  </p:timing>
+</p:sld>
+</file>
+
 <file path=ppt/slides/slide5.xml><?xml version="1.0" encoding="utf-8"?>
 <p:sld xmlns:a="http://schemas.openxmlformats.org/drawingml/2006/main" xmlns:r="http://schemas.openxmlformats.org/officeDocument/2006/relationships" xmlns:p="http://schemas.openxmlformats.org/presentationml/2006/main">
   <p:cSld>
@@ -7522,6 +8501,127 @@
   <p:clrMapOvr>
     <a:masterClrMapping/>
   </p:clrMapOvr>
+  <p:timing>
+    <p:tnLst>
+      <p:par>
+        <p:cTn id="1" dur="indefinite" restart="never" nodeType="tmRoot">
+          <p:childTnLst>
+            <p:seq concurrent="1" nextAc="seek">
+              <p:cTn id="2" dur="indefinite" nodeType="mainSeq">
+                <p:childTnLst>
+                  <p:par>
+                    <p:cTn id="3" fill="hold">
+                      <p:stCondLst>
+                        <p:cond delay="indefinite"/>
+                        <p:cond evt="onBegin" delay="0">
+                          <p:tn val="2"/>
+                        </p:cond>
+                      </p:stCondLst>
+                      <p:childTnLst>
+                        <p:par>
+                          <p:cTn id="4" fill="hold">
+                            <p:stCondLst>
+                              <p:cond delay="0"/>
+                            </p:stCondLst>
+                            <p:childTnLst>
+                              <p:par>
+                                <p:cTn id="5" presetID="22" presetClass="entr" presetSubtype="8" fill="hold" grpId="0" nodeType="withEffect">
+                                  <p:stCondLst>
+                                    <p:cond delay="0"/>
+                                  </p:stCondLst>
+                                  <p:childTnLst>
+                                    <p:set>
+                                      <p:cBhvr>
+                                        <p:cTn id="6" dur="1" fill="hold">
+                                          <p:stCondLst>
+                                            <p:cond delay="0"/>
+                                          </p:stCondLst>
+                                        </p:cTn>
+                                        <p:tgtEl>
+                                          <p:spTgt spid="8"/>
+                                        </p:tgtEl>
+                                        <p:attrNameLst>
+                                          <p:attrName>style.visibility</p:attrName>
+                                        </p:attrNameLst>
+                                      </p:cBhvr>
+                                      <p:to>
+                                        <p:strVal val="visible"/>
+                                      </p:to>
+                                    </p:set>
+                                    <p:animEffect transition="in" filter="wipe(left)">
+                                      <p:cBhvr>
+                                        <p:cTn id="7" dur="500"/>
+                                        <p:tgtEl>
+                                          <p:spTgt spid="8"/>
+                                        </p:tgtEl>
+                                      </p:cBhvr>
+                                    </p:animEffect>
+                                  </p:childTnLst>
+                                </p:cTn>
+                              </p:par>
+                              <p:par>
+                                <p:cTn id="8" presetID="1" presetClass="entr" presetSubtype="0" fill="hold" grpId="0" nodeType="withEffect">
+                                  <p:stCondLst>
+                                    <p:cond delay="0"/>
+                                  </p:stCondLst>
+                                  <p:childTnLst>
+                                    <p:set>
+                                      <p:cBhvr>
+                                        <p:cTn id="9" dur="1" fill="hold">
+                                          <p:stCondLst>
+                                            <p:cond delay="0"/>
+                                          </p:stCondLst>
+                                        </p:cTn>
+                                        <p:tgtEl>
+                                          <p:spTgt spid="9">
+                                            <p:txEl>
+                                              <p:pRg st="0" end="0"/>
+                                            </p:txEl>
+                                          </p:spTgt>
+                                        </p:tgtEl>
+                                        <p:attrNameLst>
+                                          <p:attrName>style.visibility</p:attrName>
+                                        </p:attrNameLst>
+                                      </p:cBhvr>
+                                      <p:to>
+                                        <p:strVal val="visible"/>
+                                      </p:to>
+                                    </p:set>
+                                  </p:childTnLst>
+                                </p:cTn>
+                              </p:par>
+                            </p:childTnLst>
+                          </p:cTn>
+                        </p:par>
+                      </p:childTnLst>
+                    </p:cTn>
+                  </p:par>
+                </p:childTnLst>
+              </p:cTn>
+              <p:prevCondLst>
+                <p:cond evt="onPrev" delay="0">
+                  <p:tgtEl>
+                    <p:sldTgt/>
+                  </p:tgtEl>
+                </p:cond>
+              </p:prevCondLst>
+              <p:nextCondLst>
+                <p:cond evt="onNext" delay="0">
+                  <p:tgtEl>
+                    <p:sldTgt/>
+                  </p:tgtEl>
+                </p:cond>
+              </p:nextCondLst>
+            </p:seq>
+          </p:childTnLst>
+        </p:cTn>
+      </p:par>
+    </p:tnLst>
+    <p:bldLst>
+      <p:bldP spid="8" grpId="0"/>
+      <p:bldP spid="9" grpId="0" build="p"/>
+    </p:bldLst>
+  </p:timing>
 </p:sld>
 </file>
 
@@ -8112,6 +9212,89 @@
   <p:clrMapOvr>
     <a:masterClrMapping/>
   </p:clrMapOvr>
+  <p:timing>
+    <p:tnLst>
+      <p:par>
+        <p:cTn id="1" dur="indefinite" restart="never" nodeType="tmRoot">
+          <p:childTnLst>
+            <p:seq concurrent="1" nextAc="seek">
+              <p:cTn id="2" dur="indefinite" nodeType="mainSeq">
+                <p:childTnLst>
+                  <p:par>
+                    <p:cTn id="3" fill="hold">
+                      <p:stCondLst>
+                        <p:cond delay="indefinite"/>
+                      </p:stCondLst>
+                      <p:childTnLst>
+                        <p:par>
+                          <p:cTn id="4" fill="hold">
+                            <p:stCondLst>
+                              <p:cond delay="0"/>
+                            </p:stCondLst>
+                            <p:childTnLst>
+                              <p:par>
+                                <p:cTn id="5" presetID="10" presetClass="entr" presetSubtype="0" fill="hold" nodeType="clickEffect">
+                                  <p:stCondLst>
+                                    <p:cond delay="0"/>
+                                  </p:stCondLst>
+                                  <p:childTnLst>
+                                    <p:set>
+                                      <p:cBhvr>
+                                        <p:cTn id="6" dur="1" fill="hold">
+                                          <p:stCondLst>
+                                            <p:cond delay="0"/>
+                                          </p:stCondLst>
+                                        </p:cTn>
+                                        <p:tgtEl>
+                                          <p:spTgt spid="6"/>
+                                        </p:tgtEl>
+                                        <p:attrNameLst>
+                                          <p:attrName>style.visibility</p:attrName>
+                                        </p:attrNameLst>
+                                      </p:cBhvr>
+                                      <p:to>
+                                        <p:strVal val="visible"/>
+                                      </p:to>
+                                    </p:set>
+                                    <p:animEffect transition="in" filter="fade">
+                                      <p:cBhvr>
+                                        <p:cTn id="7" dur="500"/>
+                                        <p:tgtEl>
+                                          <p:spTgt spid="6"/>
+                                        </p:tgtEl>
+                                      </p:cBhvr>
+                                    </p:animEffect>
+                                  </p:childTnLst>
+                                </p:cTn>
+                              </p:par>
+                            </p:childTnLst>
+                          </p:cTn>
+                        </p:par>
+                      </p:childTnLst>
+                    </p:cTn>
+                  </p:par>
+                </p:childTnLst>
+              </p:cTn>
+              <p:prevCondLst>
+                <p:cond evt="onPrev" delay="0">
+                  <p:tgtEl>
+                    <p:sldTgt/>
+                  </p:tgtEl>
+                </p:cond>
+              </p:prevCondLst>
+              <p:nextCondLst>
+                <p:cond evt="onNext" delay="0">
+                  <p:tgtEl>
+                    <p:sldTgt/>
+                  </p:tgtEl>
+                </p:cond>
+              </p:nextCondLst>
+            </p:seq>
+          </p:childTnLst>
+        </p:cTn>
+      </p:par>
+    </p:tnLst>
+  </p:timing>
 </p:sld>
 </file>
 
@@ -8142,10 +9325,10 @@
       </p:grpSpPr>
       <p:sp>
         <p:nvSpPr>
-          <p:cNvPr id="35" name="Rectangle 34">
+          <p:cNvPr id="52" name="Rectangle 51">
             <a:extLst>
               <a:ext uri="{FF2B5EF4-FFF2-40B4-BE49-F238E27FC236}">
-                <a16:creationId xmlns:a16="http://schemas.microsoft.com/office/drawing/2014/main" id="{5F9CFCE6-877F-4858-B8BD-2C52CA8AFBC4}"/>
+                <a16:creationId xmlns:a16="http://schemas.microsoft.com/office/drawing/2014/main" id="{32BC26D8-82FB-445E-AA49-62A77D7C1EE0}"/>
               </a:ext>
               <a:ext uri="{C183D7F6-B498-43B3-948B-1728B52AA6E4}">
                 <adec:decorative xmlns:adec="http://schemas.microsoft.com/office/drawing/2017/decorative" val="1"/>
@@ -8172,7 +9355,10 @@
             <a:avLst/>
           </a:prstGeom>
           <a:solidFill>
-            <a:srgbClr val="4E4E4E"/>
+            <a:schemeClr val="tx1">
+              <a:lumMod val="65000"/>
+              <a:lumOff val="35000"/>
+            </a:schemeClr>
           </a:solidFill>
           <a:ln>
             <a:noFill/>
@@ -8205,10 +9391,10 @@
       </p:sp>
       <p:sp>
         <p:nvSpPr>
-          <p:cNvPr id="37" name="Rectangle 36">
+          <p:cNvPr id="53" name="Rectangle 52">
             <a:extLst>
               <a:ext uri="{FF2B5EF4-FFF2-40B4-BE49-F238E27FC236}">
-                <a16:creationId xmlns:a16="http://schemas.microsoft.com/office/drawing/2014/main" id="{8213F8A0-12AE-4514-8372-0DD766EC28EE}"/>
+                <a16:creationId xmlns:a16="http://schemas.microsoft.com/office/drawing/2014/main" id="{CB44330D-EA18-4254-AA95-EB49948539B8}"/>
               </a:ext>
               <a:ext uri="{C183D7F6-B498-43B3-948B-1728B52AA6E4}">
                 <adec:decorative xmlns:adec="http://schemas.microsoft.com/office/drawing/2017/decorative" val="1"/>
@@ -8228,8 +9414,8 @@
         </p:nvSpPr>
         <p:spPr>
           <a:xfrm>
-            <a:off x="6256866" y="480060"/>
-            <a:ext cx="5458122" cy="5897880"/>
+            <a:off x="477012" y="480060"/>
+            <a:ext cx="11237976" cy="5897880"/>
           </a:xfrm>
           <a:prstGeom prst="rect">
             <a:avLst/>
@@ -8266,111 +9452,12 @@
           </a:p>
         </p:txBody>
       </p:sp>
-      <p:sp>
-        <p:nvSpPr>
-          <p:cNvPr id="39" name="Rectangle 38">
-            <a:extLst>
-              <a:ext uri="{FF2B5EF4-FFF2-40B4-BE49-F238E27FC236}">
-                <a16:creationId xmlns:a16="http://schemas.microsoft.com/office/drawing/2014/main" id="{9EFF17D4-9A8C-4CE5-B096-D8CCD4400437}"/>
-              </a:ext>
-              <a:ext uri="{C183D7F6-B498-43B3-948B-1728B52AA6E4}">
-                <adec:decorative xmlns:adec="http://schemas.microsoft.com/office/drawing/2017/decorative" val="1"/>
-              </a:ext>
-            </a:extLst>
-          </p:cNvPr>
-          <p:cNvSpPr>
-            <a:spLocks noGrp="1" noRot="1" noChangeAspect="1" noMove="1" noResize="1" noEditPoints="1" noAdjustHandles="1" noChangeArrowheads="1" noChangeShapeType="1" noTextEdit="1"/>
-          </p:cNvSpPr>
-          <p:nvPr>
-            <p:extLst>
-              <p:ext uri="{386F3935-93C4-4BCD-93E2-E3B085C9AB24}">
-                <p16:designElem xmlns:p16="http://schemas.microsoft.com/office/powerpoint/2015/main" val="1"/>
-              </p:ext>
-            </p:extLst>
-          </p:nvPr>
-        </p:nvSpPr>
-        <p:spPr>
-          <a:xfrm>
-            <a:off x="477012" y="480060"/>
-            <a:ext cx="5458121" cy="5897880"/>
-          </a:xfrm>
-          <a:prstGeom prst="rect">
-            <a:avLst/>
-          </a:prstGeom>
-          <a:solidFill>
-            <a:srgbClr val="FFFFFF"/>
-          </a:solidFill>
-          <a:ln>
-            <a:noFill/>
-          </a:ln>
-        </p:spPr>
-        <p:style>
-          <a:lnRef idx="2">
-            <a:schemeClr val="accent1">
-              <a:shade val="50000"/>
-            </a:schemeClr>
-          </a:lnRef>
-          <a:fillRef idx="1">
-            <a:schemeClr val="accent1"/>
-          </a:fillRef>
-          <a:effectRef idx="0">
-            <a:schemeClr val="accent1"/>
-          </a:effectRef>
-          <a:fontRef idx="minor">
-            <a:schemeClr val="lt1"/>
-          </a:fontRef>
-        </p:style>
-        <p:txBody>
-          <a:bodyPr rtlCol="0" anchor="ctr"/>
-          <a:lstStyle/>
-          <a:p>
-            <a:pPr algn="ctr"/>
-            <a:endParaRPr lang="en-US"/>
-          </a:p>
-        </p:txBody>
-      </p:sp>
-      <p:pic>
-        <p:nvPicPr>
-          <p:cNvPr id="3" name="Picture 2" descr="A graph of different colored squares&#10;&#10;Description automatically generated with medium confidence">
-            <a:extLst>
-              <a:ext uri="{FF2B5EF4-FFF2-40B4-BE49-F238E27FC236}">
-                <a16:creationId xmlns:a16="http://schemas.microsoft.com/office/drawing/2014/main" id="{5A2ABB4A-38FB-46BF-61AA-A41EABB18C67}"/>
-              </a:ext>
-            </a:extLst>
-          </p:cNvPr>
-          <p:cNvPicPr>
-            <a:picLocks noChangeAspect="1"/>
-          </p:cNvPicPr>
-          <p:nvPr/>
-        </p:nvPicPr>
-        <p:blipFill>
-          <a:blip r:embed="rId2">
-            <a:extLst>
-              <a:ext uri="{28A0092B-C50C-407E-A947-70E740481C1C}">
-                <a14:useLocalDpi xmlns:a14="http://schemas.microsoft.com/office/drawing/2010/main" val="0"/>
-              </a:ext>
-            </a:extLst>
-          </a:blip>
-          <a:stretch>
-            <a:fillRect/>
-          </a:stretch>
-        </p:blipFill>
-        <p:spPr>
-          <a:xfrm>
-            <a:off x="6421036" y="1757242"/>
-            <a:ext cx="5129784" cy="3167640"/>
-          </a:xfrm>
-          <a:prstGeom prst="rect">
-            <a:avLst/>
-          </a:prstGeom>
-        </p:spPr>
-      </p:pic>
       <p:pic>
         <p:nvPicPr>
           <p:cNvPr id="11" name="Content Placeholder 10">
             <a:extLst>
               <a:ext uri="{FF2B5EF4-FFF2-40B4-BE49-F238E27FC236}">
-                <a16:creationId xmlns:a16="http://schemas.microsoft.com/office/drawing/2014/main" id="{25491DA8-42E6-22B7-9BB0-7E12862F6FC2}"/>
+                <a16:creationId xmlns:a16="http://schemas.microsoft.com/office/drawing/2014/main" id="{284FAB06-5912-25C1-4F09-1735FA5BFAA6}"/>
               </a:ext>
             </a:extLst>
           </p:cNvPr>
@@ -8380,7 +9467,7 @@
           <p:nvPr/>
         </p:nvPicPr>
         <p:blipFill rotWithShape="1">
-          <a:blip r:embed="rId3">
+          <a:blip r:embed="rId2">
             <a:extLst>
               <a:ext uri="{28A0092B-C50C-407E-A947-70E740481C1C}">
                 <a14:useLocalDpi xmlns:a14="http://schemas.microsoft.com/office/drawing/2010/main" val="0"/>
@@ -8392,8 +9479,8 @@
         </p:blipFill>
         <p:spPr>
           <a:xfrm>
-            <a:off x="641180" y="1862344"/>
-            <a:ext cx="5129784" cy="2957436"/>
+            <a:off x="1264389" y="643467"/>
+            <a:ext cx="9663221" cy="5571066"/>
           </a:xfrm>
           <a:prstGeom prst="rect">
             <a:avLst/>
@@ -8410,6 +9497,89 @@
   <p:clrMapOvr>
     <a:masterClrMapping/>
   </p:clrMapOvr>
+  <p:timing>
+    <p:tnLst>
+      <p:par>
+        <p:cTn id="1" dur="indefinite" restart="never" nodeType="tmRoot">
+          <p:childTnLst>
+            <p:seq concurrent="1" nextAc="seek">
+              <p:cTn id="2" dur="indefinite" nodeType="mainSeq">
+                <p:childTnLst>
+                  <p:par>
+                    <p:cTn id="3" fill="hold">
+                      <p:stCondLst>
+                        <p:cond delay="indefinite"/>
+                      </p:stCondLst>
+                      <p:childTnLst>
+                        <p:par>
+                          <p:cTn id="4" fill="hold">
+                            <p:stCondLst>
+                              <p:cond delay="0"/>
+                            </p:stCondLst>
+                            <p:childTnLst>
+                              <p:par>
+                                <p:cTn id="5" presetID="10" presetClass="entr" presetSubtype="0" fill="hold" nodeType="clickEffect">
+                                  <p:stCondLst>
+                                    <p:cond delay="0"/>
+                                  </p:stCondLst>
+                                  <p:childTnLst>
+                                    <p:set>
+                                      <p:cBhvr>
+                                        <p:cTn id="6" dur="1" fill="hold">
+                                          <p:stCondLst>
+                                            <p:cond delay="0"/>
+                                          </p:stCondLst>
+                                        </p:cTn>
+                                        <p:tgtEl>
+                                          <p:spTgt spid="11"/>
+                                        </p:tgtEl>
+                                        <p:attrNameLst>
+                                          <p:attrName>style.visibility</p:attrName>
+                                        </p:attrNameLst>
+                                      </p:cBhvr>
+                                      <p:to>
+                                        <p:strVal val="visible"/>
+                                      </p:to>
+                                    </p:set>
+                                    <p:animEffect transition="in" filter="fade">
+                                      <p:cBhvr>
+                                        <p:cTn id="7" dur="500"/>
+                                        <p:tgtEl>
+                                          <p:spTgt spid="11"/>
+                                        </p:tgtEl>
+                                      </p:cBhvr>
+                                    </p:animEffect>
+                                  </p:childTnLst>
+                                </p:cTn>
+                              </p:par>
+                            </p:childTnLst>
+                          </p:cTn>
+                        </p:par>
+                      </p:childTnLst>
+                    </p:cTn>
+                  </p:par>
+                </p:childTnLst>
+              </p:cTn>
+              <p:prevCondLst>
+                <p:cond evt="onPrev" delay="0">
+                  <p:tgtEl>
+                    <p:sldTgt/>
+                  </p:tgtEl>
+                </p:cond>
+              </p:prevCondLst>
+              <p:nextCondLst>
+                <p:cond evt="onNext" delay="0">
+                  <p:tgtEl>
+                    <p:sldTgt/>
+                  </p:tgtEl>
+                </p:cond>
+              </p:nextCondLst>
+            </p:seq>
+          </p:childTnLst>
+        </p:cTn>
+      </p:par>
+    </p:tnLst>
+  </p:timing>
 </p:sld>
 </file>
 
@@ -8709,6 +9879,124 @@
   <p:clrMapOvr>
     <a:masterClrMapping/>
   </p:clrMapOvr>
+  <p:timing>
+    <p:tnLst>
+      <p:par>
+        <p:cTn id="1" dur="indefinite" restart="never" nodeType="tmRoot">
+          <p:childTnLst>
+            <p:seq concurrent="1" nextAc="seek">
+              <p:cTn id="2" dur="indefinite" nodeType="mainSeq">
+                <p:childTnLst>
+                  <p:par>
+                    <p:cTn id="3" fill="hold">
+                      <p:stCondLst>
+                        <p:cond delay="indefinite"/>
+                      </p:stCondLst>
+                      <p:childTnLst>
+                        <p:par>
+                          <p:cTn id="4" fill="hold">
+                            <p:stCondLst>
+                              <p:cond delay="0"/>
+                            </p:stCondLst>
+                            <p:childTnLst>
+                              <p:par>
+                                <p:cTn id="5" presetID="26" presetClass="emph" presetSubtype="0" fill="hold" nodeType="clickEffect">
+                                  <p:stCondLst>
+                                    <p:cond delay="0"/>
+                                  </p:stCondLst>
+                                  <p:childTnLst>
+                                    <p:animEffect transition="out" filter="fade">
+                                      <p:cBhvr>
+                                        <p:cTn id="6" dur="500" tmFilter="0, 0; .2, .5; .8, .5; 1, 0"/>
+                                        <p:tgtEl>
+                                          <p:spTgt spid="8"/>
+                                        </p:tgtEl>
+                                      </p:cBhvr>
+                                    </p:animEffect>
+                                    <p:animScale>
+                                      <p:cBhvr>
+                                        <p:cTn id="7" dur="250" autoRev="1" fill="hold"/>
+                                        <p:tgtEl>
+                                          <p:spTgt spid="8"/>
+                                        </p:tgtEl>
+                                      </p:cBhvr>
+                                      <p:by x="105000" y="105000"/>
+                                    </p:animScale>
+                                  </p:childTnLst>
+                                </p:cTn>
+                              </p:par>
+                            </p:childTnLst>
+                          </p:cTn>
+                        </p:par>
+                      </p:childTnLst>
+                    </p:cTn>
+                  </p:par>
+                  <p:par>
+                    <p:cTn id="8" fill="hold">
+                      <p:stCondLst>
+                        <p:cond delay="indefinite"/>
+                      </p:stCondLst>
+                      <p:childTnLst>
+                        <p:par>
+                          <p:cTn id="9" fill="hold">
+                            <p:stCondLst>
+                              <p:cond delay="0"/>
+                            </p:stCondLst>
+                            <p:childTnLst>
+                              <p:par>
+                                <p:cTn id="10" presetID="26" presetClass="emph" presetSubtype="0" fill="hold" nodeType="clickEffect">
+                                  <p:stCondLst>
+                                    <p:cond delay="0"/>
+                                  </p:stCondLst>
+                                  <p:childTnLst>
+                                    <p:animEffect transition="out" filter="fade">
+                                      <p:cBhvr>
+                                        <p:cTn id="11" dur="500" tmFilter="0, 0; .2, .5; .8, .5; 1, 0"/>
+                                        <p:tgtEl>
+                                          <p:spTgt spid="10"/>
+                                        </p:tgtEl>
+                                      </p:cBhvr>
+                                    </p:animEffect>
+                                    <p:animScale>
+                                      <p:cBhvr>
+                                        <p:cTn id="12" dur="250" autoRev="1" fill="hold"/>
+                                        <p:tgtEl>
+                                          <p:spTgt spid="10"/>
+                                        </p:tgtEl>
+                                      </p:cBhvr>
+                                      <p:by x="105000" y="105000"/>
+                                    </p:animScale>
+                                  </p:childTnLst>
+                                </p:cTn>
+                              </p:par>
+                            </p:childTnLst>
+                          </p:cTn>
+                        </p:par>
+                      </p:childTnLst>
+                    </p:cTn>
+                  </p:par>
+                </p:childTnLst>
+              </p:cTn>
+              <p:prevCondLst>
+                <p:cond evt="onPrev" delay="0">
+                  <p:tgtEl>
+                    <p:sldTgt/>
+                  </p:tgtEl>
+                </p:cond>
+              </p:prevCondLst>
+              <p:nextCondLst>
+                <p:cond evt="onNext" delay="0">
+                  <p:tgtEl>
+                    <p:sldTgt/>
+                  </p:tgtEl>
+                </p:cond>
+              </p:nextCondLst>
+            </p:seq>
+          </p:childTnLst>
+        </p:cTn>
+      </p:par>
+    </p:tnLst>
+  </p:timing>
 </p:sld>
 </file>
 
